--- a/traktor/mapping_ddj_1000/Support files/Source files/DDJ - BOME Installation Guide.pptx
+++ b/traktor/mapping_ddj_1000/Support files/Source files/DDJ - BOME Installation Guide.pptx
@@ -236,7 +236,7 @@
           <a:p>
             <a:fld id="{FD1106D6-862D-40C1-9815-6CA98A8212E7}" type="datetimeFigureOut">
               <a:rPr lang="en-US" smtClean="0"/>
-              <a:t>3/14/2020</a:t>
+              <a:t>3/31/2020</a:t>
             </a:fld>
             <a:endParaRPr lang="en-US"/>
           </a:p>
@@ -685,7 +685,7 @@
           <a:p>
             <a:fld id="{2210F31E-471C-49AB-BCB5-CD02FD8CF774}" type="datetime1">
               <a:rPr lang="en-US" smtClean="0"/>
-              <a:t>3/14/2020</a:t>
+              <a:t>3/31/2020</a:t>
             </a:fld>
             <a:endParaRPr lang="en-US"/>
           </a:p>
@@ -856,7 +856,7 @@
           <a:p>
             <a:fld id="{8D71325A-5F0F-4C05-B2C2-000C37AB3377}" type="datetime1">
               <a:rPr lang="en-US" smtClean="0"/>
-              <a:t>3/14/2020</a:t>
+              <a:t>3/31/2020</a:t>
             </a:fld>
             <a:endParaRPr lang="en-US"/>
           </a:p>
@@ -1032,7 +1032,7 @@
           <a:p>
             <a:fld id="{21427B84-2FF0-4F0F-B570-C4E4B5F21DB7}" type="datetime1">
               <a:rPr lang="en-US" smtClean="0"/>
-              <a:t>3/14/2020</a:t>
+              <a:t>3/31/2020</a:t>
             </a:fld>
             <a:endParaRPr lang="en-US"/>
           </a:p>
@@ -1198,7 +1198,7 @@
           <a:p>
             <a:fld id="{142E54EE-D40A-4E6C-8661-C40B803C702C}" type="datetime1">
               <a:rPr lang="en-US" smtClean="0"/>
-              <a:t>3/14/2020</a:t>
+              <a:t>3/31/2020</a:t>
             </a:fld>
             <a:endParaRPr lang="en-US"/>
           </a:p>
@@ -1440,7 +1440,7 @@
           <a:p>
             <a:fld id="{B3389394-3C23-4688-9897-ABF79B2340CA}" type="datetime1">
               <a:rPr lang="en-US" smtClean="0"/>
-              <a:t>3/14/2020</a:t>
+              <a:t>3/31/2020</a:t>
             </a:fld>
             <a:endParaRPr lang="en-US"/>
           </a:p>
@@ -1724,7 +1724,7 @@
           <a:p>
             <a:fld id="{420F0BF2-AA83-4C8D-9F49-F6375157B97D}" type="datetime1">
               <a:rPr lang="en-US" smtClean="0"/>
-              <a:t>3/14/2020</a:t>
+              <a:t>3/31/2020</a:t>
             </a:fld>
             <a:endParaRPr lang="en-US"/>
           </a:p>
@@ -2142,7 +2142,7 @@
           <a:p>
             <a:fld id="{CAB349AE-4CC5-45F8-929E-E118FC16E1D3}" type="datetime1">
               <a:rPr lang="en-US" smtClean="0"/>
-              <a:t>3/14/2020</a:t>
+              <a:t>3/31/2020</a:t>
             </a:fld>
             <a:endParaRPr lang="en-US"/>
           </a:p>
@@ -2256,7 +2256,7 @@
           <a:p>
             <a:fld id="{02EA45F8-DCFE-4C3D-A7ED-9F4BDCF2EA9B}" type="datetime1">
               <a:rPr lang="en-US" smtClean="0"/>
-              <a:t>3/14/2020</a:t>
+              <a:t>3/31/2020</a:t>
             </a:fld>
             <a:endParaRPr lang="en-US"/>
           </a:p>
@@ -2347,7 +2347,7 @@
           <a:p>
             <a:fld id="{967BE5D2-4961-43B9-B2B4-541ED4E48BA6}" type="datetime1">
               <a:rPr lang="en-US" smtClean="0"/>
-              <a:t>3/14/2020</a:t>
+              <a:t>3/31/2020</a:t>
             </a:fld>
             <a:endParaRPr lang="en-US"/>
           </a:p>
@@ -2620,7 +2620,7 @@
           <a:p>
             <a:fld id="{4B93E601-CA79-4E17-A338-D78511FE601A}" type="datetime1">
               <a:rPr lang="en-US" smtClean="0"/>
-              <a:t>3/14/2020</a:t>
+              <a:t>3/31/2020</a:t>
             </a:fld>
             <a:endParaRPr lang="en-US"/>
           </a:p>
@@ -2869,7 +2869,7 @@
           <a:p>
             <a:fld id="{C986C098-3787-475E-8AF0-AC644DF989B2}" type="datetime1">
               <a:rPr lang="en-US" smtClean="0"/>
-              <a:t>3/14/2020</a:t>
+              <a:t>3/31/2020</a:t>
             </a:fld>
             <a:endParaRPr lang="en-US"/>
           </a:p>
@@ -3078,7 +3078,7 @@
           <a:p>
             <a:fld id="{683A9C64-68CC-4288-B67F-6AB510CCE6FC}" type="datetime1">
               <a:rPr lang="en-US" smtClean="0"/>
-              <a:t>3/14/2020</a:t>
+              <a:t>3/31/2020</a:t>
             </a:fld>
             <a:endParaRPr lang="en-US"/>
           </a:p>
@@ -3458,8 +3458,8 @@
         </p:nvSpPr>
         <p:spPr>
           <a:xfrm>
-            <a:off x="35168" y="304800"/>
-            <a:ext cx="9108831" cy="2062103"/>
+            <a:off x="685800" y="76200"/>
+            <a:ext cx="8001001" cy="2862322"/>
           </a:xfrm>
           <a:prstGeom prst="rect">
             <a:avLst/>
@@ -3474,22 +3474,26 @@
           <a:p>
             <a:pPr algn="ctr"/>
             <a:r>
-              <a:rPr lang="en-US" sz="6200" b="1" dirty="0" smtClean="0"/>
-              <a:t>DDJ-1000 </a:t>
-            </a:r>
-            <a:r>
-              <a:rPr lang="en-US" sz="6200" b="1" dirty="0" smtClean="0"/>
-              <a:t>BOME mapping installation for </a:t>
-            </a:r>
-            <a:r>
-              <a:rPr lang="en-US" sz="6200" b="1" dirty="0" err="1"/>
-              <a:t>T</a:t>
-            </a:r>
-            <a:r>
-              <a:rPr lang="en-US" sz="6200" b="1" dirty="0" err="1" smtClean="0"/>
-              <a:t>raktor</a:t>
-            </a:r>
-            <a:endParaRPr lang="en-US" sz="6200" b="1" dirty="0" smtClean="0"/>
+              <a:rPr lang="en-US" sz="6000" b="1" dirty="0" smtClean="0"/>
+              <a:t>BOME mapping installation</a:t>
+            </a:r>
+            <a:r>
+              <a:rPr lang="en-US" sz="6000" b="1" dirty="0" smtClean="0"/>
+              <a:t> </a:t>
+            </a:r>
+            <a:r>
+              <a:rPr lang="en-US" sz="6000" b="1" dirty="0" smtClean="0"/>
+              <a:t>guide for </a:t>
+            </a:r>
+            <a:r>
+              <a:rPr lang="en-US" sz="6000" b="1" u="sng" dirty="0" smtClean="0"/>
+              <a:t>all</a:t>
+            </a:r>
+            <a:r>
+              <a:rPr lang="en-US" sz="6000" b="1" dirty="0" smtClean="0"/>
+              <a:t> Pioneer DDJ controllers</a:t>
+            </a:r>
+            <a:endParaRPr lang="en-US" sz="6000" b="1" dirty="0" smtClean="0"/>
           </a:p>
         </p:txBody>
       </p:sp>
@@ -3501,8 +3505,8 @@
         </p:nvSpPr>
         <p:spPr>
           <a:xfrm>
-            <a:off x="35169" y="2466914"/>
-            <a:ext cx="8915399" cy="2677656"/>
+            <a:off x="1275687" y="4114800"/>
+            <a:ext cx="6821224" cy="2308324"/>
           </a:xfrm>
           <a:prstGeom prst="rect">
             <a:avLst/>
@@ -3517,134 +3521,116 @@
           <a:p>
             <a:pPr algn="ctr"/>
             <a:r>
-              <a:rPr lang="en-US" sz="2400" i="1" u="sng" dirty="0" smtClean="0"/>
-              <a:t>(</a:t>
-            </a:r>
-            <a:r>
-              <a:rPr lang="en-US" sz="2400" b="1" i="1" u="sng" dirty="0" smtClean="0"/>
-              <a:t>from version 6.7.0 and newer: now also applicable </a:t>
-            </a:r>
-            <a:r>
-              <a:rPr lang="en-US" sz="2400" b="1" i="1" u="sng" dirty="0" smtClean="0"/>
-              <a:t>to </a:t>
-            </a:r>
-            <a:r>
-              <a:rPr lang="en-US" sz="2400" b="1" i="1" u="sng" dirty="0" smtClean="0"/>
-              <a:t>all DDJ controllers [SX2/SZ/SRT/</a:t>
-            </a:r>
-            <a:r>
-              <a:rPr lang="en-US" sz="2400" b="1" i="1" u="sng" dirty="0" err="1" smtClean="0"/>
-              <a:t>etc</a:t>
-            </a:r>
-            <a:r>
-              <a:rPr lang="en-US" sz="2400" b="1" i="1" u="sng" dirty="0"/>
-              <a:t>]</a:t>
-            </a:r>
-            <a:r>
-              <a:rPr lang="en-US" sz="2400" b="1" i="1" u="sng" dirty="0" smtClean="0"/>
-              <a:t>. See Annexes for specific instructions!</a:t>
-            </a:r>
-            <a:r>
-              <a:rPr lang="en-US" sz="2400" i="1" dirty="0" smtClean="0"/>
-              <a:t>)</a:t>
-            </a:r>
-            <a:endParaRPr lang="en-US" sz="2400" i="1" dirty="0" smtClean="0"/>
+              <a:rPr lang="en-US" sz="1600" b="1" i="1" dirty="0" smtClean="0"/>
+              <a:t>NOTE 1</a:t>
+            </a:r>
+            <a:r>
+              <a:rPr lang="en-US" sz="1600" b="1" i="1" dirty="0"/>
+              <a:t>:</a:t>
+            </a:r>
+            <a:r>
+              <a:rPr lang="en-US" sz="1600" i="1" dirty="0" smtClean="0"/>
+              <a:t> This </a:t>
+            </a:r>
+            <a:r>
+              <a:rPr lang="en-US" sz="1600" i="1" dirty="0"/>
+              <a:t>guide </a:t>
+            </a:r>
+            <a:r>
+              <a:rPr lang="en-US" sz="1600" i="1" dirty="0" smtClean="0"/>
+              <a:t>covers all DDJ controllers. </a:t>
+            </a:r>
+            <a:br>
+              <a:rPr lang="en-US" sz="1600" i="1" dirty="0" smtClean="0"/>
+            </a:br>
+            <a:r>
+              <a:rPr lang="en-US" sz="1600" i="1" dirty="0" smtClean="0"/>
+              <a:t>The only difference is the Aliases (page 10) and Output (page 28). </a:t>
+            </a:r>
+            <a:br>
+              <a:rPr lang="en-US" sz="1600" i="1" dirty="0" smtClean="0"/>
+            </a:br>
+            <a:r>
+              <a:rPr lang="en-US" sz="1600" i="1" dirty="0" smtClean="0"/>
+              <a:t>The Annexes have specific pictures for specific DDJs.</a:t>
+            </a:r>
+            <a:br>
+              <a:rPr lang="en-US" sz="1600" i="1" dirty="0" smtClean="0"/>
+            </a:br>
+            <a:endParaRPr lang="en-US" sz="1600" i="1" dirty="0" smtClean="0"/>
           </a:p>
           <a:p>
             <a:pPr algn="ctr"/>
-            <a:endParaRPr lang="en-US" sz="2000" i="1" dirty="0"/>
+            <a:r>
+              <a:rPr lang="en-US" sz="1600" b="1" i="1" dirty="0" smtClean="0"/>
+              <a:t>NOTE 2</a:t>
+            </a:r>
+            <a:r>
+              <a:rPr lang="en-US" sz="1600" i="1" dirty="0" smtClean="0"/>
+              <a:t>: This mapping requires the third-party BOME midi translator. </a:t>
+            </a:r>
+            <a:br>
+              <a:rPr lang="en-US" sz="1600" i="1" dirty="0" smtClean="0"/>
+            </a:br>
+            <a:r>
+              <a:rPr lang="en-US" sz="1600" i="1" dirty="0" smtClean="0"/>
+              <a:t>It has a </a:t>
+            </a:r>
+            <a:r>
+              <a:rPr lang="en-US" sz="1600" b="1" i="1" dirty="0" smtClean="0"/>
+              <a:t>free </a:t>
+            </a:r>
+            <a:r>
+              <a:rPr lang="en-US" sz="1600" i="1" dirty="0" smtClean="0"/>
+              <a:t>trial for you to test this mapping before buying a license.</a:t>
+            </a:r>
           </a:p>
           <a:p>
             <a:pPr algn="ctr"/>
-            <a:endParaRPr lang="en-US" sz="2000" i="1" dirty="0" smtClean="0"/>
-          </a:p>
-          <a:p>
-            <a:pPr algn="ctr"/>
-            <a:r>
-              <a:rPr lang="en-US" sz="2000" i="1" dirty="0" smtClean="0"/>
-              <a:t>This </a:t>
-            </a:r>
-            <a:r>
-              <a:rPr lang="en-US" sz="2000" i="1" dirty="0" smtClean="0"/>
-              <a:t>mapping </a:t>
-            </a:r>
-            <a:r>
-              <a:rPr lang="en-US" sz="2000" i="1" u="sng" dirty="0" smtClean="0"/>
-              <a:t>requires</a:t>
-            </a:r>
-            <a:r>
-              <a:rPr lang="en-US" sz="2000" i="1" dirty="0" smtClean="0"/>
-              <a:t> </a:t>
-            </a:r>
-            <a:r>
-              <a:rPr lang="en-US" sz="2000" i="1" dirty="0"/>
-              <a:t>the “BOME Midi translator Pro” third-party </a:t>
-            </a:r>
-            <a:r>
-              <a:rPr lang="en-US" sz="2000" i="1" dirty="0" smtClean="0"/>
-              <a:t>software. </a:t>
+            <a:r>
+              <a:rPr lang="en-US" sz="1600" i="1" dirty="0"/>
+              <a:t/>
             </a:r>
             <a:br>
-              <a:rPr lang="en-US" sz="2000" i="1" dirty="0" smtClean="0"/>
+              <a:rPr lang="en-US" sz="1600" i="1" dirty="0"/>
             </a:br>
             <a:r>
-              <a:rPr lang="en-US" sz="2000" i="1" dirty="0" smtClean="0"/>
-              <a:t>A free trial is available. </a:t>
-            </a:r>
-            <a:r>
-              <a:rPr lang="en-US" sz="2000" i="1" u="sng" dirty="0" smtClean="0"/>
-              <a:t>Do not skip any step</a:t>
-            </a:r>
-            <a:r>
-              <a:rPr lang="en-US" sz="2000" i="1" dirty="0" smtClean="0"/>
-              <a:t>!</a:t>
-            </a:r>
-          </a:p>
-          <a:p>
-            <a:pPr algn="ctr"/>
-            <a:r>
-              <a:rPr lang="en-US" sz="2000" i="1" dirty="0" smtClean="0"/>
-              <a:t/>
-            </a:r>
-            <a:br>
-              <a:rPr lang="en-US" sz="2000" i="1" dirty="0" smtClean="0"/>
-            </a:br>
-            <a:r>
-              <a:rPr lang="en-US" sz="2000" i="1" dirty="0" smtClean="0"/>
-              <a:t>See also </a:t>
-            </a:r>
-            <a:r>
-              <a:rPr lang="en-US" sz="2000" i="1" dirty="0" smtClean="0"/>
-              <a:t>the FAQ in a </a:t>
-            </a:r>
-            <a:r>
-              <a:rPr lang="en-US" sz="2000" i="1" dirty="0" smtClean="0"/>
-              <a:t>separate pdf </a:t>
-            </a:r>
-            <a:r>
-              <a:rPr lang="en-US" sz="2000" i="1" dirty="0" smtClean="0"/>
-              <a:t>file, and the “</a:t>
-            </a:r>
-            <a:r>
-              <a:rPr lang="en-US" sz="2000" i="1" dirty="0" err="1" smtClean="0"/>
+              <a:rPr lang="en-US" sz="1600" b="1" i="1" dirty="0" smtClean="0"/>
+              <a:t>NOTE 3</a:t>
+            </a:r>
+            <a:r>
+              <a:rPr lang="en-US" sz="1600" i="1" dirty="0"/>
+              <a:t>:</a:t>
+            </a:r>
+            <a:r>
+              <a:rPr lang="en-US" sz="1600" i="1" dirty="0" smtClean="0"/>
+              <a:t> Issues? See the FAQ </a:t>
+            </a:r>
+            <a:r>
+              <a:rPr lang="en-US" sz="1600" i="1" dirty="0"/>
+              <a:t>in a </a:t>
+            </a:r>
+            <a:r>
+              <a:rPr lang="en-US" sz="1600" i="1" dirty="0" smtClean="0"/>
+              <a:t>pdf, the </a:t>
+            </a:r>
+            <a:r>
+              <a:rPr lang="en-US" sz="1600" i="1" dirty="0"/>
+              <a:t>“</a:t>
+            </a:r>
+            <a:r>
+              <a:rPr lang="en-US" sz="1600" i="1" dirty="0" err="1"/>
               <a:t>gotchas</a:t>
             </a:r>
             <a:r>
-              <a:rPr lang="en-US" sz="2000" i="1" dirty="0" smtClean="0"/>
-              <a:t>” </a:t>
-            </a:r>
-            <a:r>
-              <a:rPr lang="en-US" sz="2000" i="1" dirty="0" smtClean="0"/>
-              <a:t>on </a:t>
-            </a:r>
-            <a:r>
-              <a:rPr lang="en-US" sz="2000" i="1" dirty="0" smtClean="0"/>
-              <a:t>page 34</a:t>
-            </a:r>
-            <a:r>
-              <a:rPr lang="en-US" sz="2000" i="1" dirty="0" smtClean="0"/>
-              <a:t>.</a:t>
-            </a:r>
+              <a:rPr lang="en-US" sz="1600" i="1" dirty="0"/>
+              <a:t>” on page </a:t>
+            </a:r>
+            <a:r>
+              <a:rPr lang="en-US" sz="1600" i="1" dirty="0" smtClean="0"/>
+              <a:t>34, and reconfirm if you missed a step of this guide.</a:t>
+            </a:r>
+            <a:endParaRPr lang="en-US" sz="1600" i="1" dirty="0"/>
           </a:p>
         </p:txBody>
       </p:sp>
@@ -3669,6 +3655,52 @@
               <a:t>1</a:t>
             </a:fld>
             <a:endParaRPr lang="en-US"/>
+          </a:p>
+        </p:txBody>
+      </p:sp>
+      <p:sp>
+        <p:nvSpPr>
+          <p:cNvPr id="5" name="TextBox 4"/>
+          <p:cNvSpPr txBox="1"/>
+          <p:nvPr/>
+        </p:nvSpPr>
+        <p:spPr>
+          <a:xfrm>
+            <a:off x="609600" y="3199745"/>
+            <a:ext cx="7902356" cy="523220"/>
+          </a:xfrm>
+          <a:prstGeom prst="rect">
+            <a:avLst/>
+          </a:prstGeom>
+          <a:noFill/>
+        </p:spPr>
+        <p:txBody>
+          <a:bodyPr wrap="none" rtlCol="0">
+            <a:spAutoFit/>
+          </a:bodyPr>
+          <a:lstStyle/>
+          <a:p>
+            <a:r>
+              <a:rPr lang="en-US" sz="2800" b="1" i="1" dirty="0" smtClean="0"/>
+              <a:t>Installation </a:t>
+            </a:r>
+            <a:r>
+              <a:rPr lang="en-US" sz="2800" b="1" i="1" dirty="0"/>
+              <a:t>video: </a:t>
+            </a:r>
+            <a:r>
+              <a:rPr lang="en-US" sz="2800" b="1" i="1" dirty="0" smtClean="0">
+                <a:hlinkClick r:id="rId2"/>
+              </a:rPr>
+              <a:t>https</a:t>
+            </a:r>
+            <a:r>
+              <a:rPr lang="en-US" sz="2800" b="1" i="1" dirty="0">
+                <a:hlinkClick r:id="rId2"/>
+              </a:rPr>
+              <a:t>://youtu.be/MbGP_ECnWiQ</a:t>
+            </a:r>
+            <a:endParaRPr lang="en-US" sz="2800" dirty="0"/>
           </a:p>
         </p:txBody>
       </p:sp>
@@ -3739,67 +3771,162 @@
           </a:p>
         </p:txBody>
       </p:sp>
-      <p:pic>
-        <p:nvPicPr>
-          <p:cNvPr id="7" name="Picture 6"/>
-          <p:cNvPicPr>
-            <a:picLocks noChangeAspect="1" noChangeArrowheads="1"/>
-          </p:cNvPicPr>
+      <p:grpSp>
+        <p:nvGrpSpPr>
+          <p:cNvPr id="6" name="Group 5"/>
+          <p:cNvGrpSpPr/>
           <p:nvPr/>
-        </p:nvPicPr>
-        <p:blipFill rotWithShape="1">
-          <a:blip r:embed="rId2">
+        </p:nvGrpSpPr>
+        <p:grpSpPr>
+          <a:xfrm>
+            <a:off x="4212085" y="1297171"/>
+            <a:ext cx="4518538" cy="3496814"/>
+            <a:chOff x="1087375" y="1371600"/>
+            <a:chExt cx="5357247" cy="4150623"/>
+          </a:xfrm>
+        </p:grpSpPr>
+        <p:pic>
+          <p:nvPicPr>
+            <p:cNvPr id="7" name="Picture 6"/>
+            <p:cNvPicPr>
+              <a:picLocks noChangeAspect="1" noChangeArrowheads="1"/>
+            </p:cNvPicPr>
+            <p:nvPr/>
+          </p:nvPicPr>
+          <p:blipFill rotWithShape="1">
+            <a:blip r:embed="rId2">
+              <a:extLst>
+                <a:ext uri="{28A0092B-C50C-407E-A947-70E740481C1C}">
+                  <a14:useLocalDpi xmlns:a14="http://schemas.microsoft.com/office/drawing/2010/main" val="0"/>
+                </a:ext>
+              </a:extLst>
+            </a:blip>
+            <a:srcRect l="4095" t="2784" r="3817" b="4481"/>
+            <a:stretch/>
+          </p:blipFill>
+          <p:spPr bwMode="auto">
+            <a:xfrm>
+              <a:off x="2362200" y="1371600"/>
+              <a:ext cx="4082422" cy="4150623"/>
+            </a:xfrm>
+            <a:prstGeom prst="rect">
+              <a:avLst/>
+            </a:prstGeom>
+            <a:noFill/>
+            <a:ln w="9525">
+              <a:solidFill>
+                <a:schemeClr val="tx1"/>
+              </a:solidFill>
+              <a:miter lim="800000"/>
+              <a:headEnd/>
+              <a:tailEnd/>
+            </a:ln>
             <a:extLst>
-              <a:ext uri="{28A0092B-C50C-407E-A947-70E740481C1C}">
-                <a14:useLocalDpi xmlns:a14="http://schemas.microsoft.com/office/drawing/2010/main" val="0"/>
+              <a:ext uri="{909E8E84-426E-40DD-AFC4-6F175D3DCCD1}">
+                <a14:hiddenFill xmlns:a14="http://schemas.microsoft.com/office/drawing/2010/main">
+                  <a:solidFill>
+                    <a:schemeClr val="accent1"/>
+                  </a:solidFill>
+                </a14:hiddenFill>
               </a:ext>
             </a:extLst>
-          </a:blip>
-          <a:srcRect l="4095" t="2784" r="3817" b="4481"/>
-          <a:stretch/>
-        </p:blipFill>
-        <p:spPr bwMode="auto">
-          <a:xfrm>
-            <a:off x="2362200" y="1371600"/>
-            <a:ext cx="4082422" cy="4150623"/>
-          </a:xfrm>
-          <a:prstGeom prst="rect">
-            <a:avLst/>
-          </a:prstGeom>
-          <a:noFill/>
-          <a:ln w="9525">
-            <a:solidFill>
-              <a:schemeClr val="tx1"/>
-            </a:solidFill>
-            <a:miter lim="800000"/>
-            <a:headEnd/>
-            <a:tailEnd/>
-          </a:ln>
-          <a:extLst>
-            <a:ext uri="{909E8E84-426E-40DD-AFC4-6F175D3DCCD1}">
-              <a14:hiddenFill xmlns:a14="http://schemas.microsoft.com/office/drawing/2010/main">
-                <a:solidFill>
-                  <a:schemeClr val="accent1"/>
-                </a:solidFill>
-              </a14:hiddenFill>
-            </a:ext>
-          </a:extLst>
-        </p:spPr>
-      </p:pic>
-      <p:sp>
-        <p:nvSpPr>
-          <p:cNvPr id="3" name="Right Arrow 2"/>
+          </p:spPr>
+        </p:pic>
+        <p:sp>
+          <p:nvSpPr>
+            <p:cNvPr id="3" name="Right Arrow 2"/>
+            <p:cNvSpPr/>
+            <p:nvPr/>
+          </p:nvSpPr>
+          <p:spPr>
+            <a:xfrm>
+              <a:off x="1087375" y="2113411"/>
+              <a:ext cx="913383" cy="2667000"/>
+            </a:xfrm>
+            <a:prstGeom prst="rightArrow">
+              <a:avLst/>
+            </a:prstGeom>
+          </p:spPr>
+          <p:style>
+            <a:lnRef idx="2">
+              <a:schemeClr val="accent1">
+                <a:shade val="50000"/>
+              </a:schemeClr>
+            </a:lnRef>
+            <a:fillRef idx="1">
+              <a:schemeClr val="accent1"/>
+            </a:fillRef>
+            <a:effectRef idx="0">
+              <a:schemeClr val="accent1"/>
+            </a:effectRef>
+            <a:fontRef idx="minor">
+              <a:schemeClr val="lt1"/>
+            </a:fontRef>
+          </p:style>
+          <p:txBody>
+            <a:bodyPr rtlCol="0" anchor="ctr"/>
+            <a:lstStyle/>
+            <a:p>
+              <a:pPr algn="ctr"/>
+              <a:endParaRPr lang="en-US"/>
+            </a:p>
+          </p:txBody>
+        </p:sp>
+      </p:grpSp>
+      <p:sp>
+        <p:nvSpPr>
+          <p:cNvPr id="2" name="Slide Number Placeholder 1"/>
+          <p:cNvSpPr>
+            <a:spLocks noGrp="1"/>
+          </p:cNvSpPr>
+          <p:nvPr>
+            <p:ph type="sldNum" sz="quarter" idx="12"/>
+          </p:nvPr>
+        </p:nvSpPr>
+        <p:spPr>
+          <a:xfrm>
+            <a:off x="8686800" y="6477001"/>
+            <a:ext cx="457200" cy="381000"/>
+          </a:xfrm>
+        </p:spPr>
+        <p:txBody>
+          <a:bodyPr/>
+          <a:lstStyle/>
+          <a:p>
+            <a:fld id="{B6F15528-21DE-4FAA-801E-634DDDAF4B2B}" type="slidenum">
+              <a:rPr lang="en-US" smtClean="0"/>
+              <a:pPr/>
+              <a:t>10</a:t>
+            </a:fld>
+            <a:endParaRPr lang="en-US"/>
+          </a:p>
+        </p:txBody>
+      </p:sp>
+      <p:sp>
+        <p:nvSpPr>
+          <p:cNvPr id="8" name="Line Callout 1 (Border and Accent Bar) 7"/>
           <p:cNvSpPr/>
           <p:nvPr/>
         </p:nvSpPr>
         <p:spPr>
           <a:xfrm>
-            <a:off x="1144017" y="1981200"/>
-            <a:ext cx="913383" cy="2667000"/>
-          </a:xfrm>
-          <a:prstGeom prst="rightArrow">
-            <a:avLst/>
+            <a:off x="6048375" y="5305425"/>
+            <a:ext cx="2438400" cy="925064"/>
+          </a:xfrm>
+          <a:prstGeom prst="accentBorderCallout1">
+            <a:avLst>
+              <a:gd name="adj1" fmla="val 34195"/>
+              <a:gd name="adj2" fmla="val -4817"/>
+              <a:gd name="adj3" fmla="val -184366"/>
+              <a:gd name="adj4" fmla="val 30431"/>
+            </a:avLst>
           </a:prstGeom>
+          <a:solidFill>
+            <a:schemeClr val="accent2">
+              <a:lumMod val="60000"/>
+              <a:lumOff val="40000"/>
+            </a:schemeClr>
+          </a:solidFill>
         </p:spPr>
         <p:style>
           <a:lnRef idx="2">
@@ -3822,30 +3949,178 @@
           <a:lstStyle/>
           <a:p>
             <a:pPr algn="ctr"/>
+            <a:r>
+              <a:rPr lang="en-US" dirty="0" smtClean="0">
+                <a:solidFill>
+                  <a:schemeClr val="tx1"/>
+                </a:solidFill>
+              </a:rPr>
+              <a:t>Replace this with your DDJ-SX2/SZ/SRT </a:t>
+            </a:r>
+            <a:r>
+              <a:rPr lang="en-US" dirty="0" err="1" smtClean="0">
+                <a:solidFill>
+                  <a:schemeClr val="tx1"/>
+                </a:solidFill>
+              </a:rPr>
+              <a:t>etc</a:t>
+            </a:r>
+            <a:r>
+              <a:rPr lang="en-US" dirty="0" smtClean="0">
+                <a:solidFill>
+                  <a:schemeClr val="tx1"/>
+                </a:solidFill>
+              </a:rPr>
+              <a:t>!</a:t>
+            </a:r>
+            <a:endParaRPr lang="en-US" dirty="0">
+              <a:solidFill>
+                <a:schemeClr val="tx1"/>
+              </a:solidFill>
+            </a:endParaRPr>
+          </a:p>
+        </p:txBody>
+      </p:sp>
+      <p:pic>
+        <p:nvPicPr>
+          <p:cNvPr id="1026" name="Picture 2"/>
+          <p:cNvPicPr>
+            <a:picLocks noChangeAspect="1" noChangeArrowheads="1"/>
+          </p:cNvPicPr>
+          <p:nvPr/>
+        </p:nvPicPr>
+        <p:blipFill rotWithShape="1">
+          <a:blip r:embed="rId3">
+            <a:extLst>
+              <a:ext uri="{28A0092B-C50C-407E-A947-70E740481C1C}">
+                <a14:useLocalDpi xmlns:a14="http://schemas.microsoft.com/office/drawing/2010/main" val="0"/>
+              </a:ext>
+            </a:extLst>
+          </a:blip>
+          <a:srcRect l="2206" t="2432" r="2317" b="1230"/>
+          <a:stretch/>
+        </p:blipFill>
+        <p:spPr bwMode="auto">
+          <a:xfrm>
+            <a:off x="478285" y="1287646"/>
+            <a:ext cx="3486150" cy="3574931"/>
+          </a:xfrm>
+          <a:prstGeom prst="rect">
+            <a:avLst/>
+          </a:prstGeom>
+          <a:noFill/>
+          <a:ln>
+            <a:noFill/>
+          </a:ln>
+          <a:extLst>
+            <a:ext uri="{909E8E84-426E-40DD-AFC4-6F175D3DCCD1}">
+              <a14:hiddenFill xmlns:a14="http://schemas.microsoft.com/office/drawing/2010/main">
+                <a:solidFill>
+                  <a:schemeClr val="accent1"/>
+                </a:solidFill>
+              </a14:hiddenFill>
+            </a:ext>
+            <a:ext uri="{91240B29-F687-4F45-9708-019B960494DF}">
+              <a14:hiddenLine xmlns:a14="http://schemas.microsoft.com/office/drawing/2010/main" w="9525">
+                <a:solidFill>
+                  <a:schemeClr val="tx1"/>
+                </a:solidFill>
+                <a:miter lim="800000"/>
+                <a:headEnd/>
+                <a:tailEnd/>
+              </a14:hiddenLine>
+            </a:ext>
+          </a:extLst>
+        </p:spPr>
+      </p:pic>
+      <p:sp>
+        <p:nvSpPr>
+          <p:cNvPr id="12" name="Oval 11"/>
+          <p:cNvSpPr/>
+          <p:nvPr/>
+        </p:nvSpPr>
+        <p:spPr>
+          <a:xfrm>
+            <a:off x="5715000" y="2286001"/>
+            <a:ext cx="3124199" cy="685800"/>
+          </a:xfrm>
+          <a:prstGeom prst="ellipse">
+            <a:avLst/>
+          </a:prstGeom>
+          <a:noFill/>
+          <a:ln w="44450">
+            <a:solidFill>
+              <a:srgbClr val="C00000"/>
+            </a:solidFill>
+          </a:ln>
+        </p:spPr>
+        <p:style>
+          <a:lnRef idx="2">
+            <a:schemeClr val="accent1">
+              <a:shade val="50000"/>
+            </a:schemeClr>
+          </a:lnRef>
+          <a:fillRef idx="1">
+            <a:schemeClr val="accent1"/>
+          </a:fillRef>
+          <a:effectRef idx="0">
+            <a:schemeClr val="accent1"/>
+          </a:effectRef>
+          <a:fontRef idx="minor">
+            <a:schemeClr val="lt1"/>
+          </a:fontRef>
+        </p:style>
+        <p:txBody>
+          <a:bodyPr rtlCol="0" anchor="ctr"/>
+          <a:lstStyle/>
+          <a:p>
+            <a:pPr algn="ctr"/>
             <a:endParaRPr lang="en-US"/>
           </a:p>
         </p:txBody>
       </p:sp>
       <p:sp>
         <p:nvSpPr>
-          <p:cNvPr id="2" name="Slide Number Placeholder 1"/>
-          <p:cNvSpPr>
-            <a:spLocks noGrp="1"/>
-          </p:cNvSpPr>
-          <p:nvPr>
-            <p:ph type="sldNum" sz="quarter" idx="12"/>
-          </p:nvPr>
-        </p:nvSpPr>
-        <p:spPr/>
-        <p:txBody>
-          <a:bodyPr/>
-          <a:lstStyle/>
-          <a:p>
-            <a:fld id="{B6F15528-21DE-4FAA-801E-634DDDAF4B2B}" type="slidenum">
-              <a:rPr lang="en-US" smtClean="0"/>
-              <a:pPr/>
-              <a:t>10</a:t>
-            </a:fld>
+          <p:cNvPr id="13" name="Oval 12"/>
+          <p:cNvSpPr/>
+          <p:nvPr/>
+        </p:nvSpPr>
+        <p:spPr>
+          <a:xfrm>
+            <a:off x="5705475" y="3065587"/>
+            <a:ext cx="3124199" cy="685800"/>
+          </a:xfrm>
+          <a:prstGeom prst="ellipse">
+            <a:avLst/>
+          </a:prstGeom>
+          <a:noFill/>
+          <a:ln w="44450">
+            <a:solidFill>
+              <a:srgbClr val="C00000"/>
+            </a:solidFill>
+          </a:ln>
+        </p:spPr>
+        <p:style>
+          <a:lnRef idx="2">
+            <a:schemeClr val="accent1">
+              <a:shade val="50000"/>
+            </a:schemeClr>
+          </a:lnRef>
+          <a:fillRef idx="1">
+            <a:schemeClr val="accent1"/>
+          </a:fillRef>
+          <a:effectRef idx="0">
+            <a:schemeClr val="accent1"/>
+          </a:effectRef>
+          <a:fontRef idx="minor">
+            <a:schemeClr val="lt1"/>
+          </a:fontRef>
+        </p:style>
+        <p:txBody>
+          <a:bodyPr rtlCol="0" anchor="ctr"/>
+          <a:lstStyle/>
+          <a:p>
+            <a:pPr algn="ctr"/>
             <a:endParaRPr lang="en-US"/>
           </a:p>
         </p:txBody>
@@ -3880,440 +4155,455 @@
           <a:chExt cx="0" cy="0"/>
         </a:xfrm>
       </p:grpSpPr>
-      <p:pic>
-        <p:nvPicPr>
-          <p:cNvPr id="1026" name="Picture 2"/>
-          <p:cNvPicPr>
-            <a:picLocks noChangeAspect="1" noChangeArrowheads="1"/>
-          </p:cNvPicPr>
+      <p:sp>
+        <p:nvSpPr>
+          <p:cNvPr id="33" name="TextBox 32"/>
+          <p:cNvSpPr txBox="1"/>
           <p:nvPr/>
-        </p:nvPicPr>
-        <p:blipFill>
-          <a:blip r:embed="rId2">
-            <a:extLst>
-              <a:ext uri="{28A0092B-C50C-407E-A947-70E740481C1C}">
-                <a14:useLocalDpi xmlns:a14="http://schemas.microsoft.com/office/drawing/2010/main" val="0"/>
-              </a:ext>
-            </a:extLst>
-          </a:blip>
-          <a:srcRect/>
-          <a:stretch>
-            <a:fillRect/>
-          </a:stretch>
-        </p:blipFill>
-        <p:spPr bwMode="auto">
-          <a:xfrm>
-            <a:off x="4613661" y="341977"/>
-            <a:ext cx="3673089" cy="6370959"/>
+        </p:nvSpPr>
+        <p:spPr>
+          <a:xfrm>
+            <a:off x="152400" y="111145"/>
+            <a:ext cx="2054730" cy="461665"/>
           </a:xfrm>
           <a:prstGeom prst="rect">
             <a:avLst/>
           </a:prstGeom>
           <a:noFill/>
-          <a:ln>
+        </p:spPr>
+        <p:txBody>
+          <a:bodyPr wrap="none" rtlCol="0">
+            <a:spAutoFit/>
+          </a:bodyPr>
+          <a:lstStyle/>
+          <a:p>
+            <a:r>
+              <a:rPr lang="en-US" sz="2400" i="1" u="sng" dirty="0" smtClean="0"/>
+              <a:t>BOME: Devices</a:t>
+            </a:r>
+            <a:endParaRPr lang="en-US" sz="2400" i="1" u="sng" dirty="0"/>
+          </a:p>
+        </p:txBody>
+      </p:sp>
+      <p:grpSp>
+        <p:nvGrpSpPr>
+          <p:cNvPr id="3" name="Group 2"/>
+          <p:cNvGrpSpPr/>
+          <p:nvPr/>
+        </p:nvGrpSpPr>
+        <p:grpSpPr>
+          <a:xfrm>
+            <a:off x="485775" y="341977"/>
+            <a:ext cx="8353424" cy="6058823"/>
+            <a:chOff x="485775" y="341977"/>
+            <a:chExt cx="8353424" cy="6370959"/>
+          </a:xfrm>
+        </p:grpSpPr>
+        <p:pic>
+          <p:nvPicPr>
+            <p:cNvPr id="1026" name="Picture 2"/>
+            <p:cNvPicPr>
+              <a:picLocks noChangeAspect="1" noChangeArrowheads="1"/>
+            </p:cNvPicPr>
+            <p:nvPr/>
+          </p:nvPicPr>
+          <p:blipFill>
+            <a:blip r:embed="rId2">
+              <a:extLst>
+                <a:ext uri="{28A0092B-C50C-407E-A947-70E740481C1C}">
+                  <a14:useLocalDpi xmlns:a14="http://schemas.microsoft.com/office/drawing/2010/main" val="0"/>
+                </a:ext>
+              </a:extLst>
+            </a:blip>
+            <a:srcRect/>
+            <a:stretch>
+              <a:fillRect/>
+            </a:stretch>
+          </p:blipFill>
+          <p:spPr bwMode="auto">
+            <a:xfrm>
+              <a:off x="4613661" y="341977"/>
+              <a:ext cx="3673089" cy="6370959"/>
+            </a:xfrm>
+            <a:prstGeom prst="rect">
+              <a:avLst/>
+            </a:prstGeom>
             <a:noFill/>
-          </a:ln>
-          <a:extLst>
-            <a:ext uri="{909E8E84-426E-40DD-AFC4-6F175D3DCCD1}">
-              <a14:hiddenFill xmlns:a14="http://schemas.microsoft.com/office/drawing/2010/main">
-                <a:solidFill>
-                  <a:schemeClr val="accent1"/>
-                </a:solidFill>
-              </a14:hiddenFill>
-            </a:ext>
-            <a:ext uri="{91240B29-F687-4F45-9708-019B960494DF}">
-              <a14:hiddenLine xmlns:a14="http://schemas.microsoft.com/office/drawing/2010/main" w="9525">
+            <a:ln>
+              <a:noFill/>
+            </a:ln>
+            <a:extLst>
+              <a:ext uri="{909E8E84-426E-40DD-AFC4-6F175D3DCCD1}">
+                <a14:hiddenFill xmlns:a14="http://schemas.microsoft.com/office/drawing/2010/main">
+                  <a:solidFill>
+                    <a:schemeClr val="accent1"/>
+                  </a:solidFill>
+                </a14:hiddenFill>
+              </a:ext>
+              <a:ext uri="{91240B29-F687-4F45-9708-019B960494DF}">
+                <a14:hiddenLine xmlns:a14="http://schemas.microsoft.com/office/drawing/2010/main" w="9525">
+                  <a:solidFill>
+                    <a:schemeClr val="tx1"/>
+                  </a:solidFill>
+                  <a:miter lim="800000"/>
+                  <a:headEnd/>
+                  <a:tailEnd/>
+                </a14:hiddenLine>
+              </a:ext>
+            </a:extLst>
+          </p:spPr>
+        </p:pic>
+        <p:sp>
+          <p:nvSpPr>
+            <p:cNvPr id="32" name="Oval 31"/>
+            <p:cNvSpPr/>
+            <p:nvPr/>
+          </p:nvSpPr>
+          <p:spPr>
+            <a:xfrm>
+              <a:off x="4240405" y="685800"/>
+              <a:ext cx="4419600" cy="1219200"/>
+            </a:xfrm>
+            <a:prstGeom prst="ellipse">
+              <a:avLst/>
+            </a:prstGeom>
+            <a:noFill/>
+            <a:ln w="44450">
+              <a:solidFill>
+                <a:srgbClr val="C00000"/>
+              </a:solidFill>
+            </a:ln>
+          </p:spPr>
+          <p:style>
+            <a:lnRef idx="2">
+              <a:schemeClr val="accent1">
+                <a:shade val="50000"/>
+              </a:schemeClr>
+            </a:lnRef>
+            <a:fillRef idx="1">
+              <a:schemeClr val="accent1"/>
+            </a:fillRef>
+            <a:effectRef idx="0">
+              <a:schemeClr val="accent1"/>
+            </a:effectRef>
+            <a:fontRef idx="minor">
+              <a:schemeClr val="lt1"/>
+            </a:fontRef>
+          </p:style>
+          <p:txBody>
+            <a:bodyPr rtlCol="0" anchor="ctr"/>
+            <a:lstStyle/>
+            <a:p>
+              <a:pPr algn="ctr"/>
+              <a:endParaRPr lang="en-US"/>
+            </a:p>
+          </p:txBody>
+        </p:sp>
+        <p:sp>
+          <p:nvSpPr>
+            <p:cNvPr id="10" name="Line Callout 1 (Accent Bar) 9"/>
+            <p:cNvSpPr/>
+            <p:nvPr/>
+          </p:nvSpPr>
+          <p:spPr>
+            <a:xfrm>
+              <a:off x="685800" y="1574826"/>
+              <a:ext cx="3133725" cy="1320774"/>
+            </a:xfrm>
+            <a:prstGeom prst="accentCallout1">
+              <a:avLst>
+                <a:gd name="adj1" fmla="val 14622"/>
+                <a:gd name="adj2" fmla="val 101775"/>
+                <a:gd name="adj3" fmla="val -1337"/>
+                <a:gd name="adj4" fmla="val 117949"/>
+              </a:avLst>
+            </a:prstGeom>
+            <a:solidFill>
+              <a:schemeClr val="bg1">
+                <a:lumMod val="85000"/>
+              </a:schemeClr>
+            </a:solidFill>
+            <a:ln w="38100">
+              <a:solidFill>
+                <a:schemeClr val="accent2"/>
+              </a:solidFill>
+            </a:ln>
+          </p:spPr>
+          <p:style>
+            <a:lnRef idx="2">
+              <a:schemeClr val="accent1">
+                <a:shade val="50000"/>
+              </a:schemeClr>
+            </a:lnRef>
+            <a:fillRef idx="1">
+              <a:schemeClr val="accent1"/>
+            </a:fillRef>
+            <a:effectRef idx="0">
+              <a:schemeClr val="accent1"/>
+            </a:effectRef>
+            <a:fontRef idx="minor">
+              <a:schemeClr val="lt1"/>
+            </a:fontRef>
+          </p:style>
+          <p:txBody>
+            <a:bodyPr lIns="0" tIns="0" rIns="0" bIns="0" rtlCol="0" anchor="ctr"/>
+            <a:lstStyle/>
+            <a:p>
+              <a:r>
+                <a:rPr lang="en-US" sz="1200" u="sng" dirty="0" smtClean="0">
+                  <a:solidFill>
+                    <a:schemeClr val="tx1"/>
+                  </a:solidFill>
+                </a:rPr>
+                <a:t>Confirm the devices </a:t>
+              </a:r>
+              <a:r>
+                <a:rPr lang="en-US" sz="1200" u="sng" dirty="0">
+                  <a:solidFill>
+                    <a:schemeClr val="tx1"/>
+                  </a:solidFill>
+                </a:rPr>
+                <a:t>are OPEN</a:t>
+              </a:r>
+              <a:r>
+                <a:rPr lang="en-US" sz="1200" u="sng" dirty="0" smtClean="0">
+                  <a:solidFill>
+                    <a:schemeClr val="tx1"/>
+                  </a:solidFill>
+                </a:rPr>
+                <a:t>!</a:t>
+              </a:r>
+            </a:p>
+            <a:p>
+              <a:endParaRPr lang="en-US" sz="1200" u="sng" dirty="0" smtClean="0">
                 <a:solidFill>
                   <a:schemeClr val="tx1"/>
                 </a:solidFill>
-                <a:miter lim="800000"/>
-                <a:headEnd/>
-                <a:tailEnd/>
-              </a14:hiddenLine>
-            </a:ext>
-          </a:extLst>
-        </p:spPr>
-      </p:pic>
-      <p:sp>
-        <p:nvSpPr>
-          <p:cNvPr id="33" name="TextBox 32"/>
-          <p:cNvSpPr txBox="1"/>
-          <p:nvPr/>
-        </p:nvSpPr>
-        <p:spPr>
-          <a:xfrm>
-            <a:off x="152400" y="111145"/>
-            <a:ext cx="2054730" cy="461665"/>
-          </a:xfrm>
-          <a:prstGeom prst="rect">
-            <a:avLst/>
-          </a:prstGeom>
-          <a:noFill/>
-        </p:spPr>
-        <p:txBody>
-          <a:bodyPr wrap="none" rtlCol="0">
-            <a:spAutoFit/>
-          </a:bodyPr>
-          <a:lstStyle/>
-          <a:p>
-            <a:r>
-              <a:rPr lang="en-US" sz="2400" i="1" u="sng" dirty="0" smtClean="0"/>
-              <a:t>BOME: Devices</a:t>
-            </a:r>
-            <a:endParaRPr lang="en-US" sz="2400" i="1" u="sng" dirty="0"/>
-          </a:p>
-        </p:txBody>
-      </p:sp>
-      <p:sp>
-        <p:nvSpPr>
-          <p:cNvPr id="32" name="Oval 31"/>
-          <p:cNvSpPr/>
-          <p:nvPr/>
-        </p:nvSpPr>
-        <p:spPr>
-          <a:xfrm>
-            <a:off x="4240405" y="685800"/>
-            <a:ext cx="4419600" cy="1219200"/>
-          </a:xfrm>
-          <a:prstGeom prst="ellipse">
-            <a:avLst/>
-          </a:prstGeom>
-          <a:noFill/>
-          <a:ln w="44450">
-            <a:solidFill>
-              <a:srgbClr val="C00000"/>
-            </a:solidFill>
-          </a:ln>
-        </p:spPr>
-        <p:style>
-          <a:lnRef idx="2">
-            <a:schemeClr val="accent1">
-              <a:shade val="50000"/>
-            </a:schemeClr>
-          </a:lnRef>
-          <a:fillRef idx="1">
-            <a:schemeClr val="accent1"/>
-          </a:fillRef>
-          <a:effectRef idx="0">
-            <a:schemeClr val="accent1"/>
-          </a:effectRef>
-          <a:fontRef idx="minor">
-            <a:schemeClr val="lt1"/>
-          </a:fontRef>
-        </p:style>
-        <p:txBody>
-          <a:bodyPr rtlCol="0" anchor="ctr"/>
-          <a:lstStyle/>
-          <a:p>
-            <a:pPr algn="ctr"/>
-            <a:endParaRPr lang="en-US"/>
-          </a:p>
-        </p:txBody>
-      </p:sp>
-      <p:sp>
-        <p:nvSpPr>
-          <p:cNvPr id="10" name="Line Callout 1 (Accent Bar) 9"/>
-          <p:cNvSpPr/>
-          <p:nvPr/>
-        </p:nvSpPr>
-        <p:spPr>
-          <a:xfrm>
-            <a:off x="685800" y="1574826"/>
-            <a:ext cx="3133725" cy="1320774"/>
-          </a:xfrm>
-          <a:prstGeom prst="accentCallout1">
-            <a:avLst>
-              <a:gd name="adj1" fmla="val 14622"/>
-              <a:gd name="adj2" fmla="val 101775"/>
-              <a:gd name="adj3" fmla="val -1337"/>
-              <a:gd name="adj4" fmla="val 117949"/>
-            </a:avLst>
-          </a:prstGeom>
-          <a:solidFill>
-            <a:schemeClr val="bg1">
-              <a:lumMod val="85000"/>
-            </a:schemeClr>
-          </a:solidFill>
-          <a:ln w="38100">
-            <a:solidFill>
-              <a:schemeClr val="accent2"/>
-            </a:solidFill>
-          </a:ln>
-        </p:spPr>
-        <p:style>
-          <a:lnRef idx="2">
-            <a:schemeClr val="accent1">
-              <a:shade val="50000"/>
-            </a:schemeClr>
-          </a:lnRef>
-          <a:fillRef idx="1">
-            <a:schemeClr val="accent1"/>
-          </a:fillRef>
-          <a:effectRef idx="0">
-            <a:schemeClr val="accent1"/>
-          </a:effectRef>
-          <a:fontRef idx="minor">
-            <a:schemeClr val="lt1"/>
-          </a:fontRef>
-        </p:style>
-        <p:txBody>
-          <a:bodyPr lIns="0" tIns="0" rIns="0" bIns="0" rtlCol="0" anchor="ctr"/>
-          <a:lstStyle/>
-          <a:p>
-            <a:r>
-              <a:rPr lang="en-US" sz="1200" u="sng" dirty="0" smtClean="0">
+              </a:endParaRPr>
+            </a:p>
+            <a:p>
+              <a:r>
+                <a:rPr lang="en-US" sz="1200" u="sng" dirty="0" smtClean="0">
+                  <a:solidFill>
+                    <a:schemeClr val="tx1"/>
+                  </a:solidFill>
+                </a:rPr>
+                <a:t>Ensure ONLY these 2x options are checked:</a:t>
+              </a:r>
+              <a:endParaRPr lang="en-US" sz="1200" u="sng" dirty="0">
                 <a:solidFill>
                   <a:schemeClr val="tx1"/>
                 </a:solidFill>
-              </a:rPr>
-              <a:t>Confirm the devices </a:t>
-            </a:r>
-            <a:r>
-              <a:rPr lang="en-US" sz="1200" u="sng" dirty="0">
+              </a:endParaRPr>
+            </a:p>
+            <a:p>
+              <a:r>
+                <a:rPr lang="en-US" sz="1200" dirty="0" smtClean="0">
+                  <a:solidFill>
+                    <a:schemeClr val="tx1"/>
+                  </a:solidFill>
+                </a:rPr>
+                <a:t>- “From </a:t>
+              </a:r>
+              <a:r>
+                <a:rPr lang="en-US" sz="1200" dirty="0" err="1" smtClean="0">
+                  <a:solidFill>
+                    <a:schemeClr val="tx1"/>
+                  </a:solidFill>
+                </a:rPr>
+                <a:t>Traktor</a:t>
+              </a:r>
+              <a:r>
+                <a:rPr lang="en-US" sz="1200" dirty="0" smtClean="0">
+                  <a:solidFill>
+                    <a:schemeClr val="tx1"/>
+                  </a:solidFill>
+                </a:rPr>
+                <a:t>” -&gt; device 1 in OPEN</a:t>
+              </a:r>
+              <a:br>
+                <a:rPr lang="en-US" sz="1200" dirty="0" smtClean="0">
+                  <a:solidFill>
+                    <a:schemeClr val="tx1"/>
+                  </a:solidFill>
+                </a:rPr>
+              </a:br>
+              <a:r>
+                <a:rPr lang="en-US" sz="1200" dirty="0" smtClean="0">
+                  <a:solidFill>
+                    <a:schemeClr val="tx1"/>
+                  </a:solidFill>
+                </a:rPr>
+                <a:t>- “to DDJ” -&gt; DDJ-1000 OPEN</a:t>
+              </a:r>
+            </a:p>
+            <a:p>
+              <a:endParaRPr lang="en-US" sz="1200" dirty="0" smtClean="0">
                 <a:solidFill>
                   <a:schemeClr val="tx1"/>
                 </a:solidFill>
-              </a:rPr>
-              <a:t>are OPEN</a:t>
-            </a:r>
-            <a:r>
-              <a:rPr lang="en-US" sz="1200" u="sng" dirty="0" smtClean="0">
+              </a:endParaRPr>
+            </a:p>
+            <a:p>
+              <a:r>
+                <a:rPr lang="en-US" sz="1200" dirty="0" smtClean="0">
+                  <a:solidFill>
+                    <a:schemeClr val="tx1"/>
+                  </a:solidFill>
+                </a:rPr>
+                <a:t>Confirm it looks EXACTLY like on the picture</a:t>
+              </a:r>
+            </a:p>
+          </p:txBody>
+        </p:sp>
+        <p:sp>
+          <p:nvSpPr>
+            <p:cNvPr id="12" name="Oval 11"/>
+            <p:cNvSpPr/>
+            <p:nvPr/>
+          </p:nvSpPr>
+          <p:spPr>
+            <a:xfrm>
+              <a:off x="4191000" y="2514600"/>
+              <a:ext cx="4648199" cy="1295400"/>
+            </a:xfrm>
+            <a:prstGeom prst="ellipse">
+              <a:avLst/>
+            </a:prstGeom>
+            <a:noFill/>
+            <a:ln w="44450">
+              <a:solidFill>
+                <a:srgbClr val="C00000"/>
+              </a:solidFill>
+            </a:ln>
+          </p:spPr>
+          <p:style>
+            <a:lnRef idx="2">
+              <a:schemeClr val="accent1">
+                <a:shade val="50000"/>
+              </a:schemeClr>
+            </a:lnRef>
+            <a:fillRef idx="1">
+              <a:schemeClr val="accent1"/>
+            </a:fillRef>
+            <a:effectRef idx="0">
+              <a:schemeClr val="accent1"/>
+            </a:effectRef>
+            <a:fontRef idx="minor">
+              <a:schemeClr val="lt1"/>
+            </a:fontRef>
+          </p:style>
+          <p:txBody>
+            <a:bodyPr rtlCol="0" anchor="ctr"/>
+            <a:lstStyle/>
+            <a:p>
+              <a:pPr algn="ctr"/>
+              <a:endParaRPr lang="en-US"/>
+            </a:p>
+          </p:txBody>
+        </p:sp>
+        <p:cxnSp>
+          <p:nvCxnSpPr>
+            <p:cNvPr id="4" name="Straight Connector 3"/>
+            <p:cNvCxnSpPr/>
+            <p:nvPr/>
+          </p:nvCxnSpPr>
+          <p:spPr>
+            <a:xfrm>
+              <a:off x="3886200" y="2667000"/>
+              <a:ext cx="457200" cy="228600"/>
+            </a:xfrm>
+            <a:prstGeom prst="line">
+              <a:avLst/>
+            </a:prstGeom>
+            <a:ln w="28575">
+              <a:solidFill>
+                <a:srgbClr val="C00000"/>
+              </a:solidFill>
+            </a:ln>
+          </p:spPr>
+          <p:style>
+            <a:lnRef idx="1">
+              <a:schemeClr val="accent1"/>
+            </a:lnRef>
+            <a:fillRef idx="0">
+              <a:schemeClr val="accent1"/>
+            </a:fillRef>
+            <a:effectRef idx="0">
+              <a:schemeClr val="accent1"/>
+            </a:effectRef>
+            <a:fontRef idx="minor">
+              <a:schemeClr val="tx1"/>
+            </a:fontRef>
+          </p:style>
+        </p:cxnSp>
+        <p:sp>
+          <p:nvSpPr>
+            <p:cNvPr id="11" name="Line Callout 1 (Accent Bar) 10"/>
+            <p:cNvSpPr/>
+            <p:nvPr/>
+          </p:nvSpPr>
+          <p:spPr>
+            <a:xfrm>
+              <a:off x="485775" y="5334000"/>
+              <a:ext cx="3377565" cy="711174"/>
+            </a:xfrm>
+            <a:prstGeom prst="accentCallout1">
+              <a:avLst>
+                <a:gd name="adj1" fmla="val 14622"/>
+                <a:gd name="adj2" fmla="val 101775"/>
+                <a:gd name="adj3" fmla="val 40532"/>
+                <a:gd name="adj4" fmla="val 147540"/>
+              </a:avLst>
+            </a:prstGeom>
+            <a:solidFill>
+              <a:schemeClr val="bg1">
+                <a:lumMod val="85000"/>
+              </a:schemeClr>
+            </a:solidFill>
+            <a:ln w="38100">
+              <a:solidFill>
+                <a:schemeClr val="accent2"/>
+              </a:solidFill>
+            </a:ln>
+          </p:spPr>
+          <p:style>
+            <a:lnRef idx="2">
+              <a:schemeClr val="accent1">
+                <a:shade val="50000"/>
+              </a:schemeClr>
+            </a:lnRef>
+            <a:fillRef idx="1">
+              <a:schemeClr val="accent1"/>
+            </a:fillRef>
+            <a:effectRef idx="0">
+              <a:schemeClr val="accent1"/>
+            </a:effectRef>
+            <a:fontRef idx="minor">
+              <a:schemeClr val="lt1"/>
+            </a:fontRef>
+          </p:style>
+          <p:txBody>
+            <a:bodyPr lIns="0" tIns="0" rIns="0" bIns="0" rtlCol="0" anchor="ctr"/>
+            <a:lstStyle/>
+            <a:p>
+              <a:r>
+                <a:rPr lang="en-US" sz="1200" u="sng" dirty="0" smtClean="0">
+                  <a:solidFill>
+                    <a:schemeClr val="tx1"/>
+                  </a:solidFill>
+                </a:rPr>
+                <a:t>Confirm this “cross” on EXACTLY these aliases</a:t>
+              </a:r>
+              <a:endParaRPr lang="en-US" sz="1200" dirty="0" smtClean="0">
                 <a:solidFill>
                   <a:schemeClr val="tx1"/>
                 </a:solidFill>
-              </a:rPr>
-              <a:t>!</a:t>
-            </a:r>
-          </a:p>
-          <a:p>
-            <a:endParaRPr lang="en-US" sz="1200" u="sng" dirty="0" smtClean="0">
-              <a:solidFill>
-                <a:schemeClr val="tx1"/>
-              </a:solidFill>
-            </a:endParaRPr>
-          </a:p>
-          <a:p>
-            <a:r>
-              <a:rPr lang="en-US" sz="1200" u="sng" dirty="0" smtClean="0">
-                <a:solidFill>
-                  <a:schemeClr val="tx1"/>
-                </a:solidFill>
-              </a:rPr>
-              <a:t>Ensure ONLY these 2x options are checked:</a:t>
-            </a:r>
-            <a:endParaRPr lang="en-US" sz="1200" u="sng" dirty="0">
-              <a:solidFill>
-                <a:schemeClr val="tx1"/>
-              </a:solidFill>
-            </a:endParaRPr>
-          </a:p>
-          <a:p>
-            <a:r>
-              <a:rPr lang="en-US" sz="1200" dirty="0" smtClean="0">
-                <a:solidFill>
-                  <a:schemeClr val="tx1"/>
-                </a:solidFill>
-              </a:rPr>
-              <a:t>- “From </a:t>
-            </a:r>
-            <a:r>
-              <a:rPr lang="en-US" sz="1200" dirty="0" err="1" smtClean="0">
-                <a:solidFill>
-                  <a:schemeClr val="tx1"/>
-                </a:solidFill>
-              </a:rPr>
-              <a:t>Traktor</a:t>
-            </a:r>
-            <a:r>
-              <a:rPr lang="en-US" sz="1200" dirty="0" smtClean="0">
-                <a:solidFill>
-                  <a:schemeClr val="tx1"/>
-                </a:solidFill>
-              </a:rPr>
-              <a:t>” -&gt; device 1 in OPEN</a:t>
-            </a:r>
-            <a:br>
-              <a:rPr lang="en-US" sz="1200" dirty="0" smtClean="0">
-                <a:solidFill>
-                  <a:schemeClr val="tx1"/>
-                </a:solidFill>
-              </a:rPr>
-            </a:br>
-            <a:r>
-              <a:rPr lang="en-US" sz="1200" dirty="0" smtClean="0">
-                <a:solidFill>
-                  <a:schemeClr val="tx1"/>
-                </a:solidFill>
-              </a:rPr>
-              <a:t>- “to DDJ” -&gt; DDJ-1000 OPEN</a:t>
-            </a:r>
-          </a:p>
-          <a:p>
-            <a:endParaRPr lang="en-US" sz="1200" dirty="0" smtClean="0">
-              <a:solidFill>
-                <a:schemeClr val="tx1"/>
-              </a:solidFill>
-            </a:endParaRPr>
-          </a:p>
-          <a:p>
-            <a:r>
-              <a:rPr lang="en-US" sz="1200" dirty="0" smtClean="0">
-                <a:solidFill>
-                  <a:schemeClr val="tx1"/>
-                </a:solidFill>
-              </a:rPr>
-              <a:t>Confirm it looks EXACTLY like on the picture</a:t>
-            </a:r>
-          </a:p>
-        </p:txBody>
-      </p:sp>
-      <p:sp>
-        <p:nvSpPr>
-          <p:cNvPr id="12" name="Oval 11"/>
-          <p:cNvSpPr/>
-          <p:nvPr/>
-        </p:nvSpPr>
-        <p:spPr>
-          <a:xfrm>
-            <a:off x="4191000" y="2514600"/>
-            <a:ext cx="4648199" cy="1295400"/>
-          </a:xfrm>
-          <a:prstGeom prst="ellipse">
-            <a:avLst/>
-          </a:prstGeom>
-          <a:noFill/>
-          <a:ln w="44450">
-            <a:solidFill>
-              <a:srgbClr val="C00000"/>
-            </a:solidFill>
-          </a:ln>
-        </p:spPr>
-        <p:style>
-          <a:lnRef idx="2">
-            <a:schemeClr val="accent1">
-              <a:shade val="50000"/>
-            </a:schemeClr>
-          </a:lnRef>
-          <a:fillRef idx="1">
-            <a:schemeClr val="accent1"/>
-          </a:fillRef>
-          <a:effectRef idx="0">
-            <a:schemeClr val="accent1"/>
-          </a:effectRef>
-          <a:fontRef idx="minor">
-            <a:schemeClr val="lt1"/>
-          </a:fontRef>
-        </p:style>
-        <p:txBody>
-          <a:bodyPr rtlCol="0" anchor="ctr"/>
-          <a:lstStyle/>
-          <a:p>
-            <a:pPr algn="ctr"/>
-            <a:endParaRPr lang="en-US"/>
-          </a:p>
-        </p:txBody>
-      </p:sp>
-      <p:cxnSp>
-        <p:nvCxnSpPr>
-          <p:cNvPr id="4" name="Straight Connector 3"/>
-          <p:cNvCxnSpPr/>
-          <p:nvPr/>
-        </p:nvCxnSpPr>
-        <p:spPr>
-          <a:xfrm>
-            <a:off x="3886200" y="2667000"/>
-            <a:ext cx="457200" cy="228600"/>
-          </a:xfrm>
-          <a:prstGeom prst="line">
-            <a:avLst/>
-          </a:prstGeom>
-          <a:ln w="28575">
-            <a:solidFill>
-              <a:srgbClr val="C00000"/>
-            </a:solidFill>
-          </a:ln>
-        </p:spPr>
-        <p:style>
-          <a:lnRef idx="1">
-            <a:schemeClr val="accent1"/>
-          </a:lnRef>
-          <a:fillRef idx="0">
-            <a:schemeClr val="accent1"/>
-          </a:fillRef>
-          <a:effectRef idx="0">
-            <a:schemeClr val="accent1"/>
-          </a:effectRef>
-          <a:fontRef idx="minor">
-            <a:schemeClr val="tx1"/>
-          </a:fontRef>
-        </p:style>
-      </p:cxnSp>
-      <p:sp>
-        <p:nvSpPr>
-          <p:cNvPr id="11" name="Line Callout 1 (Accent Bar) 10"/>
-          <p:cNvSpPr/>
-          <p:nvPr/>
-        </p:nvSpPr>
-        <p:spPr>
-          <a:xfrm>
-            <a:off x="485775" y="5334000"/>
-            <a:ext cx="3377565" cy="711174"/>
-          </a:xfrm>
-          <a:prstGeom prst="accentCallout1">
-            <a:avLst>
-              <a:gd name="adj1" fmla="val 14622"/>
-              <a:gd name="adj2" fmla="val 101775"/>
-              <a:gd name="adj3" fmla="val 40532"/>
-              <a:gd name="adj4" fmla="val 147540"/>
-            </a:avLst>
-          </a:prstGeom>
-          <a:solidFill>
-            <a:schemeClr val="bg1">
-              <a:lumMod val="85000"/>
-            </a:schemeClr>
-          </a:solidFill>
-          <a:ln w="38100">
-            <a:solidFill>
-              <a:schemeClr val="accent2"/>
-            </a:solidFill>
-          </a:ln>
-        </p:spPr>
-        <p:style>
-          <a:lnRef idx="2">
-            <a:schemeClr val="accent1">
-              <a:shade val="50000"/>
-            </a:schemeClr>
-          </a:lnRef>
-          <a:fillRef idx="1">
-            <a:schemeClr val="accent1"/>
-          </a:fillRef>
-          <a:effectRef idx="0">
-            <a:schemeClr val="accent1"/>
-          </a:effectRef>
-          <a:fontRef idx="minor">
-            <a:schemeClr val="lt1"/>
-          </a:fontRef>
-        </p:style>
-        <p:txBody>
-          <a:bodyPr lIns="0" tIns="0" rIns="0" bIns="0" rtlCol="0" anchor="ctr"/>
-          <a:lstStyle/>
-          <a:p>
-            <a:r>
-              <a:rPr lang="en-US" sz="1200" u="sng" dirty="0" smtClean="0">
-                <a:solidFill>
-                  <a:schemeClr val="tx1"/>
-                </a:solidFill>
-              </a:rPr>
-              <a:t>Confirm this “cross” on EXACTLY these aliases</a:t>
-            </a:r>
-            <a:endParaRPr lang="en-US" sz="1200" dirty="0" smtClean="0">
-              <a:solidFill>
-                <a:schemeClr val="tx1"/>
-              </a:solidFill>
-            </a:endParaRPr>
-          </a:p>
-        </p:txBody>
-      </p:sp>
+              </a:endParaRPr>
+            </a:p>
+          </p:txBody>
+        </p:sp>
+      </p:grpSp>
       <p:sp>
         <p:nvSpPr>
           <p:cNvPr id="2" name="Slide Number Placeholder 1"/>
@@ -4324,7 +4614,12 @@
             <p:ph type="sldNum" sz="quarter" idx="12"/>
           </p:nvPr>
         </p:nvSpPr>
-        <p:spPr/>
+        <p:spPr>
+          <a:xfrm>
+            <a:off x="8660004" y="6492875"/>
+            <a:ext cx="483995" cy="365125"/>
+          </a:xfrm>
+        </p:spPr>
         <p:txBody>
           <a:bodyPr/>
           <a:lstStyle/>
@@ -4334,7 +4629,37 @@
               <a:pPr/>
               <a:t>11</a:t>
             </a:fld>
-            <a:endParaRPr lang="en-US"/>
+            <a:endParaRPr lang="en-US" dirty="0"/>
+          </a:p>
+        </p:txBody>
+      </p:sp>
+      <p:sp>
+        <p:nvSpPr>
+          <p:cNvPr id="14" name="TextBox 13"/>
+          <p:cNvSpPr txBox="1"/>
+          <p:nvPr/>
+        </p:nvSpPr>
+        <p:spPr>
+          <a:xfrm>
+            <a:off x="4457512" y="6400800"/>
+            <a:ext cx="3985386" cy="253916"/>
+          </a:xfrm>
+          <a:prstGeom prst="rect">
+            <a:avLst/>
+          </a:prstGeom>
+          <a:noFill/>
+        </p:spPr>
+        <p:txBody>
+          <a:bodyPr wrap="none" rtlCol="0">
+            <a:spAutoFit/>
+          </a:bodyPr>
+          <a:lstStyle/>
+          <a:p>
+            <a:r>
+              <a:rPr lang="en-US" sz="1050" i="1" dirty="0" smtClean="0"/>
+              <a:t>(Example for DDJ-1000; other DDJ are similar. See annexes for details)</a:t>
+            </a:r>
+            <a:endParaRPr lang="en-US" i="1" dirty="0"/>
           </a:p>
         </p:txBody>
       </p:sp>
@@ -4669,8 +4994,8 @@
               <a:t>unclick “rules” to stop </a:t>
             </a:r>
             <a:r>
-              <a:rPr lang="en-US" dirty="0" err="1" smtClean="0"/>
-              <a:t>loggin</a:t>
+              <a:rPr lang="en-US" dirty="0" smtClean="0"/>
+              <a:t>the logging</a:t>
             </a:r>
             <a:endParaRPr lang="en-US" dirty="0" smtClean="0"/>
           </a:p>
@@ -5605,536 +5930,551 @@
           </a:p>
         </p:txBody>
       </p:sp>
-      <p:pic>
-        <p:nvPicPr>
-          <p:cNvPr id="2" name="Picture 2" descr="C:\Users\Pedro\Desktop\Z_DRIVE_Pedro\2 Music - Controllers\0_MAPS_Traktor\DDJ Pioneer\v6.5.0 - DDJ-1000 - TP3_TP2 BOME\Support files\Source files\Installation\1 - BOME - correct startup log.JPG"/>
-          <p:cNvPicPr>
-            <a:picLocks noChangeAspect="1" noChangeArrowheads="1"/>
-          </p:cNvPicPr>
+      <p:grpSp>
+        <p:nvGrpSpPr>
+          <p:cNvPr id="4" name="Group 3"/>
+          <p:cNvGrpSpPr/>
           <p:nvPr/>
-        </p:nvPicPr>
-        <p:blipFill>
-          <a:blip r:embed="rId2">
+        </p:nvGrpSpPr>
+        <p:grpSpPr>
+          <a:xfrm>
+            <a:off x="152399" y="652088"/>
+            <a:ext cx="9067801" cy="5824911"/>
+            <a:chOff x="152399" y="652088"/>
+            <a:chExt cx="9067801" cy="6025243"/>
+          </a:xfrm>
+        </p:grpSpPr>
+        <p:pic>
+          <p:nvPicPr>
+            <p:cNvPr id="2" name="Picture 2" descr="C:\Users\Pedro\Desktop\Z_DRIVE_Pedro\2 Music - Controllers\0_MAPS_Traktor\DDJ Pioneer\v6.5.0 - DDJ-1000 - TP3_TP2 BOME\Support files\Source files\Installation\1 - BOME - correct startup log.JPG"/>
+            <p:cNvPicPr>
+              <a:picLocks noChangeAspect="1" noChangeArrowheads="1"/>
+            </p:cNvPicPr>
+            <p:nvPr/>
+          </p:nvPicPr>
+          <p:blipFill>
+            <a:blip r:embed="rId2">
+              <a:extLst>
+                <a:ext uri="{28A0092B-C50C-407E-A947-70E740481C1C}">
+                  <a14:useLocalDpi xmlns:a14="http://schemas.microsoft.com/office/drawing/2010/main" val="0"/>
+                </a:ext>
+              </a:extLst>
+            </a:blip>
+            <a:srcRect/>
+            <a:stretch>
+              <a:fillRect/>
+            </a:stretch>
+          </p:blipFill>
+          <p:spPr bwMode="auto">
+            <a:xfrm>
+              <a:off x="1567127" y="652088"/>
+              <a:ext cx="6510073" cy="6025243"/>
+            </a:xfrm>
+            <a:prstGeom prst="rect">
+              <a:avLst/>
+            </a:prstGeom>
+            <a:noFill/>
             <a:extLst>
-              <a:ext uri="{28A0092B-C50C-407E-A947-70E740481C1C}">
-                <a14:useLocalDpi xmlns:a14="http://schemas.microsoft.com/office/drawing/2010/main" val="0"/>
+              <a:ext uri="{909E8E84-426E-40DD-AFC4-6F175D3DCCD1}">
+                <a14:hiddenFill xmlns:a14="http://schemas.microsoft.com/office/drawing/2010/main">
+                  <a:solidFill>
+                    <a:srgbClr val="FFFFFF"/>
+                  </a:solidFill>
+                </a14:hiddenFill>
               </a:ext>
             </a:extLst>
-          </a:blip>
-          <a:srcRect/>
-          <a:stretch>
-            <a:fillRect/>
-          </a:stretch>
-        </p:blipFill>
-        <p:spPr bwMode="auto">
-          <a:xfrm>
-            <a:off x="1567127" y="652088"/>
-            <a:ext cx="6510073" cy="6025243"/>
-          </a:xfrm>
-          <a:prstGeom prst="rect">
-            <a:avLst/>
-          </a:prstGeom>
-          <a:noFill/>
-          <a:extLst>
-            <a:ext uri="{909E8E84-426E-40DD-AFC4-6F175D3DCCD1}">
-              <a14:hiddenFill xmlns:a14="http://schemas.microsoft.com/office/drawing/2010/main">
-                <a:solidFill>
-                  <a:srgbClr val="FFFFFF"/>
-                </a:solidFill>
-              </a14:hiddenFill>
-            </a:ext>
-          </a:extLst>
-        </p:spPr>
-      </p:pic>
-      <p:sp>
-        <p:nvSpPr>
-          <p:cNvPr id="20" name="Oval 19"/>
-          <p:cNvSpPr/>
-          <p:nvPr/>
-        </p:nvSpPr>
-        <p:spPr>
-          <a:xfrm>
-            <a:off x="1488338" y="4774623"/>
-            <a:ext cx="2836439" cy="872075"/>
-          </a:xfrm>
-          <a:prstGeom prst="ellipse">
-            <a:avLst/>
-          </a:prstGeom>
-          <a:noFill/>
-          <a:ln w="44450">
+          </p:spPr>
+        </p:pic>
+        <p:sp>
+          <p:nvSpPr>
+            <p:cNvPr id="20" name="Oval 19"/>
+            <p:cNvSpPr/>
+            <p:nvPr/>
+          </p:nvSpPr>
+          <p:spPr>
+            <a:xfrm>
+              <a:off x="1488338" y="4774623"/>
+              <a:ext cx="2836439" cy="872075"/>
+            </a:xfrm>
+            <a:prstGeom prst="ellipse">
+              <a:avLst/>
+            </a:prstGeom>
+            <a:noFill/>
+            <a:ln w="44450">
+              <a:solidFill>
+                <a:srgbClr val="C00000"/>
+              </a:solidFill>
+            </a:ln>
+          </p:spPr>
+          <p:style>
+            <a:lnRef idx="2">
+              <a:schemeClr val="accent1">
+                <a:shade val="50000"/>
+              </a:schemeClr>
+            </a:lnRef>
+            <a:fillRef idx="1">
+              <a:schemeClr val="accent1"/>
+            </a:fillRef>
+            <a:effectRef idx="0">
+              <a:schemeClr val="accent1"/>
+            </a:effectRef>
+            <a:fontRef idx="minor">
+              <a:schemeClr val="lt1"/>
+            </a:fontRef>
+          </p:style>
+          <p:txBody>
+            <a:bodyPr rtlCol="0" anchor="ctr"/>
+            <a:lstStyle/>
+            <a:p>
+              <a:pPr algn="ctr"/>
+              <a:endParaRPr lang="en-US"/>
+            </a:p>
+          </p:txBody>
+        </p:sp>
+        <p:sp>
+          <p:nvSpPr>
+            <p:cNvPr id="21" name="Oval 20"/>
+            <p:cNvSpPr/>
+            <p:nvPr/>
+          </p:nvSpPr>
+          <p:spPr>
+            <a:xfrm>
+              <a:off x="2459258" y="3585430"/>
+              <a:ext cx="965062" cy="317118"/>
+            </a:xfrm>
+            <a:prstGeom prst="ellipse">
+              <a:avLst/>
+            </a:prstGeom>
+            <a:noFill/>
+            <a:ln w="44450">
+              <a:solidFill>
+                <a:srgbClr val="C00000"/>
+              </a:solidFill>
+            </a:ln>
+          </p:spPr>
+          <p:style>
+            <a:lnRef idx="2">
+              <a:schemeClr val="accent1">
+                <a:shade val="50000"/>
+              </a:schemeClr>
+            </a:lnRef>
+            <a:fillRef idx="1">
+              <a:schemeClr val="accent1"/>
+            </a:fillRef>
+            <a:effectRef idx="0">
+              <a:schemeClr val="accent1"/>
+            </a:effectRef>
+            <a:fontRef idx="minor">
+              <a:schemeClr val="lt1"/>
+            </a:fontRef>
+          </p:style>
+          <p:txBody>
+            <a:bodyPr rtlCol="0" anchor="ctr"/>
+            <a:lstStyle/>
+            <a:p>
+              <a:pPr algn="ctr"/>
+              <a:endParaRPr lang="en-US"/>
+            </a:p>
+          </p:txBody>
+        </p:sp>
+        <p:sp>
+          <p:nvSpPr>
+            <p:cNvPr id="32" name="Oval 31"/>
+            <p:cNvSpPr/>
+            <p:nvPr/>
+          </p:nvSpPr>
+          <p:spPr>
+            <a:xfrm>
+              <a:off x="5510170" y="1828800"/>
+              <a:ext cx="2986130" cy="2675706"/>
+            </a:xfrm>
+            <a:prstGeom prst="ellipse">
+              <a:avLst/>
+            </a:prstGeom>
+            <a:noFill/>
+            <a:ln w="44450">
+              <a:solidFill>
+                <a:srgbClr val="C00000"/>
+              </a:solidFill>
+            </a:ln>
+          </p:spPr>
+          <p:style>
+            <a:lnRef idx="2">
+              <a:schemeClr val="accent1">
+                <a:shade val="50000"/>
+              </a:schemeClr>
+            </a:lnRef>
+            <a:fillRef idx="1">
+              <a:schemeClr val="accent1"/>
+            </a:fillRef>
+            <a:effectRef idx="0">
+              <a:schemeClr val="accent1"/>
+            </a:effectRef>
+            <a:fontRef idx="minor">
+              <a:schemeClr val="lt1"/>
+            </a:fontRef>
+          </p:style>
+          <p:txBody>
+            <a:bodyPr rtlCol="0" anchor="ctr"/>
+            <a:lstStyle/>
+            <a:p>
+              <a:pPr algn="ctr"/>
+              <a:endParaRPr lang="en-US"/>
+            </a:p>
+          </p:txBody>
+        </p:sp>
+        <p:sp>
+          <p:nvSpPr>
+            <p:cNvPr id="34" name="Oval 33"/>
+            <p:cNvSpPr/>
+            <p:nvPr/>
+          </p:nvSpPr>
+          <p:spPr>
+            <a:xfrm>
+              <a:off x="6495044" y="994689"/>
+              <a:ext cx="465654" cy="317118"/>
+            </a:xfrm>
+            <a:prstGeom prst="ellipse">
+              <a:avLst/>
+            </a:prstGeom>
+            <a:noFill/>
+            <a:ln w="44450">
+              <a:solidFill>
+                <a:srgbClr val="C00000"/>
+              </a:solidFill>
+            </a:ln>
+          </p:spPr>
+          <p:style>
+            <a:lnRef idx="2">
+              <a:schemeClr val="accent1">
+                <a:shade val="50000"/>
+              </a:schemeClr>
+            </a:lnRef>
+            <a:fillRef idx="1">
+              <a:schemeClr val="accent1"/>
+            </a:fillRef>
+            <a:effectRef idx="0">
+              <a:schemeClr val="accent1"/>
+            </a:effectRef>
+            <a:fontRef idx="minor">
+              <a:schemeClr val="lt1"/>
+            </a:fontRef>
+          </p:style>
+          <p:txBody>
+            <a:bodyPr rtlCol="0" anchor="ctr"/>
+            <a:lstStyle/>
+            <a:p>
+              <a:pPr algn="ctr"/>
+              <a:endParaRPr lang="en-US"/>
+            </a:p>
+          </p:txBody>
+        </p:sp>
+        <p:sp>
+          <p:nvSpPr>
+            <p:cNvPr id="35" name="Line Callout 1 (Accent Bar) 34"/>
+            <p:cNvSpPr/>
+            <p:nvPr/>
+          </p:nvSpPr>
+          <p:spPr>
+            <a:xfrm>
+              <a:off x="152399" y="4369448"/>
+              <a:ext cx="1307069" cy="270116"/>
+            </a:xfrm>
+            <a:prstGeom prst="accentCallout1">
+              <a:avLst>
+                <a:gd name="adj1" fmla="val 41417"/>
+                <a:gd name="adj2" fmla="val 103504"/>
+                <a:gd name="adj3" fmla="val 177404"/>
+                <a:gd name="adj4" fmla="val 140696"/>
+              </a:avLst>
+            </a:prstGeom>
             <a:solidFill>
-              <a:srgbClr val="C00000"/>
+              <a:schemeClr val="bg1">
+                <a:lumMod val="85000"/>
+              </a:schemeClr>
             </a:solidFill>
-          </a:ln>
-        </p:spPr>
-        <p:style>
-          <a:lnRef idx="2">
-            <a:schemeClr val="accent1">
-              <a:shade val="50000"/>
-            </a:schemeClr>
-          </a:lnRef>
-          <a:fillRef idx="1">
-            <a:schemeClr val="accent1"/>
-          </a:fillRef>
-          <a:effectRef idx="0">
-            <a:schemeClr val="accent1"/>
-          </a:effectRef>
-          <a:fontRef idx="minor">
-            <a:schemeClr val="lt1"/>
-          </a:fontRef>
-        </p:style>
-        <p:txBody>
-          <a:bodyPr rtlCol="0" anchor="ctr"/>
-          <a:lstStyle/>
-          <a:p>
-            <a:pPr algn="ctr"/>
-            <a:endParaRPr lang="en-US"/>
-          </a:p>
-        </p:txBody>
-      </p:sp>
-      <p:sp>
-        <p:nvSpPr>
-          <p:cNvPr id="21" name="Oval 20"/>
-          <p:cNvSpPr/>
-          <p:nvPr/>
-        </p:nvSpPr>
-        <p:spPr>
-          <a:xfrm>
-            <a:off x="2459258" y="3585430"/>
-            <a:ext cx="965062" cy="317118"/>
-          </a:xfrm>
-          <a:prstGeom prst="ellipse">
-            <a:avLst/>
-          </a:prstGeom>
-          <a:noFill/>
-          <a:ln w="44450">
-            <a:solidFill>
-              <a:srgbClr val="C00000"/>
-            </a:solidFill>
-          </a:ln>
-        </p:spPr>
-        <p:style>
-          <a:lnRef idx="2">
-            <a:schemeClr val="accent1">
-              <a:shade val="50000"/>
-            </a:schemeClr>
-          </a:lnRef>
-          <a:fillRef idx="1">
-            <a:schemeClr val="accent1"/>
-          </a:fillRef>
-          <a:effectRef idx="0">
-            <a:schemeClr val="accent1"/>
-          </a:effectRef>
-          <a:fontRef idx="minor">
-            <a:schemeClr val="lt1"/>
-          </a:fontRef>
-        </p:style>
-        <p:txBody>
-          <a:bodyPr rtlCol="0" anchor="ctr"/>
-          <a:lstStyle/>
-          <a:p>
-            <a:pPr algn="ctr"/>
-            <a:endParaRPr lang="en-US"/>
-          </a:p>
-        </p:txBody>
-      </p:sp>
-      <p:sp>
-        <p:nvSpPr>
-          <p:cNvPr id="32" name="Oval 31"/>
-          <p:cNvSpPr/>
-          <p:nvPr/>
-        </p:nvSpPr>
-        <p:spPr>
-          <a:xfrm>
-            <a:off x="5510170" y="1828800"/>
-            <a:ext cx="2986130" cy="2675706"/>
-          </a:xfrm>
-          <a:prstGeom prst="ellipse">
-            <a:avLst/>
-          </a:prstGeom>
-          <a:noFill/>
-          <a:ln w="44450">
-            <a:solidFill>
-              <a:srgbClr val="C00000"/>
-            </a:solidFill>
-          </a:ln>
-        </p:spPr>
-        <p:style>
-          <a:lnRef idx="2">
-            <a:schemeClr val="accent1">
-              <a:shade val="50000"/>
-            </a:schemeClr>
-          </a:lnRef>
-          <a:fillRef idx="1">
-            <a:schemeClr val="accent1"/>
-          </a:fillRef>
-          <a:effectRef idx="0">
-            <a:schemeClr val="accent1"/>
-          </a:effectRef>
-          <a:fontRef idx="minor">
-            <a:schemeClr val="lt1"/>
-          </a:fontRef>
-        </p:style>
-        <p:txBody>
-          <a:bodyPr rtlCol="0" anchor="ctr"/>
-          <a:lstStyle/>
-          <a:p>
-            <a:pPr algn="ctr"/>
-            <a:endParaRPr lang="en-US"/>
-          </a:p>
-        </p:txBody>
-      </p:sp>
-      <p:sp>
-        <p:nvSpPr>
-          <p:cNvPr id="34" name="Oval 33"/>
-          <p:cNvSpPr/>
-          <p:nvPr/>
-        </p:nvSpPr>
-        <p:spPr>
-          <a:xfrm>
-            <a:off x="6495044" y="994689"/>
-            <a:ext cx="465654" cy="317118"/>
-          </a:xfrm>
-          <a:prstGeom prst="ellipse">
-            <a:avLst/>
-          </a:prstGeom>
-          <a:noFill/>
-          <a:ln w="44450">
-            <a:solidFill>
-              <a:srgbClr val="C00000"/>
-            </a:solidFill>
-          </a:ln>
-        </p:spPr>
-        <p:style>
-          <a:lnRef idx="2">
-            <a:schemeClr val="accent1">
-              <a:shade val="50000"/>
-            </a:schemeClr>
-          </a:lnRef>
-          <a:fillRef idx="1">
-            <a:schemeClr val="accent1"/>
-          </a:fillRef>
-          <a:effectRef idx="0">
-            <a:schemeClr val="accent1"/>
-          </a:effectRef>
-          <a:fontRef idx="minor">
-            <a:schemeClr val="lt1"/>
-          </a:fontRef>
-        </p:style>
-        <p:txBody>
-          <a:bodyPr rtlCol="0" anchor="ctr"/>
-          <a:lstStyle/>
-          <a:p>
-            <a:pPr algn="ctr"/>
-            <a:endParaRPr lang="en-US"/>
-          </a:p>
-        </p:txBody>
-      </p:sp>
-      <p:sp>
-        <p:nvSpPr>
-          <p:cNvPr id="35" name="Line Callout 1 (Accent Bar) 34"/>
-          <p:cNvSpPr/>
-          <p:nvPr/>
-        </p:nvSpPr>
-        <p:spPr>
-          <a:xfrm>
-            <a:off x="152399" y="4369448"/>
-            <a:ext cx="1307069" cy="270116"/>
-          </a:xfrm>
-          <a:prstGeom prst="accentCallout1">
-            <a:avLst>
-              <a:gd name="adj1" fmla="val 41417"/>
-              <a:gd name="adj2" fmla="val 103504"/>
-              <a:gd name="adj3" fmla="val 177404"/>
-              <a:gd name="adj4" fmla="val 140696"/>
-            </a:avLst>
-          </a:prstGeom>
-          <a:solidFill>
-            <a:schemeClr val="bg1">
-              <a:lumMod val="85000"/>
-            </a:schemeClr>
-          </a:solidFill>
-          <a:ln>
-            <a:solidFill>
-              <a:schemeClr val="accent2"/>
-            </a:solidFill>
-          </a:ln>
-        </p:spPr>
-        <p:style>
-          <a:lnRef idx="2">
-            <a:schemeClr val="accent1">
-              <a:shade val="50000"/>
-            </a:schemeClr>
-          </a:lnRef>
-          <a:fillRef idx="1">
-            <a:schemeClr val="accent1"/>
-          </a:fillRef>
-          <a:effectRef idx="0">
-            <a:schemeClr val="accent1"/>
-          </a:effectRef>
-          <a:fontRef idx="minor">
-            <a:schemeClr val="lt1"/>
-          </a:fontRef>
-        </p:style>
-        <p:txBody>
-          <a:bodyPr lIns="0" tIns="0" rIns="0" bIns="0" rtlCol="0" anchor="ctr"/>
-          <a:lstStyle/>
-          <a:p>
-            <a:pPr algn="r"/>
-            <a:r>
-              <a:rPr lang="en-US" sz="1200" dirty="0" smtClean="0">
+            <a:ln>
+              <a:solidFill>
+                <a:schemeClr val="accent2"/>
+              </a:solidFill>
+            </a:ln>
+          </p:spPr>
+          <p:style>
+            <a:lnRef idx="2">
+              <a:schemeClr val="accent1">
+                <a:shade val="50000"/>
+              </a:schemeClr>
+            </a:lnRef>
+            <a:fillRef idx="1">
+              <a:schemeClr val="accent1"/>
+            </a:fillRef>
+            <a:effectRef idx="0">
+              <a:schemeClr val="accent1"/>
+            </a:effectRef>
+            <a:fontRef idx="minor">
+              <a:schemeClr val="lt1"/>
+            </a:fontRef>
+          </p:style>
+          <p:txBody>
+            <a:bodyPr lIns="0" tIns="0" rIns="0" bIns="0" rtlCol="0" anchor="ctr"/>
+            <a:lstStyle/>
+            <a:p>
+              <a:pPr algn="r"/>
+              <a:r>
+                <a:rPr lang="en-US" sz="1200" dirty="0" smtClean="0">
+                  <a:solidFill>
+                    <a:schemeClr val="tx1"/>
+                  </a:solidFill>
+                </a:rPr>
+                <a:t>4x messages here!</a:t>
+              </a:r>
+              <a:endParaRPr lang="en-US" sz="1200" dirty="0">
                 <a:solidFill>
                   <a:schemeClr val="tx1"/>
                 </a:solidFill>
-              </a:rPr>
-              <a:t>4x messages here!</a:t>
-            </a:r>
-            <a:endParaRPr lang="en-US" sz="1200" dirty="0">
+              </a:endParaRPr>
+            </a:p>
+          </p:txBody>
+        </p:sp>
+        <p:sp>
+          <p:nvSpPr>
+            <p:cNvPr id="10" name="Line Callout 1 (Accent Bar) 9"/>
+            <p:cNvSpPr/>
+            <p:nvPr/>
+          </p:nvSpPr>
+          <p:spPr>
+            <a:xfrm>
+              <a:off x="3604307" y="762000"/>
+              <a:ext cx="1990725" cy="1473608"/>
+            </a:xfrm>
+            <a:prstGeom prst="accentCallout1">
+              <a:avLst>
+                <a:gd name="adj1" fmla="val 47993"/>
+                <a:gd name="adj2" fmla="val 103680"/>
+                <a:gd name="adj3" fmla="val 98592"/>
+                <a:gd name="adj4" fmla="val 123057"/>
+              </a:avLst>
+            </a:prstGeom>
+            <a:solidFill>
+              <a:schemeClr val="bg1">
+                <a:lumMod val="85000"/>
+              </a:schemeClr>
+            </a:solidFill>
+            <a:ln>
               <a:solidFill>
-                <a:schemeClr val="tx1"/>
+                <a:schemeClr val="accent2"/>
               </a:solidFill>
-            </a:endParaRPr>
-          </a:p>
-        </p:txBody>
-      </p:sp>
-      <p:sp>
-        <p:nvSpPr>
-          <p:cNvPr id="10" name="Line Callout 1 (Accent Bar) 9"/>
-          <p:cNvSpPr/>
-          <p:nvPr/>
-        </p:nvSpPr>
-        <p:spPr>
-          <a:xfrm>
-            <a:off x="3604307" y="762000"/>
-            <a:ext cx="1990725" cy="1473608"/>
-          </a:xfrm>
-          <a:prstGeom prst="accentCallout1">
-            <a:avLst>
-              <a:gd name="adj1" fmla="val 47993"/>
-              <a:gd name="adj2" fmla="val 103680"/>
-              <a:gd name="adj3" fmla="val 98592"/>
-              <a:gd name="adj4" fmla="val 123057"/>
-            </a:avLst>
-          </a:prstGeom>
-          <a:solidFill>
-            <a:schemeClr val="bg1">
-              <a:lumMod val="85000"/>
-            </a:schemeClr>
-          </a:solidFill>
-          <a:ln>
-            <a:solidFill>
-              <a:schemeClr val="accent2"/>
-            </a:solidFill>
-          </a:ln>
-        </p:spPr>
-        <p:style>
-          <a:lnRef idx="2">
-            <a:schemeClr val="accent1">
-              <a:shade val="50000"/>
-            </a:schemeClr>
-          </a:lnRef>
-          <a:fillRef idx="1">
-            <a:schemeClr val="accent1"/>
-          </a:fillRef>
-          <a:effectRef idx="0">
-            <a:schemeClr val="accent1"/>
-          </a:effectRef>
-          <a:fontRef idx="minor">
-            <a:schemeClr val="lt1"/>
-          </a:fontRef>
-        </p:style>
-        <p:txBody>
-          <a:bodyPr lIns="0" tIns="0" rIns="0" bIns="0" rtlCol="0" anchor="ctr"/>
-          <a:lstStyle/>
-          <a:p>
-            <a:r>
-              <a:rPr lang="en-US" sz="1200" dirty="0" smtClean="0">
+            </a:ln>
+          </p:spPr>
+          <p:style>
+            <a:lnRef idx="2">
+              <a:schemeClr val="accent1">
+                <a:shade val="50000"/>
+              </a:schemeClr>
+            </a:lnRef>
+            <a:fillRef idx="1">
+              <a:schemeClr val="accent1"/>
+            </a:fillRef>
+            <a:effectRef idx="0">
+              <a:schemeClr val="accent1"/>
+            </a:effectRef>
+            <a:fontRef idx="minor">
+              <a:schemeClr val="lt1"/>
+            </a:fontRef>
+          </p:style>
+          <p:txBody>
+            <a:bodyPr lIns="0" tIns="0" rIns="0" bIns="0" rtlCol="0" anchor="ctr"/>
+            <a:lstStyle/>
+            <a:p>
+              <a:r>
+                <a:rPr lang="en-US" sz="1200" dirty="0" smtClean="0">
+                  <a:solidFill>
+                    <a:schemeClr val="tx1"/>
+                  </a:solidFill>
+                </a:rPr>
+                <a:t>Do not change this!</a:t>
+              </a:r>
+              <a:br>
+                <a:rPr lang="en-US" sz="1200" dirty="0" smtClean="0">
+                  <a:solidFill>
+                    <a:schemeClr val="tx1"/>
+                  </a:solidFill>
+                </a:rPr>
+              </a:br>
+              <a:r>
+                <a:rPr lang="en-US" sz="1200" dirty="0" smtClean="0">
+                  <a:solidFill>
+                    <a:schemeClr val="tx1"/>
+                  </a:solidFill>
+                </a:rPr>
+                <a:t/>
+              </a:r>
+              <a:br>
+                <a:rPr lang="en-US" sz="1200" dirty="0" smtClean="0">
+                  <a:solidFill>
+                    <a:schemeClr val="tx1"/>
+                  </a:solidFill>
+                </a:rPr>
+              </a:br>
+              <a:r>
+                <a:rPr lang="en-US" sz="1200" dirty="0" smtClean="0">
+                  <a:solidFill>
+                    <a:schemeClr val="tx1"/>
+                  </a:solidFill>
+                </a:rPr>
+                <a:t>Default is ONLY </a:t>
+              </a:r>
+              <a:br>
+                <a:rPr lang="en-US" sz="1200" dirty="0" smtClean="0">
+                  <a:solidFill>
+                    <a:schemeClr val="tx1"/>
+                  </a:solidFill>
+                </a:rPr>
+              </a:br>
+              <a:r>
+                <a:rPr lang="en-US" sz="1200" dirty="0" smtClean="0">
+                  <a:solidFill>
+                    <a:schemeClr val="tx1"/>
+                  </a:solidFill>
+                </a:rPr>
+                <a:t>- “From </a:t>
+              </a:r>
+              <a:r>
+                <a:rPr lang="en-US" sz="1200" dirty="0" err="1" smtClean="0">
+                  <a:solidFill>
+                    <a:schemeClr val="tx1"/>
+                  </a:solidFill>
+                </a:rPr>
+                <a:t>Traktor</a:t>
+              </a:r>
+              <a:r>
+                <a:rPr lang="en-US" sz="1200" dirty="0" smtClean="0">
+                  <a:solidFill>
+                    <a:schemeClr val="tx1"/>
+                  </a:solidFill>
+                </a:rPr>
+                <a:t>”  OPEN</a:t>
+              </a:r>
+              <a:br>
+                <a:rPr lang="en-US" sz="1200" dirty="0" smtClean="0">
+                  <a:solidFill>
+                    <a:schemeClr val="tx1"/>
+                  </a:solidFill>
+                </a:rPr>
+              </a:br>
+              <a:r>
+                <a:rPr lang="en-US" sz="1200" dirty="0" smtClean="0">
+                  <a:solidFill>
+                    <a:schemeClr val="tx1"/>
+                  </a:solidFill>
+                </a:rPr>
+                <a:t>- “to DDJ”  OPEN</a:t>
+              </a:r>
+              <a:br>
+                <a:rPr lang="en-US" sz="1200" dirty="0" smtClean="0">
+                  <a:solidFill>
+                    <a:schemeClr val="tx1"/>
+                  </a:solidFill>
+                </a:rPr>
+              </a:br>
+              <a:r>
+                <a:rPr lang="en-US" sz="1200" dirty="0" smtClean="0">
+                  <a:solidFill>
+                    <a:schemeClr val="tx1"/>
+                  </a:solidFill>
+                </a:rPr>
+                <a:t/>
+              </a:r>
+              <a:br>
+                <a:rPr lang="en-US" sz="1200" dirty="0" smtClean="0">
+                  <a:solidFill>
+                    <a:schemeClr val="tx1"/>
+                  </a:solidFill>
+                </a:rPr>
+              </a:br>
+              <a:r>
+                <a:rPr lang="en-US" sz="1200" dirty="0" smtClean="0">
+                  <a:solidFill>
+                    <a:schemeClr val="tx1"/>
+                  </a:solidFill>
+                </a:rPr>
+                <a:t>confirm devices are OPEN!</a:t>
+              </a:r>
+              <a:endParaRPr lang="en-US" sz="1200" dirty="0">
                 <a:solidFill>
                   <a:schemeClr val="tx1"/>
                 </a:solidFill>
-              </a:rPr>
-              <a:t>Do not change this!</a:t>
-            </a:r>
-            <a:br>
-              <a:rPr lang="en-US" sz="1200" dirty="0" smtClean="0">
+              </a:endParaRPr>
+            </a:p>
+          </p:txBody>
+        </p:sp>
+        <p:sp>
+          <p:nvSpPr>
+            <p:cNvPr id="11" name="Line Callout 1 (Accent Bar) 10"/>
+            <p:cNvSpPr/>
+            <p:nvPr/>
+          </p:nvSpPr>
+          <p:spPr>
+            <a:xfrm>
+              <a:off x="7772400" y="5000296"/>
+              <a:ext cx="1447800" cy="420727"/>
+            </a:xfrm>
+            <a:prstGeom prst="accentCallout1">
+              <a:avLst>
+                <a:gd name="adj1" fmla="val 45417"/>
+                <a:gd name="adj2" fmla="val -2669"/>
+                <a:gd name="adj3" fmla="val 253435"/>
+                <a:gd name="adj4" fmla="val -42999"/>
+              </a:avLst>
+            </a:prstGeom>
+            <a:solidFill>
+              <a:schemeClr val="bg1">
+                <a:lumMod val="85000"/>
+              </a:schemeClr>
+            </a:solidFill>
+            <a:ln>
+              <a:solidFill>
+                <a:schemeClr val="accent2"/>
+              </a:solidFill>
+            </a:ln>
+          </p:spPr>
+          <p:style>
+            <a:lnRef idx="2">
+              <a:schemeClr val="accent1">
+                <a:shade val="50000"/>
+              </a:schemeClr>
+            </a:lnRef>
+            <a:fillRef idx="1">
+              <a:schemeClr val="accent1"/>
+            </a:fillRef>
+            <a:effectRef idx="0">
+              <a:schemeClr val="accent1"/>
+            </a:effectRef>
+            <a:fontRef idx="minor">
+              <a:schemeClr val="lt1"/>
+            </a:fontRef>
+          </p:style>
+          <p:txBody>
+            <a:bodyPr lIns="0" tIns="0" rIns="0" bIns="0" rtlCol="0" anchor="ctr"/>
+            <a:lstStyle/>
+            <a:p>
+              <a:r>
+                <a:rPr lang="en-US" sz="1200" dirty="0" smtClean="0">
+                  <a:solidFill>
+                    <a:schemeClr val="tx1"/>
+                  </a:solidFill>
+                </a:rPr>
+                <a:t>Do not change this “cross”!</a:t>
+              </a:r>
+              <a:endParaRPr lang="en-US" sz="1200" dirty="0">
                 <a:solidFill>
                   <a:schemeClr val="tx1"/>
                 </a:solidFill>
-              </a:rPr>
-            </a:br>
-            <a:r>
-              <a:rPr lang="en-US" sz="1200" dirty="0" smtClean="0">
-                <a:solidFill>
-                  <a:schemeClr val="tx1"/>
-                </a:solidFill>
-              </a:rPr>
-              <a:t/>
-            </a:r>
-            <a:br>
-              <a:rPr lang="en-US" sz="1200" dirty="0" smtClean="0">
-                <a:solidFill>
-                  <a:schemeClr val="tx1"/>
-                </a:solidFill>
-              </a:rPr>
-            </a:br>
-            <a:r>
-              <a:rPr lang="en-US" sz="1200" dirty="0" smtClean="0">
-                <a:solidFill>
-                  <a:schemeClr val="tx1"/>
-                </a:solidFill>
-              </a:rPr>
-              <a:t>Default is ONLY </a:t>
-            </a:r>
-            <a:br>
-              <a:rPr lang="en-US" sz="1200" dirty="0" smtClean="0">
-                <a:solidFill>
-                  <a:schemeClr val="tx1"/>
-                </a:solidFill>
-              </a:rPr>
-            </a:br>
-            <a:r>
-              <a:rPr lang="en-US" sz="1200" dirty="0" smtClean="0">
-                <a:solidFill>
-                  <a:schemeClr val="tx1"/>
-                </a:solidFill>
-              </a:rPr>
-              <a:t>- “From </a:t>
-            </a:r>
-            <a:r>
-              <a:rPr lang="en-US" sz="1200" dirty="0" err="1" smtClean="0">
-                <a:solidFill>
-                  <a:schemeClr val="tx1"/>
-                </a:solidFill>
-              </a:rPr>
-              <a:t>Traktor</a:t>
-            </a:r>
-            <a:r>
-              <a:rPr lang="en-US" sz="1200" dirty="0" smtClean="0">
-                <a:solidFill>
-                  <a:schemeClr val="tx1"/>
-                </a:solidFill>
-              </a:rPr>
-              <a:t>”  OPEN</a:t>
-            </a:r>
-            <a:br>
-              <a:rPr lang="en-US" sz="1200" dirty="0" smtClean="0">
-                <a:solidFill>
-                  <a:schemeClr val="tx1"/>
-                </a:solidFill>
-              </a:rPr>
-            </a:br>
-            <a:r>
-              <a:rPr lang="en-US" sz="1200" dirty="0" smtClean="0">
-                <a:solidFill>
-                  <a:schemeClr val="tx1"/>
-                </a:solidFill>
-              </a:rPr>
-              <a:t>- “to DDJ”  OPEN</a:t>
-            </a:r>
-            <a:br>
-              <a:rPr lang="en-US" sz="1200" dirty="0" smtClean="0">
-                <a:solidFill>
-                  <a:schemeClr val="tx1"/>
-                </a:solidFill>
-              </a:rPr>
-            </a:br>
-            <a:r>
-              <a:rPr lang="en-US" sz="1200" dirty="0" smtClean="0">
-                <a:solidFill>
-                  <a:schemeClr val="tx1"/>
-                </a:solidFill>
-              </a:rPr>
-              <a:t/>
-            </a:r>
-            <a:br>
-              <a:rPr lang="en-US" sz="1200" dirty="0" smtClean="0">
-                <a:solidFill>
-                  <a:schemeClr val="tx1"/>
-                </a:solidFill>
-              </a:rPr>
-            </a:br>
-            <a:r>
-              <a:rPr lang="en-US" sz="1200" dirty="0" smtClean="0">
-                <a:solidFill>
-                  <a:schemeClr val="tx1"/>
-                </a:solidFill>
-              </a:rPr>
-              <a:t>confirm devices are OPEN!</a:t>
-            </a:r>
-            <a:endParaRPr lang="en-US" sz="1200" dirty="0">
-              <a:solidFill>
-                <a:schemeClr val="tx1"/>
-              </a:solidFill>
-            </a:endParaRPr>
-          </a:p>
-        </p:txBody>
-      </p:sp>
-      <p:sp>
-        <p:nvSpPr>
-          <p:cNvPr id="11" name="Line Callout 1 (Accent Bar) 10"/>
-          <p:cNvSpPr/>
-          <p:nvPr/>
-        </p:nvSpPr>
-        <p:spPr>
-          <a:xfrm>
-            <a:off x="7772400" y="5000296"/>
-            <a:ext cx="1447800" cy="420727"/>
-          </a:xfrm>
-          <a:prstGeom prst="accentCallout1">
-            <a:avLst>
-              <a:gd name="adj1" fmla="val 45417"/>
-              <a:gd name="adj2" fmla="val -2669"/>
-              <a:gd name="adj3" fmla="val 253435"/>
-              <a:gd name="adj4" fmla="val -42999"/>
-            </a:avLst>
-          </a:prstGeom>
-          <a:solidFill>
-            <a:schemeClr val="bg1">
-              <a:lumMod val="85000"/>
-            </a:schemeClr>
-          </a:solidFill>
-          <a:ln>
-            <a:solidFill>
-              <a:schemeClr val="accent2"/>
-            </a:solidFill>
-          </a:ln>
-        </p:spPr>
-        <p:style>
-          <a:lnRef idx="2">
-            <a:schemeClr val="accent1">
-              <a:shade val="50000"/>
-            </a:schemeClr>
-          </a:lnRef>
-          <a:fillRef idx="1">
-            <a:schemeClr val="accent1"/>
-          </a:fillRef>
-          <a:effectRef idx="0">
-            <a:schemeClr val="accent1"/>
-          </a:effectRef>
-          <a:fontRef idx="minor">
-            <a:schemeClr val="lt1"/>
-          </a:fontRef>
-        </p:style>
-        <p:txBody>
-          <a:bodyPr lIns="0" tIns="0" rIns="0" bIns="0" rtlCol="0" anchor="ctr"/>
-          <a:lstStyle/>
-          <a:p>
-            <a:r>
-              <a:rPr lang="en-US" sz="1200" dirty="0" smtClean="0">
-                <a:solidFill>
-                  <a:schemeClr val="tx1"/>
-                </a:solidFill>
-              </a:rPr>
-              <a:t>Do not change this “cross”!</a:t>
-            </a:r>
-            <a:endParaRPr lang="en-US" sz="1200" dirty="0">
-              <a:solidFill>
-                <a:schemeClr val="tx1"/>
-              </a:solidFill>
-            </a:endParaRPr>
-          </a:p>
-        </p:txBody>
-      </p:sp>
+              </a:endParaRPr>
+            </a:p>
+          </p:txBody>
+        </p:sp>
+      </p:grpSp>
       <p:sp>
         <p:nvSpPr>
           <p:cNvPr id="3" name="Slide Number Placeholder 2"/>
@@ -6156,6 +6496,36 @@
               <a:t>16</a:t>
             </a:fld>
             <a:endParaRPr lang="en-US"/>
+          </a:p>
+        </p:txBody>
+      </p:sp>
+      <p:sp>
+        <p:nvSpPr>
+          <p:cNvPr id="14" name="TextBox 13"/>
+          <p:cNvSpPr txBox="1"/>
+          <p:nvPr/>
+        </p:nvSpPr>
+        <p:spPr>
+          <a:xfrm>
+            <a:off x="2209800" y="6445292"/>
+            <a:ext cx="3985386" cy="253916"/>
+          </a:xfrm>
+          <a:prstGeom prst="rect">
+            <a:avLst/>
+          </a:prstGeom>
+          <a:noFill/>
+        </p:spPr>
+        <p:txBody>
+          <a:bodyPr wrap="none" rtlCol="0">
+            <a:spAutoFit/>
+          </a:bodyPr>
+          <a:lstStyle/>
+          <a:p>
+            <a:r>
+              <a:rPr lang="en-US" sz="1050" i="1" dirty="0" smtClean="0"/>
+              <a:t>(Example for DDJ-1000; other DDJ are similar. See annexes for details)</a:t>
+            </a:r>
+            <a:endParaRPr lang="en-US" i="1" dirty="0"/>
           </a:p>
         </p:txBody>
       </p:sp>
@@ -6508,6 +6878,36 @@
           </a:p>
         </p:txBody>
       </p:sp>
+      <p:sp>
+        <p:nvSpPr>
+          <p:cNvPr id="9" name="TextBox 8"/>
+          <p:cNvSpPr txBox="1"/>
+          <p:nvPr/>
+        </p:nvSpPr>
+        <p:spPr>
+          <a:xfrm>
+            <a:off x="2057400" y="5746708"/>
+            <a:ext cx="3985386" cy="253916"/>
+          </a:xfrm>
+          <a:prstGeom prst="rect">
+            <a:avLst/>
+          </a:prstGeom>
+          <a:noFill/>
+        </p:spPr>
+        <p:txBody>
+          <a:bodyPr wrap="none" rtlCol="0">
+            <a:spAutoFit/>
+          </a:bodyPr>
+          <a:lstStyle/>
+          <a:p>
+            <a:r>
+              <a:rPr lang="en-US" sz="1050" i="1" dirty="0" smtClean="0"/>
+              <a:t>(Example for DDJ-1000; other DDJ are similar. See annexes for details)</a:t>
+            </a:r>
+            <a:endParaRPr lang="en-US" i="1" dirty="0"/>
+          </a:p>
+        </p:txBody>
+      </p:sp>
     </p:spTree>
     <p:extLst>
       <p:ext uri="{BB962C8B-B14F-4D97-AF65-F5344CB8AC3E}">
@@ -8129,62 +8529,21 @@
           <a:chExt cx="0" cy="0"/>
         </a:xfrm>
       </p:grpSpPr>
-      <p:pic>
-        <p:nvPicPr>
-          <p:cNvPr id="4098" name="Picture 2" descr="C:\Users\Pedro\Desktop\Z_DRIVE_Pedro\2 Music - Controllers\0_MAPS_Traktor\DDJ Pioneer\v6.5.1 - DDJ-1000 - TP3_TP2 BOME\Support files\Source files\Installation\Traktor\1 - instll traktor mapping.JPG"/>
-          <p:cNvPicPr>
-            <a:picLocks noChangeAspect="1" noChangeArrowheads="1"/>
-          </p:cNvPicPr>
+      <p:sp>
+        <p:nvSpPr>
+          <p:cNvPr id="11" name="TextBox 10"/>
+          <p:cNvSpPr txBox="1"/>
           <p:nvPr/>
-        </p:nvPicPr>
-        <p:blipFill>
-          <a:blip r:embed="rId2">
-            <a:extLst>
-              <a:ext uri="{28A0092B-C50C-407E-A947-70E740481C1C}">
-                <a14:useLocalDpi xmlns:a14="http://schemas.microsoft.com/office/drawing/2010/main" val="0"/>
-              </a:ext>
-            </a:extLst>
-          </a:blip>
-          <a:srcRect/>
-          <a:stretch>
-            <a:fillRect/>
-          </a:stretch>
-        </p:blipFill>
-        <p:spPr bwMode="auto">
-          <a:xfrm>
-            <a:off x="1171575" y="601385"/>
-            <a:ext cx="7162800" cy="5981731"/>
+        </p:nvSpPr>
+        <p:spPr>
+          <a:xfrm>
+            <a:off x="152400" y="111145"/>
+            <a:ext cx="3519105" cy="461665"/>
           </a:xfrm>
           <a:prstGeom prst="rect">
             <a:avLst/>
           </a:prstGeom>
           <a:noFill/>
-          <a:extLst>
-            <a:ext uri="{909E8E84-426E-40DD-AFC4-6F175D3DCCD1}">
-              <a14:hiddenFill xmlns:a14="http://schemas.microsoft.com/office/drawing/2010/main">
-                <a:solidFill>
-                  <a:srgbClr val="FFFFFF"/>
-                </a:solidFill>
-              </a14:hiddenFill>
-            </a:ext>
-          </a:extLst>
-        </p:spPr>
-      </p:pic>
-      <p:sp>
-        <p:nvSpPr>
-          <p:cNvPr id="11" name="TextBox 10"/>
-          <p:cNvSpPr txBox="1"/>
-          <p:nvPr/>
-        </p:nvSpPr>
-        <p:spPr>
-          <a:xfrm>
-            <a:off x="152400" y="111145"/>
-            <a:ext cx="3519105" cy="461665"/>
-          </a:xfrm>
-          <a:prstGeom prst="rect">
-            <a:avLst/>
-          </a:prstGeom>
-          <a:noFill/>
         </p:spPr>
         <p:txBody>
           <a:bodyPr wrap="none" rtlCol="0">
@@ -8200,144 +8559,200 @@
           </a:p>
         </p:txBody>
       </p:sp>
-      <p:sp>
-        <p:nvSpPr>
-          <p:cNvPr id="8" name="Oval 7"/>
-          <p:cNvSpPr/>
+      <p:grpSp>
+        <p:nvGrpSpPr>
+          <p:cNvPr id="3" name="Group 2"/>
+          <p:cNvGrpSpPr/>
           <p:nvPr/>
-        </p:nvSpPr>
-        <p:spPr>
-          <a:xfrm>
-            <a:off x="7010400" y="895350"/>
-            <a:ext cx="304800" cy="342900"/>
-          </a:xfrm>
-          <a:prstGeom prst="ellipse">
-            <a:avLst/>
-          </a:prstGeom>
-          <a:noFill/>
-          <a:ln w="44450">
-            <a:solidFill>
-              <a:srgbClr val="C00000"/>
-            </a:solidFill>
-          </a:ln>
-        </p:spPr>
-        <p:style>
-          <a:lnRef idx="2">
-            <a:schemeClr val="accent1">
-              <a:shade val="50000"/>
-            </a:schemeClr>
-          </a:lnRef>
-          <a:fillRef idx="1">
-            <a:schemeClr val="accent1"/>
-          </a:fillRef>
-          <a:effectRef idx="0">
-            <a:schemeClr val="accent1"/>
-          </a:effectRef>
-          <a:fontRef idx="minor">
-            <a:schemeClr val="lt1"/>
-          </a:fontRef>
-        </p:style>
-        <p:txBody>
-          <a:bodyPr rtlCol="0" anchor="ctr"/>
-          <a:lstStyle/>
-          <a:p>
-            <a:pPr algn="ctr"/>
-            <a:endParaRPr lang="en-US"/>
-          </a:p>
-        </p:txBody>
-      </p:sp>
-      <p:sp>
-        <p:nvSpPr>
-          <p:cNvPr id="15" name="Oval 14"/>
-          <p:cNvSpPr/>
-          <p:nvPr/>
-        </p:nvSpPr>
-        <p:spPr>
-          <a:xfrm>
-            <a:off x="1854018" y="5457825"/>
-            <a:ext cx="736782" cy="304800"/>
-          </a:xfrm>
-          <a:prstGeom prst="ellipse">
-            <a:avLst/>
-          </a:prstGeom>
-          <a:noFill/>
-          <a:ln w="44450">
-            <a:solidFill>
-              <a:srgbClr val="C00000"/>
-            </a:solidFill>
-          </a:ln>
-        </p:spPr>
-        <p:style>
-          <a:lnRef idx="2">
-            <a:schemeClr val="accent1">
-              <a:shade val="50000"/>
-            </a:schemeClr>
-          </a:lnRef>
-          <a:fillRef idx="1">
-            <a:schemeClr val="accent1"/>
-          </a:fillRef>
-          <a:effectRef idx="0">
-            <a:schemeClr val="accent1"/>
-          </a:effectRef>
-          <a:fontRef idx="minor">
-            <a:schemeClr val="lt1"/>
-          </a:fontRef>
-        </p:style>
-        <p:txBody>
-          <a:bodyPr rtlCol="0" anchor="ctr"/>
-          <a:lstStyle/>
-          <a:p>
-            <a:pPr algn="ctr"/>
-            <a:endParaRPr lang="en-US"/>
-          </a:p>
-        </p:txBody>
-      </p:sp>
-      <p:sp>
-        <p:nvSpPr>
-          <p:cNvPr id="10" name="Oval 9"/>
-          <p:cNvSpPr/>
-          <p:nvPr/>
-        </p:nvSpPr>
-        <p:spPr>
-          <a:xfrm>
-            <a:off x="5486400" y="4495800"/>
-            <a:ext cx="1600200" cy="304800"/>
-          </a:xfrm>
-          <a:prstGeom prst="ellipse">
-            <a:avLst/>
-          </a:prstGeom>
-          <a:noFill/>
-          <a:ln w="44450">
-            <a:solidFill>
-              <a:srgbClr val="C00000"/>
-            </a:solidFill>
-          </a:ln>
-        </p:spPr>
-        <p:style>
-          <a:lnRef idx="2">
-            <a:schemeClr val="accent1">
-              <a:shade val="50000"/>
-            </a:schemeClr>
-          </a:lnRef>
-          <a:fillRef idx="1">
-            <a:schemeClr val="accent1"/>
-          </a:fillRef>
-          <a:effectRef idx="0">
-            <a:schemeClr val="accent1"/>
-          </a:effectRef>
-          <a:fontRef idx="minor">
-            <a:schemeClr val="lt1"/>
-          </a:fontRef>
-        </p:style>
-        <p:txBody>
-          <a:bodyPr rtlCol="0" anchor="ctr"/>
-          <a:lstStyle/>
-          <a:p>
-            <a:pPr algn="ctr"/>
-            <a:endParaRPr lang="en-US"/>
-          </a:p>
-        </p:txBody>
-      </p:sp>
+        </p:nvGrpSpPr>
+        <p:grpSpPr>
+          <a:xfrm>
+            <a:off x="1171575" y="601385"/>
+            <a:ext cx="7162800" cy="5875615"/>
+            <a:chOff x="1171575" y="601385"/>
+            <a:chExt cx="7162800" cy="5981731"/>
+          </a:xfrm>
+        </p:grpSpPr>
+        <p:pic>
+          <p:nvPicPr>
+            <p:cNvPr id="4098" name="Picture 2" descr="C:\Users\Pedro\Desktop\Z_DRIVE_Pedro\2 Music - Controllers\0_MAPS_Traktor\DDJ Pioneer\v6.5.1 - DDJ-1000 - TP3_TP2 BOME\Support files\Source files\Installation\Traktor\1 - instll traktor mapping.JPG"/>
+            <p:cNvPicPr>
+              <a:picLocks noChangeAspect="1" noChangeArrowheads="1"/>
+            </p:cNvPicPr>
+            <p:nvPr/>
+          </p:nvPicPr>
+          <p:blipFill>
+            <a:blip r:embed="rId2">
+              <a:extLst>
+                <a:ext uri="{28A0092B-C50C-407E-A947-70E740481C1C}">
+                  <a14:useLocalDpi xmlns:a14="http://schemas.microsoft.com/office/drawing/2010/main" val="0"/>
+                </a:ext>
+              </a:extLst>
+            </a:blip>
+            <a:srcRect/>
+            <a:stretch>
+              <a:fillRect/>
+            </a:stretch>
+          </p:blipFill>
+          <p:spPr bwMode="auto">
+            <a:xfrm>
+              <a:off x="1171575" y="601385"/>
+              <a:ext cx="7162800" cy="5981731"/>
+            </a:xfrm>
+            <a:prstGeom prst="rect">
+              <a:avLst/>
+            </a:prstGeom>
+            <a:noFill/>
+            <a:extLst>
+              <a:ext uri="{909E8E84-426E-40DD-AFC4-6F175D3DCCD1}">
+                <a14:hiddenFill xmlns:a14="http://schemas.microsoft.com/office/drawing/2010/main">
+                  <a:solidFill>
+                    <a:srgbClr val="FFFFFF"/>
+                  </a:solidFill>
+                </a14:hiddenFill>
+              </a:ext>
+            </a:extLst>
+          </p:spPr>
+        </p:pic>
+        <p:sp>
+          <p:nvSpPr>
+            <p:cNvPr id="8" name="Oval 7"/>
+            <p:cNvSpPr/>
+            <p:nvPr/>
+          </p:nvSpPr>
+          <p:spPr>
+            <a:xfrm>
+              <a:off x="7010400" y="895350"/>
+              <a:ext cx="304800" cy="342900"/>
+            </a:xfrm>
+            <a:prstGeom prst="ellipse">
+              <a:avLst/>
+            </a:prstGeom>
+            <a:noFill/>
+            <a:ln w="44450">
+              <a:solidFill>
+                <a:srgbClr val="C00000"/>
+              </a:solidFill>
+            </a:ln>
+          </p:spPr>
+          <p:style>
+            <a:lnRef idx="2">
+              <a:schemeClr val="accent1">
+                <a:shade val="50000"/>
+              </a:schemeClr>
+            </a:lnRef>
+            <a:fillRef idx="1">
+              <a:schemeClr val="accent1"/>
+            </a:fillRef>
+            <a:effectRef idx="0">
+              <a:schemeClr val="accent1"/>
+            </a:effectRef>
+            <a:fontRef idx="minor">
+              <a:schemeClr val="lt1"/>
+            </a:fontRef>
+          </p:style>
+          <p:txBody>
+            <a:bodyPr rtlCol="0" anchor="ctr"/>
+            <a:lstStyle/>
+            <a:p>
+              <a:pPr algn="ctr"/>
+              <a:endParaRPr lang="en-US"/>
+            </a:p>
+          </p:txBody>
+        </p:sp>
+        <p:sp>
+          <p:nvSpPr>
+            <p:cNvPr id="15" name="Oval 14"/>
+            <p:cNvSpPr/>
+            <p:nvPr/>
+          </p:nvSpPr>
+          <p:spPr>
+            <a:xfrm>
+              <a:off x="1854018" y="5457825"/>
+              <a:ext cx="736782" cy="304800"/>
+            </a:xfrm>
+            <a:prstGeom prst="ellipse">
+              <a:avLst/>
+            </a:prstGeom>
+            <a:noFill/>
+            <a:ln w="44450">
+              <a:solidFill>
+                <a:srgbClr val="C00000"/>
+              </a:solidFill>
+            </a:ln>
+          </p:spPr>
+          <p:style>
+            <a:lnRef idx="2">
+              <a:schemeClr val="accent1">
+                <a:shade val="50000"/>
+              </a:schemeClr>
+            </a:lnRef>
+            <a:fillRef idx="1">
+              <a:schemeClr val="accent1"/>
+            </a:fillRef>
+            <a:effectRef idx="0">
+              <a:schemeClr val="accent1"/>
+            </a:effectRef>
+            <a:fontRef idx="minor">
+              <a:schemeClr val="lt1"/>
+            </a:fontRef>
+          </p:style>
+          <p:txBody>
+            <a:bodyPr rtlCol="0" anchor="ctr"/>
+            <a:lstStyle/>
+            <a:p>
+              <a:pPr algn="ctr"/>
+              <a:endParaRPr lang="en-US"/>
+            </a:p>
+          </p:txBody>
+        </p:sp>
+        <p:sp>
+          <p:nvSpPr>
+            <p:cNvPr id="10" name="Oval 9"/>
+            <p:cNvSpPr/>
+            <p:nvPr/>
+          </p:nvSpPr>
+          <p:spPr>
+            <a:xfrm>
+              <a:off x="5486400" y="4495800"/>
+              <a:ext cx="1600200" cy="304800"/>
+            </a:xfrm>
+            <a:prstGeom prst="ellipse">
+              <a:avLst/>
+            </a:prstGeom>
+            <a:noFill/>
+            <a:ln w="44450">
+              <a:solidFill>
+                <a:srgbClr val="C00000"/>
+              </a:solidFill>
+            </a:ln>
+          </p:spPr>
+          <p:style>
+            <a:lnRef idx="2">
+              <a:schemeClr val="accent1">
+                <a:shade val="50000"/>
+              </a:schemeClr>
+            </a:lnRef>
+            <a:fillRef idx="1">
+              <a:schemeClr val="accent1"/>
+            </a:fillRef>
+            <a:effectRef idx="0">
+              <a:schemeClr val="accent1"/>
+            </a:effectRef>
+            <a:fontRef idx="minor">
+              <a:schemeClr val="lt1"/>
+            </a:fontRef>
+          </p:style>
+          <p:txBody>
+            <a:bodyPr rtlCol="0" anchor="ctr"/>
+            <a:lstStyle/>
+            <a:p>
+              <a:pPr algn="ctr"/>
+              <a:endParaRPr lang="en-US"/>
+            </a:p>
+          </p:txBody>
+        </p:sp>
+      </p:grpSp>
       <p:sp>
         <p:nvSpPr>
           <p:cNvPr id="2" name="Slide Number Placeholder 1"/>
@@ -8348,7 +8763,12 @@
             <p:ph type="sldNum" sz="quarter" idx="12"/>
           </p:nvPr>
         </p:nvSpPr>
-        <p:spPr/>
+        <p:spPr>
+          <a:xfrm>
+            <a:off x="8763000" y="6492875"/>
+            <a:ext cx="381000" cy="365125"/>
+          </a:xfrm>
+        </p:spPr>
         <p:txBody>
           <a:bodyPr/>
           <a:lstStyle/>
@@ -8359,6 +8779,36 @@
               <a:t>22</a:t>
             </a:fld>
             <a:endParaRPr lang="en-US"/>
+          </a:p>
+        </p:txBody>
+      </p:sp>
+      <p:sp>
+        <p:nvSpPr>
+          <p:cNvPr id="9" name="TextBox 8"/>
+          <p:cNvSpPr txBox="1"/>
+          <p:nvPr/>
+        </p:nvSpPr>
+        <p:spPr>
+          <a:xfrm>
+            <a:off x="2209800" y="6445292"/>
+            <a:ext cx="3985386" cy="253916"/>
+          </a:xfrm>
+          <a:prstGeom prst="rect">
+            <a:avLst/>
+          </a:prstGeom>
+          <a:noFill/>
+        </p:spPr>
+        <p:txBody>
+          <a:bodyPr wrap="none" rtlCol="0">
+            <a:spAutoFit/>
+          </a:bodyPr>
+          <a:lstStyle/>
+          <a:p>
+            <a:r>
+              <a:rPr lang="en-US" sz="1050" i="1" dirty="0" smtClean="0"/>
+              <a:t>(Example for DDJ-1000; other DDJ are similar. See annexes for details)</a:t>
+            </a:r>
+            <a:endParaRPr lang="en-US" i="1" dirty="0"/>
           </a:p>
         </p:txBody>
       </p:sp>
@@ -8392,62 +8842,21 @@
           <a:chExt cx="0" cy="0"/>
         </a:xfrm>
       </p:grpSpPr>
-      <p:pic>
-        <p:nvPicPr>
-          <p:cNvPr id="5122" name="Picture 2" descr="C:\Users\Pedro\Desktop\Z_DRIVE_Pedro\2 Music - Controllers\0_MAPS_Traktor\DDJ Pioneer\v6.5.1 - DDJ-1000 - TP3_TP2 BOME\Support files\Source files\Installation\Traktor\2 - seelct audio devices as well.JPG"/>
-          <p:cNvPicPr>
-            <a:picLocks noChangeAspect="1" noChangeArrowheads="1"/>
-          </p:cNvPicPr>
+      <p:sp>
+        <p:nvSpPr>
+          <p:cNvPr id="11" name="TextBox 10"/>
+          <p:cNvSpPr txBox="1"/>
           <p:nvPr/>
-        </p:nvPicPr>
-        <p:blipFill>
-          <a:blip r:embed="rId2">
-            <a:extLst>
-              <a:ext uri="{28A0092B-C50C-407E-A947-70E740481C1C}">
-                <a14:useLocalDpi xmlns:a14="http://schemas.microsoft.com/office/drawing/2010/main" val="0"/>
-              </a:ext>
-            </a:extLst>
-          </a:blip>
-          <a:srcRect/>
-          <a:stretch>
-            <a:fillRect/>
-          </a:stretch>
-        </p:blipFill>
-        <p:spPr bwMode="auto">
-          <a:xfrm>
-            <a:off x="1443037" y="916161"/>
-            <a:ext cx="6786563" cy="5600295"/>
+        </p:nvSpPr>
+        <p:spPr>
+          <a:xfrm>
+            <a:off x="152400" y="111145"/>
+            <a:ext cx="4504951" cy="461665"/>
           </a:xfrm>
           <a:prstGeom prst="rect">
             <a:avLst/>
           </a:prstGeom>
           <a:noFill/>
-          <a:extLst>
-            <a:ext uri="{909E8E84-426E-40DD-AFC4-6F175D3DCCD1}">
-              <a14:hiddenFill xmlns:a14="http://schemas.microsoft.com/office/drawing/2010/main">
-                <a:solidFill>
-                  <a:srgbClr val="FFFFFF"/>
-                </a:solidFill>
-              </a14:hiddenFill>
-            </a:ext>
-          </a:extLst>
-        </p:spPr>
-      </p:pic>
-      <p:sp>
-        <p:nvSpPr>
-          <p:cNvPr id="11" name="TextBox 10"/>
-          <p:cNvSpPr txBox="1"/>
-          <p:nvPr/>
-        </p:nvSpPr>
-        <p:spPr>
-          <a:xfrm>
-            <a:off x="152400" y="111145"/>
-            <a:ext cx="4504951" cy="461665"/>
-          </a:xfrm>
-          <a:prstGeom prst="rect">
-            <a:avLst/>
-          </a:prstGeom>
-          <a:noFill/>
         </p:spPr>
         <p:txBody>
           <a:bodyPr wrap="none" rtlCol="0">
@@ -8467,118 +8876,174 @@
           </a:p>
         </p:txBody>
       </p:sp>
-      <p:sp>
-        <p:nvSpPr>
-          <p:cNvPr id="8" name="Oval 7"/>
-          <p:cNvSpPr/>
+      <p:grpSp>
+        <p:nvGrpSpPr>
+          <p:cNvPr id="3" name="Group 2"/>
+          <p:cNvGrpSpPr/>
           <p:nvPr/>
-        </p:nvSpPr>
-        <p:spPr>
-          <a:xfrm>
-            <a:off x="5714999" y="3657600"/>
-            <a:ext cx="1549219" cy="342900"/>
-          </a:xfrm>
-          <a:prstGeom prst="ellipse">
-            <a:avLst/>
-          </a:prstGeom>
-          <a:noFill/>
-          <a:ln w="44450">
+        </p:nvGrpSpPr>
+        <p:grpSpPr>
+          <a:xfrm>
+            <a:off x="1443037" y="916161"/>
+            <a:ext cx="7243763" cy="5600295"/>
+            <a:chOff x="1443037" y="916161"/>
+            <a:chExt cx="7243763" cy="5600295"/>
+          </a:xfrm>
+        </p:grpSpPr>
+        <p:pic>
+          <p:nvPicPr>
+            <p:cNvPr id="5122" name="Picture 2" descr="C:\Users\Pedro\Desktop\Z_DRIVE_Pedro\2 Music - Controllers\0_MAPS_Traktor\DDJ Pioneer\v6.5.1 - DDJ-1000 - TP3_TP2 BOME\Support files\Source files\Installation\Traktor\2 - seelct audio devices as well.JPG"/>
+            <p:cNvPicPr>
+              <a:picLocks noChangeAspect="1" noChangeArrowheads="1"/>
+            </p:cNvPicPr>
+            <p:nvPr/>
+          </p:nvPicPr>
+          <p:blipFill>
+            <a:blip r:embed="rId2">
+              <a:extLst>
+                <a:ext uri="{28A0092B-C50C-407E-A947-70E740481C1C}">
+                  <a14:useLocalDpi xmlns:a14="http://schemas.microsoft.com/office/drawing/2010/main" val="0"/>
+                </a:ext>
+              </a:extLst>
+            </a:blip>
+            <a:srcRect/>
+            <a:stretch>
+              <a:fillRect/>
+            </a:stretch>
+          </p:blipFill>
+          <p:spPr bwMode="auto">
+            <a:xfrm>
+              <a:off x="1443037" y="916161"/>
+              <a:ext cx="6786563" cy="5600295"/>
+            </a:xfrm>
+            <a:prstGeom prst="rect">
+              <a:avLst/>
+            </a:prstGeom>
+            <a:noFill/>
+            <a:extLst>
+              <a:ext uri="{909E8E84-426E-40DD-AFC4-6F175D3DCCD1}">
+                <a14:hiddenFill xmlns:a14="http://schemas.microsoft.com/office/drawing/2010/main">
+                  <a:solidFill>
+                    <a:srgbClr val="FFFFFF"/>
+                  </a:solidFill>
+                </a14:hiddenFill>
+              </a:ext>
+            </a:extLst>
+          </p:spPr>
+        </p:pic>
+        <p:sp>
+          <p:nvSpPr>
+            <p:cNvPr id="8" name="Oval 7"/>
+            <p:cNvSpPr/>
+            <p:nvPr/>
+          </p:nvSpPr>
+          <p:spPr>
+            <a:xfrm>
+              <a:off x="5714999" y="3657600"/>
+              <a:ext cx="1549219" cy="342900"/>
+            </a:xfrm>
+            <a:prstGeom prst="ellipse">
+              <a:avLst/>
+            </a:prstGeom>
+            <a:noFill/>
+            <a:ln w="44450">
+              <a:solidFill>
+                <a:srgbClr val="C00000"/>
+              </a:solidFill>
+            </a:ln>
+          </p:spPr>
+          <p:style>
+            <a:lnRef idx="2">
+              <a:schemeClr val="accent1">
+                <a:shade val="50000"/>
+              </a:schemeClr>
+            </a:lnRef>
+            <a:fillRef idx="1">
+              <a:schemeClr val="accent1"/>
+            </a:fillRef>
+            <a:effectRef idx="0">
+              <a:schemeClr val="accent1"/>
+            </a:effectRef>
+            <a:fontRef idx="minor">
+              <a:schemeClr val="lt1"/>
+            </a:fontRef>
+          </p:style>
+          <p:txBody>
+            <a:bodyPr rtlCol="0" anchor="ctr"/>
+            <a:lstStyle/>
+            <a:p>
+              <a:pPr algn="ctr"/>
+              <a:endParaRPr lang="en-US"/>
+            </a:p>
+          </p:txBody>
+        </p:sp>
+        <p:sp>
+          <p:nvSpPr>
+            <p:cNvPr id="10" name="Line Callout 1 (Accent Bar) 9"/>
+            <p:cNvSpPr/>
+            <p:nvPr/>
+          </p:nvSpPr>
+          <p:spPr>
+            <a:xfrm>
+              <a:off x="7467600" y="2952750"/>
+              <a:ext cx="1219200" cy="457200"/>
+            </a:xfrm>
+            <a:prstGeom prst="accentCallout1">
+              <a:avLst>
+                <a:gd name="adj1" fmla="val 45417"/>
+                <a:gd name="adj2" fmla="val -2669"/>
+                <a:gd name="adj3" fmla="val 150146"/>
+                <a:gd name="adj4" fmla="val -76294"/>
+              </a:avLst>
+            </a:prstGeom>
             <a:solidFill>
-              <a:srgbClr val="C00000"/>
+              <a:schemeClr val="bg1">
+                <a:lumMod val="85000"/>
+              </a:schemeClr>
             </a:solidFill>
-          </a:ln>
-        </p:spPr>
-        <p:style>
-          <a:lnRef idx="2">
-            <a:schemeClr val="accent1">
-              <a:shade val="50000"/>
-            </a:schemeClr>
-          </a:lnRef>
-          <a:fillRef idx="1">
-            <a:schemeClr val="accent1"/>
-          </a:fillRef>
-          <a:effectRef idx="0">
-            <a:schemeClr val="accent1"/>
-          </a:effectRef>
-          <a:fontRef idx="minor">
-            <a:schemeClr val="lt1"/>
-          </a:fontRef>
-        </p:style>
-        <p:txBody>
-          <a:bodyPr rtlCol="0" anchor="ctr"/>
-          <a:lstStyle/>
-          <a:p>
-            <a:pPr algn="ctr"/>
-            <a:endParaRPr lang="en-US"/>
-          </a:p>
-        </p:txBody>
-      </p:sp>
-      <p:sp>
-        <p:nvSpPr>
-          <p:cNvPr id="10" name="Line Callout 1 (Accent Bar) 9"/>
-          <p:cNvSpPr/>
-          <p:nvPr/>
-        </p:nvSpPr>
-        <p:spPr>
-          <a:xfrm>
-            <a:off x="7467600" y="2952750"/>
-            <a:ext cx="1219200" cy="457200"/>
-          </a:xfrm>
-          <a:prstGeom prst="accentCallout1">
-            <a:avLst>
-              <a:gd name="adj1" fmla="val 45417"/>
-              <a:gd name="adj2" fmla="val -2669"/>
-              <a:gd name="adj3" fmla="val 150146"/>
-              <a:gd name="adj4" fmla="val -76294"/>
-            </a:avLst>
-          </a:prstGeom>
-          <a:solidFill>
-            <a:schemeClr val="bg1">
-              <a:lumMod val="85000"/>
-            </a:schemeClr>
-          </a:solidFill>
-          <a:ln>
-            <a:solidFill>
-              <a:schemeClr val="accent2"/>
-            </a:solidFill>
-          </a:ln>
-        </p:spPr>
-        <p:style>
-          <a:lnRef idx="2">
-            <a:schemeClr val="accent1">
-              <a:shade val="50000"/>
-            </a:schemeClr>
-          </a:lnRef>
-          <a:fillRef idx="1">
-            <a:schemeClr val="accent1"/>
-          </a:fillRef>
-          <a:effectRef idx="0">
-            <a:schemeClr val="accent1"/>
-          </a:effectRef>
-          <a:fontRef idx="minor">
-            <a:schemeClr val="lt1"/>
-          </a:fontRef>
-        </p:style>
-        <p:txBody>
-          <a:bodyPr lIns="0" tIns="0" rIns="0" bIns="0" rtlCol="0" anchor="ctr"/>
-          <a:lstStyle/>
-          <a:p>
-            <a:r>
-              <a:rPr lang="en-US" sz="1200" dirty="0" smtClean="0">
+            <a:ln>
+              <a:solidFill>
+                <a:schemeClr val="accent2"/>
+              </a:solidFill>
+            </a:ln>
+          </p:spPr>
+          <p:style>
+            <a:lnRef idx="2">
+              <a:schemeClr val="accent1">
+                <a:shade val="50000"/>
+              </a:schemeClr>
+            </a:lnRef>
+            <a:fillRef idx="1">
+              <a:schemeClr val="accent1"/>
+            </a:fillRef>
+            <a:effectRef idx="0">
+              <a:schemeClr val="accent1"/>
+            </a:effectRef>
+            <a:fontRef idx="minor">
+              <a:schemeClr val="lt1"/>
+            </a:fontRef>
+          </p:style>
+          <p:txBody>
+            <a:bodyPr lIns="0" tIns="0" rIns="0" bIns="0" rtlCol="0" anchor="ctr"/>
+            <a:lstStyle/>
+            <a:p>
+              <a:r>
+                <a:rPr lang="en-US" sz="1200" dirty="0" smtClean="0">
+                  <a:solidFill>
+                    <a:schemeClr val="tx1"/>
+                  </a:solidFill>
+                </a:rPr>
+                <a:t>Please include this one as well</a:t>
+              </a:r>
+              <a:endParaRPr lang="en-US" sz="1200" dirty="0">
                 <a:solidFill>
                   <a:schemeClr val="tx1"/>
                 </a:solidFill>
-              </a:rPr>
-              <a:t>Please include this one as well</a:t>
-            </a:r>
-            <a:endParaRPr lang="en-US" sz="1200" dirty="0">
-              <a:solidFill>
-                <a:schemeClr val="tx1"/>
-              </a:solidFill>
-            </a:endParaRPr>
-          </a:p>
-        </p:txBody>
-      </p:sp>
+              </a:endParaRPr>
+            </a:p>
+          </p:txBody>
+        </p:sp>
+      </p:grpSp>
       <p:sp>
         <p:nvSpPr>
           <p:cNvPr id="2" name="Slide Number Placeholder 1"/>
@@ -8589,7 +9054,12 @@
             <p:ph type="sldNum" sz="quarter" idx="12"/>
           </p:nvPr>
         </p:nvSpPr>
-        <p:spPr/>
+        <p:spPr>
+          <a:xfrm>
+            <a:off x="8763000" y="6492875"/>
+            <a:ext cx="381000" cy="365125"/>
+          </a:xfrm>
+        </p:spPr>
         <p:txBody>
           <a:bodyPr/>
           <a:lstStyle/>
@@ -8599,7 +9069,37 @@
               <a:pPr/>
               <a:t>23</a:t>
             </a:fld>
-            <a:endParaRPr lang="en-US"/>
+            <a:endParaRPr lang="en-US" dirty="0"/>
+          </a:p>
+        </p:txBody>
+      </p:sp>
+      <p:sp>
+        <p:nvSpPr>
+          <p:cNvPr id="9" name="TextBox 8"/>
+          <p:cNvSpPr txBox="1"/>
+          <p:nvPr/>
+        </p:nvSpPr>
+        <p:spPr>
+          <a:xfrm>
+            <a:off x="2209800" y="6477000"/>
+            <a:ext cx="3985386" cy="253916"/>
+          </a:xfrm>
+          <a:prstGeom prst="rect">
+            <a:avLst/>
+          </a:prstGeom>
+          <a:noFill/>
+        </p:spPr>
+        <p:txBody>
+          <a:bodyPr wrap="none" rtlCol="0">
+            <a:spAutoFit/>
+          </a:bodyPr>
+          <a:lstStyle/>
+          <a:p>
+            <a:r>
+              <a:rPr lang="en-US" sz="1050" i="1" dirty="0" smtClean="0"/>
+              <a:t>(Example for DDJ-1000; other DDJ are similar. See annexes for details)</a:t>
+            </a:r>
+            <a:endParaRPr lang="en-US" i="1" dirty="0"/>
           </a:p>
         </p:txBody>
       </p:sp>
@@ -8633,62 +9133,21 @@
           <a:chExt cx="0" cy="0"/>
         </a:xfrm>
       </p:grpSpPr>
-      <p:pic>
-        <p:nvPicPr>
-          <p:cNvPr id="4098" name="Picture 2" descr="C:\Users\Pedro\Desktop\Z_DRIVE_Pedro\2 Music - Controllers\0_MAPS_Traktor\DDJ Pioneer\v6.5.1 - DDJ-1000 - TP3_TP2 BOME\Support files\Source files\Installation\Traktor\1 - instll traktor mapping.JPG"/>
-          <p:cNvPicPr>
-            <a:picLocks noChangeAspect="1" noChangeArrowheads="1"/>
-          </p:cNvPicPr>
+      <p:sp>
+        <p:nvSpPr>
+          <p:cNvPr id="11" name="TextBox 10"/>
+          <p:cNvSpPr txBox="1"/>
           <p:nvPr/>
-        </p:nvPicPr>
-        <p:blipFill>
-          <a:blip r:embed="rId2">
-            <a:extLst>
-              <a:ext uri="{28A0092B-C50C-407E-A947-70E740481C1C}">
-                <a14:useLocalDpi xmlns:a14="http://schemas.microsoft.com/office/drawing/2010/main" val="0"/>
-              </a:ext>
-            </a:extLst>
-          </a:blip>
-          <a:srcRect/>
-          <a:stretch>
-            <a:fillRect/>
-          </a:stretch>
-        </p:blipFill>
-        <p:spPr bwMode="auto">
-          <a:xfrm>
-            <a:off x="1171575" y="601385"/>
-            <a:ext cx="7162800" cy="5981731"/>
+        </p:nvSpPr>
+        <p:spPr>
+          <a:xfrm>
+            <a:off x="152400" y="111145"/>
+            <a:ext cx="5276637" cy="461665"/>
           </a:xfrm>
           <a:prstGeom prst="rect">
             <a:avLst/>
           </a:prstGeom>
           <a:noFill/>
-          <a:extLst>
-            <a:ext uri="{909E8E84-426E-40DD-AFC4-6F175D3DCCD1}">
-              <a14:hiddenFill xmlns:a14="http://schemas.microsoft.com/office/drawing/2010/main">
-                <a:solidFill>
-                  <a:srgbClr val="FFFFFF"/>
-                </a:solidFill>
-              </a14:hiddenFill>
-            </a:ext>
-          </a:extLst>
-        </p:spPr>
-      </p:pic>
-      <p:sp>
-        <p:nvSpPr>
-          <p:cNvPr id="11" name="TextBox 10"/>
-          <p:cNvSpPr txBox="1"/>
-          <p:nvPr/>
-        </p:nvSpPr>
-        <p:spPr>
-          <a:xfrm>
-            <a:off x="152400" y="111145"/>
-            <a:ext cx="5276637" cy="461665"/>
-          </a:xfrm>
-          <a:prstGeom prst="rect">
-            <a:avLst/>
-          </a:prstGeom>
-          <a:noFill/>
         </p:spPr>
         <p:txBody>
           <a:bodyPr wrap="none" rtlCol="0">
@@ -8704,144 +9163,200 @@
           </a:p>
         </p:txBody>
       </p:sp>
-      <p:sp>
-        <p:nvSpPr>
-          <p:cNvPr id="8" name="Oval 7"/>
-          <p:cNvSpPr/>
+      <p:grpSp>
+        <p:nvGrpSpPr>
+          <p:cNvPr id="3" name="Group 2"/>
+          <p:cNvGrpSpPr/>
           <p:nvPr/>
-        </p:nvSpPr>
-        <p:spPr>
-          <a:xfrm>
-            <a:off x="7010400" y="895350"/>
-            <a:ext cx="304800" cy="342900"/>
-          </a:xfrm>
-          <a:prstGeom prst="ellipse">
-            <a:avLst/>
-          </a:prstGeom>
-          <a:noFill/>
-          <a:ln w="44450">
-            <a:solidFill>
-              <a:srgbClr val="C00000"/>
-            </a:solidFill>
-          </a:ln>
-        </p:spPr>
-        <p:style>
-          <a:lnRef idx="2">
-            <a:schemeClr val="accent1">
-              <a:shade val="50000"/>
-            </a:schemeClr>
-          </a:lnRef>
-          <a:fillRef idx="1">
-            <a:schemeClr val="accent1"/>
-          </a:fillRef>
-          <a:effectRef idx="0">
-            <a:schemeClr val="accent1"/>
-          </a:effectRef>
-          <a:fontRef idx="minor">
-            <a:schemeClr val="lt1"/>
-          </a:fontRef>
-        </p:style>
-        <p:txBody>
-          <a:bodyPr rtlCol="0" anchor="ctr"/>
-          <a:lstStyle/>
-          <a:p>
-            <a:pPr algn="ctr"/>
-            <a:endParaRPr lang="en-US"/>
-          </a:p>
-        </p:txBody>
-      </p:sp>
-      <p:sp>
-        <p:nvSpPr>
-          <p:cNvPr id="15" name="Oval 14"/>
-          <p:cNvSpPr/>
-          <p:nvPr/>
-        </p:nvSpPr>
-        <p:spPr>
-          <a:xfrm>
-            <a:off x="1854018" y="5457825"/>
-            <a:ext cx="736782" cy="304800"/>
-          </a:xfrm>
-          <a:prstGeom prst="ellipse">
-            <a:avLst/>
-          </a:prstGeom>
-          <a:noFill/>
-          <a:ln w="44450">
-            <a:solidFill>
-              <a:srgbClr val="C00000"/>
-            </a:solidFill>
-          </a:ln>
-        </p:spPr>
-        <p:style>
-          <a:lnRef idx="2">
-            <a:schemeClr val="accent1">
-              <a:shade val="50000"/>
-            </a:schemeClr>
-          </a:lnRef>
-          <a:fillRef idx="1">
-            <a:schemeClr val="accent1"/>
-          </a:fillRef>
-          <a:effectRef idx="0">
-            <a:schemeClr val="accent1"/>
-          </a:effectRef>
-          <a:fontRef idx="minor">
-            <a:schemeClr val="lt1"/>
-          </a:fontRef>
-        </p:style>
-        <p:txBody>
-          <a:bodyPr rtlCol="0" anchor="ctr"/>
-          <a:lstStyle/>
-          <a:p>
-            <a:pPr algn="ctr"/>
-            <a:endParaRPr lang="en-US"/>
-          </a:p>
-        </p:txBody>
-      </p:sp>
-      <p:sp>
-        <p:nvSpPr>
-          <p:cNvPr id="10" name="Oval 9"/>
-          <p:cNvSpPr/>
-          <p:nvPr/>
-        </p:nvSpPr>
-        <p:spPr>
-          <a:xfrm>
-            <a:off x="5486400" y="4495800"/>
-            <a:ext cx="1600200" cy="304800"/>
-          </a:xfrm>
-          <a:prstGeom prst="ellipse">
-            <a:avLst/>
-          </a:prstGeom>
-          <a:noFill/>
-          <a:ln w="44450">
-            <a:solidFill>
-              <a:srgbClr val="C00000"/>
-            </a:solidFill>
-          </a:ln>
-        </p:spPr>
-        <p:style>
-          <a:lnRef idx="2">
-            <a:schemeClr val="accent1">
-              <a:shade val="50000"/>
-            </a:schemeClr>
-          </a:lnRef>
-          <a:fillRef idx="1">
-            <a:schemeClr val="accent1"/>
-          </a:fillRef>
-          <a:effectRef idx="0">
-            <a:schemeClr val="accent1"/>
-          </a:effectRef>
-          <a:fontRef idx="minor">
-            <a:schemeClr val="lt1"/>
-          </a:fontRef>
-        </p:style>
-        <p:txBody>
-          <a:bodyPr rtlCol="0" anchor="ctr"/>
-          <a:lstStyle/>
-          <a:p>
-            <a:pPr algn="ctr"/>
-            <a:endParaRPr lang="en-US"/>
-          </a:p>
-        </p:txBody>
-      </p:sp>
+        </p:nvGrpSpPr>
+        <p:grpSpPr>
+          <a:xfrm>
+            <a:off x="1171575" y="601385"/>
+            <a:ext cx="7162800" cy="5875615"/>
+            <a:chOff x="1171575" y="601385"/>
+            <a:chExt cx="7162800" cy="5981731"/>
+          </a:xfrm>
+        </p:grpSpPr>
+        <p:pic>
+          <p:nvPicPr>
+            <p:cNvPr id="4098" name="Picture 2" descr="C:\Users\Pedro\Desktop\Z_DRIVE_Pedro\2 Music - Controllers\0_MAPS_Traktor\DDJ Pioneer\v6.5.1 - DDJ-1000 - TP3_TP2 BOME\Support files\Source files\Installation\Traktor\1 - instll traktor mapping.JPG"/>
+            <p:cNvPicPr>
+              <a:picLocks noChangeAspect="1" noChangeArrowheads="1"/>
+            </p:cNvPicPr>
+            <p:nvPr/>
+          </p:nvPicPr>
+          <p:blipFill>
+            <a:blip r:embed="rId2">
+              <a:extLst>
+                <a:ext uri="{28A0092B-C50C-407E-A947-70E740481C1C}">
+                  <a14:useLocalDpi xmlns:a14="http://schemas.microsoft.com/office/drawing/2010/main" val="0"/>
+                </a:ext>
+              </a:extLst>
+            </a:blip>
+            <a:srcRect/>
+            <a:stretch>
+              <a:fillRect/>
+            </a:stretch>
+          </p:blipFill>
+          <p:spPr bwMode="auto">
+            <a:xfrm>
+              <a:off x="1171575" y="601385"/>
+              <a:ext cx="7162800" cy="5981731"/>
+            </a:xfrm>
+            <a:prstGeom prst="rect">
+              <a:avLst/>
+            </a:prstGeom>
+            <a:noFill/>
+            <a:extLst>
+              <a:ext uri="{909E8E84-426E-40DD-AFC4-6F175D3DCCD1}">
+                <a14:hiddenFill xmlns:a14="http://schemas.microsoft.com/office/drawing/2010/main">
+                  <a:solidFill>
+                    <a:srgbClr val="FFFFFF"/>
+                  </a:solidFill>
+                </a14:hiddenFill>
+              </a:ext>
+            </a:extLst>
+          </p:spPr>
+        </p:pic>
+        <p:sp>
+          <p:nvSpPr>
+            <p:cNvPr id="8" name="Oval 7"/>
+            <p:cNvSpPr/>
+            <p:nvPr/>
+          </p:nvSpPr>
+          <p:spPr>
+            <a:xfrm>
+              <a:off x="7010400" y="895350"/>
+              <a:ext cx="304800" cy="342900"/>
+            </a:xfrm>
+            <a:prstGeom prst="ellipse">
+              <a:avLst/>
+            </a:prstGeom>
+            <a:noFill/>
+            <a:ln w="44450">
+              <a:solidFill>
+                <a:srgbClr val="C00000"/>
+              </a:solidFill>
+            </a:ln>
+          </p:spPr>
+          <p:style>
+            <a:lnRef idx="2">
+              <a:schemeClr val="accent1">
+                <a:shade val="50000"/>
+              </a:schemeClr>
+            </a:lnRef>
+            <a:fillRef idx="1">
+              <a:schemeClr val="accent1"/>
+            </a:fillRef>
+            <a:effectRef idx="0">
+              <a:schemeClr val="accent1"/>
+            </a:effectRef>
+            <a:fontRef idx="minor">
+              <a:schemeClr val="lt1"/>
+            </a:fontRef>
+          </p:style>
+          <p:txBody>
+            <a:bodyPr rtlCol="0" anchor="ctr"/>
+            <a:lstStyle/>
+            <a:p>
+              <a:pPr algn="ctr"/>
+              <a:endParaRPr lang="en-US"/>
+            </a:p>
+          </p:txBody>
+        </p:sp>
+        <p:sp>
+          <p:nvSpPr>
+            <p:cNvPr id="15" name="Oval 14"/>
+            <p:cNvSpPr/>
+            <p:nvPr/>
+          </p:nvSpPr>
+          <p:spPr>
+            <a:xfrm>
+              <a:off x="1854018" y="5457825"/>
+              <a:ext cx="736782" cy="304800"/>
+            </a:xfrm>
+            <a:prstGeom prst="ellipse">
+              <a:avLst/>
+            </a:prstGeom>
+            <a:noFill/>
+            <a:ln w="44450">
+              <a:solidFill>
+                <a:srgbClr val="C00000"/>
+              </a:solidFill>
+            </a:ln>
+          </p:spPr>
+          <p:style>
+            <a:lnRef idx="2">
+              <a:schemeClr val="accent1">
+                <a:shade val="50000"/>
+              </a:schemeClr>
+            </a:lnRef>
+            <a:fillRef idx="1">
+              <a:schemeClr val="accent1"/>
+            </a:fillRef>
+            <a:effectRef idx="0">
+              <a:schemeClr val="accent1"/>
+            </a:effectRef>
+            <a:fontRef idx="minor">
+              <a:schemeClr val="lt1"/>
+            </a:fontRef>
+          </p:style>
+          <p:txBody>
+            <a:bodyPr rtlCol="0" anchor="ctr"/>
+            <a:lstStyle/>
+            <a:p>
+              <a:pPr algn="ctr"/>
+              <a:endParaRPr lang="en-US"/>
+            </a:p>
+          </p:txBody>
+        </p:sp>
+        <p:sp>
+          <p:nvSpPr>
+            <p:cNvPr id="10" name="Oval 9"/>
+            <p:cNvSpPr/>
+            <p:nvPr/>
+          </p:nvSpPr>
+          <p:spPr>
+            <a:xfrm>
+              <a:off x="5486400" y="4495800"/>
+              <a:ext cx="1600200" cy="304800"/>
+            </a:xfrm>
+            <a:prstGeom prst="ellipse">
+              <a:avLst/>
+            </a:prstGeom>
+            <a:noFill/>
+            <a:ln w="44450">
+              <a:solidFill>
+                <a:srgbClr val="C00000"/>
+              </a:solidFill>
+            </a:ln>
+          </p:spPr>
+          <p:style>
+            <a:lnRef idx="2">
+              <a:schemeClr val="accent1">
+                <a:shade val="50000"/>
+              </a:schemeClr>
+            </a:lnRef>
+            <a:fillRef idx="1">
+              <a:schemeClr val="accent1"/>
+            </a:fillRef>
+            <a:effectRef idx="0">
+              <a:schemeClr val="accent1"/>
+            </a:effectRef>
+            <a:fontRef idx="minor">
+              <a:schemeClr val="lt1"/>
+            </a:fontRef>
+          </p:style>
+          <p:txBody>
+            <a:bodyPr rtlCol="0" anchor="ctr"/>
+            <a:lstStyle/>
+            <a:p>
+              <a:pPr algn="ctr"/>
+              <a:endParaRPr lang="en-US"/>
+            </a:p>
+          </p:txBody>
+        </p:sp>
+      </p:grpSp>
       <p:sp>
         <p:nvSpPr>
           <p:cNvPr id="2" name="Slide Number Placeholder 1"/>
@@ -8852,7 +9367,12 @@
             <p:ph type="sldNum" sz="quarter" idx="12"/>
           </p:nvPr>
         </p:nvSpPr>
-        <p:spPr/>
+        <p:spPr>
+          <a:xfrm>
+            <a:off x="8763000" y="6492875"/>
+            <a:ext cx="381000" cy="365125"/>
+          </a:xfrm>
+        </p:spPr>
         <p:txBody>
           <a:bodyPr/>
           <a:lstStyle/>
@@ -8863,6 +9383,36 @@
               <a:t>24</a:t>
             </a:fld>
             <a:endParaRPr lang="en-US"/>
+          </a:p>
+        </p:txBody>
+      </p:sp>
+      <p:sp>
+        <p:nvSpPr>
+          <p:cNvPr id="9" name="TextBox 8"/>
+          <p:cNvSpPr txBox="1"/>
+          <p:nvPr/>
+        </p:nvSpPr>
+        <p:spPr>
+          <a:xfrm>
+            <a:off x="2209800" y="6445292"/>
+            <a:ext cx="3985386" cy="253916"/>
+          </a:xfrm>
+          <a:prstGeom prst="rect">
+            <a:avLst/>
+          </a:prstGeom>
+          <a:noFill/>
+        </p:spPr>
+        <p:txBody>
+          <a:bodyPr wrap="none" rtlCol="0">
+            <a:spAutoFit/>
+          </a:bodyPr>
+          <a:lstStyle/>
+          <a:p>
+            <a:r>
+              <a:rPr lang="en-US" sz="1050" i="1" dirty="0" smtClean="0"/>
+              <a:t>(Example for DDJ-1000; other DDJ are similar. See annexes for details)</a:t>
+            </a:r>
+            <a:endParaRPr lang="en-US" i="1" dirty="0"/>
           </a:p>
         </p:txBody>
       </p:sp>
@@ -9024,9 +9574,9 @@
         <p:grpSpPr>
           <a:xfrm>
             <a:off x="61865" y="151179"/>
-            <a:ext cx="9067800" cy="6463308"/>
+            <a:ext cx="9067800" cy="6186309"/>
             <a:chOff x="304800" y="457200"/>
-            <a:chExt cx="8839200" cy="6463308"/>
+            <a:chExt cx="8839200" cy="6186309"/>
           </a:xfrm>
         </p:grpSpPr>
         <p:sp>
@@ -9038,7 +9588,7 @@
           <p:spPr>
             <a:xfrm>
               <a:off x="304800" y="457200"/>
-              <a:ext cx="8839200" cy="6463308"/>
+              <a:ext cx="8839200" cy="6186309"/>
             </a:xfrm>
             <a:prstGeom prst="rect">
               <a:avLst/>
@@ -9052,47 +9602,47 @@
             <a:lstStyle/>
             <a:p>
               <a:r>
-                <a:rPr lang="en-US" b="1" dirty="0" smtClean="0"/>
+                <a:rPr lang="en-US" sz="1600" b="1" dirty="0" smtClean="0"/>
                 <a:t>TRAKTOR VERIFICATION:</a:t>
               </a:r>
             </a:p>
             <a:p>
               <a:pPr marL="0" lvl="1"/>
               <a:r>
-                <a:rPr lang="en-US" i="1" dirty="0" smtClean="0"/>
+                <a:rPr lang="en-US" sz="1600" i="1" dirty="0" smtClean="0"/>
                 <a:t>        Note</a:t>
               </a:r>
               <a:r>
-                <a:rPr lang="en-US" i="1" dirty="0"/>
+                <a:rPr lang="en-US" sz="1600" i="1" dirty="0"/>
                 <a:t>: the Preferences window is now </a:t>
               </a:r>
               <a:r>
-                <a:rPr lang="en-US" i="1" dirty="0" smtClean="0"/>
+                <a:rPr lang="en-US" sz="1600" i="1" dirty="0" smtClean="0"/>
                 <a:t>quite slow to open. </a:t>
               </a:r>
               <a:r>
-                <a:rPr lang="en-US" i="1" dirty="0"/>
+                <a:rPr lang="en-US" sz="1600" i="1" dirty="0"/>
                 <a:t>This is </a:t>
               </a:r>
               <a:r>
-                <a:rPr lang="en-US" i="1" dirty="0" smtClean="0"/>
+                <a:rPr lang="en-US" sz="1600" i="1" dirty="0" smtClean="0"/>
                 <a:t>another </a:t>
               </a:r>
               <a:r>
-                <a:rPr lang="en-US" i="1" dirty="0" err="1" smtClean="0"/>
+                <a:rPr lang="en-US" sz="1600" i="1" dirty="0" err="1" smtClean="0"/>
                 <a:t>Traktor</a:t>
               </a:r>
               <a:r>
-                <a:rPr lang="en-US" i="1" dirty="0" smtClean="0"/>
+                <a:rPr lang="en-US" sz="1600" i="1" dirty="0" smtClean="0"/>
                 <a:t> </a:t>
               </a:r>
               <a:r>
-                <a:rPr lang="en-US" i="1" dirty="0"/>
+                <a:rPr lang="en-US" sz="1600" i="1" dirty="0"/>
                 <a:t>bug.</a:t>
               </a:r>
             </a:p>
             <a:p>
-              <a:endParaRPr lang="en-US" b="1" dirty="0" smtClean="0"/>
+              <a:endParaRPr lang="en-US" sz="1600" b="1" dirty="0" smtClean="0"/>
             </a:p>
             <a:p>
               <a:pPr marL="800100" lvl="1" indent="-342900">
@@ -9100,18 +9650,26 @@
                 <a:buAutoNum type="arabicPeriod"/>
               </a:pPr>
               <a:r>
-                <a:rPr lang="en-US" dirty="0" smtClean="0"/>
+                <a:rPr lang="en-US" sz="1600" dirty="0" smtClean="0"/>
                 <a:t>Confirm the </a:t>
               </a:r>
               <a:r>
-                <a:rPr lang="en-US" dirty="0"/>
+                <a:rPr lang="en-US" sz="1600" dirty="0"/>
                 <a:t>audio device is </a:t>
               </a:r>
               <a:r>
-                <a:rPr lang="en-US" dirty="0" smtClean="0"/>
-                <a:t>“DDJ-1000 ASIO”</a:t>
+                <a:rPr lang="en-US" sz="1600" dirty="0" smtClean="0"/>
+                <a:t>“DDJ-1000 ASIO</a:t>
               </a:r>
-              <a:endParaRPr lang="en-US" dirty="0"/>
+              <a:r>
+                <a:rPr lang="en-US" sz="1600" dirty="0" smtClean="0"/>
+                <a:t>” / “DDJ-SZ ASIO” / </a:t>
+              </a:r>
+              <a:r>
+                <a:rPr lang="en-US" sz="1600" dirty="0" err="1" smtClean="0"/>
+                <a:t>etc</a:t>
+              </a:r>
+              <a:endParaRPr lang="en-US" sz="1600" dirty="0"/>
             </a:p>
             <a:p>
               <a:pPr marL="1257300" lvl="2" indent="-342900">
@@ -9119,7 +9677,7 @@
                 <a:buAutoNum type="arabicPeriod"/>
               </a:pPr>
               <a:r>
-                <a:rPr lang="en-US" dirty="0"/>
+                <a:rPr lang="en-US" sz="1600" dirty="0"/>
                 <a:t>Method:  Settings ; audio setup ; confirm audio device</a:t>
               </a:r>
             </a:p>
@@ -9128,7 +9686,7 @@
                 <a:buFont typeface="+mj-lt"/>
                 <a:buAutoNum type="arabicPeriod"/>
               </a:pPr>
-              <a:endParaRPr lang="en-US" dirty="0" smtClean="0"/>
+              <a:endParaRPr lang="en-US" sz="1600" dirty="0" smtClean="0"/>
             </a:p>
             <a:p>
               <a:pPr marL="800100" lvl="1" indent="-342900">
@@ -9136,14 +9694,14 @@
                 <a:buAutoNum type="arabicPeriod"/>
               </a:pPr>
               <a:r>
-                <a:rPr lang="en-US" dirty="0"/>
+                <a:rPr lang="en-US" sz="1600" dirty="0"/>
                 <a:t>Confirm the </a:t>
               </a:r>
               <a:r>
-                <a:rPr lang="en-US" dirty="0" smtClean="0"/>
+                <a:rPr lang="en-US" sz="1600" dirty="0" smtClean="0"/>
                 <a:t>Output routing</a:t>
               </a:r>
-              <a:endParaRPr lang="en-US" dirty="0"/>
+              <a:endParaRPr lang="en-US" sz="1600" dirty="0"/>
             </a:p>
             <a:p>
               <a:pPr marL="1257300" lvl="2" indent="-342900">
@@ -9151,21 +9709,35 @@
                 <a:buAutoNum type="arabicPeriod"/>
               </a:pPr>
               <a:r>
-                <a:rPr lang="en-US" dirty="0"/>
+                <a:rPr lang="en-US" sz="1600" dirty="0"/>
                 <a:t>Method:  Settings ; </a:t>
               </a:r>
               <a:r>
-                <a:rPr lang="en-US" dirty="0" smtClean="0"/>
-                <a:t>output routing; confirm “internal”; confirm “3 / 4 / 1 / 2”</a:t>
+                <a:rPr lang="en-US" sz="1600" dirty="0" smtClean="0"/>
+                <a:t>output routing; confirm “internal”; confirm “3 / 4 / 1 / 2</a:t>
               </a:r>
-              <a:endParaRPr lang="en-US" dirty="0"/>
+              <a:r>
+                <a:rPr lang="en-US" sz="1600" dirty="0" smtClean="0"/>
+                <a:t>”</a:t>
+              </a:r>
+            </a:p>
+            <a:p>
+              <a:pPr marL="1257300" lvl="2" indent="-342900">
+                <a:buFont typeface="+mj-lt"/>
+                <a:buAutoNum type="arabicPeriod"/>
+              </a:pPr>
+              <a:r>
+                <a:rPr lang="en-US" sz="1600" dirty="0" smtClean="0"/>
+                <a:t>(see annexes for other DDJs case) </a:t>
+              </a:r>
+              <a:endParaRPr lang="en-US" sz="1600" dirty="0"/>
             </a:p>
             <a:p>
               <a:pPr marL="800100" lvl="1" indent="-342900">
                 <a:buFont typeface="+mj-lt"/>
                 <a:buAutoNum type="arabicPeriod"/>
               </a:pPr>
-              <a:endParaRPr lang="en-US" dirty="0" smtClean="0"/>
+              <a:endParaRPr lang="en-US" sz="1600" dirty="0" smtClean="0"/>
             </a:p>
             <a:p>
               <a:pPr marL="800100" lvl="1" indent="-342900">
@@ -9173,30 +9745,30 @@
                 <a:buAutoNum type="arabicPeriod"/>
               </a:pPr>
               <a:r>
-                <a:rPr lang="en-US" dirty="0"/>
+                <a:rPr lang="en-US" sz="1600" dirty="0"/>
                 <a:t>Confirm that all </a:t>
               </a:r>
               <a:r>
-                <a:rPr lang="en-US" dirty="0" smtClean="0"/>
+                <a:rPr lang="en-US" sz="1600" dirty="0" smtClean="0"/>
                 <a:t>6x </a:t>
               </a:r>
               <a:r>
-                <a:rPr lang="en-US" dirty="0"/>
+                <a:rPr lang="en-US" sz="1600" dirty="0"/>
                 <a:t>pages </a:t>
               </a:r>
               <a:r>
-                <a:rPr lang="en-US" dirty="0" smtClean="0"/>
+                <a:rPr lang="en-US" sz="1600" dirty="0" smtClean="0"/>
                 <a:t>have exactly “</a:t>
               </a:r>
               <a:r>
-                <a:rPr lang="en-US" dirty="0" err="1" smtClean="0"/>
+                <a:rPr lang="en-US" sz="1600" dirty="0" err="1" smtClean="0"/>
                 <a:t>Bome</a:t>
               </a:r>
               <a:r>
-                <a:rPr lang="en-US" dirty="0" smtClean="0"/>
+                <a:rPr lang="en-US" sz="1600" dirty="0" smtClean="0"/>
                 <a:t> Midi Translator1”</a:t>
               </a:r>
-              <a:endParaRPr lang="en-US" dirty="0"/>
+              <a:endParaRPr lang="en-US" sz="1600" dirty="0"/>
             </a:p>
             <a:p>
               <a:pPr marL="1257300" lvl="2" indent="-342900">
@@ -9204,22 +9776,22 @@
                 <a:buAutoNum type="arabicPeriod"/>
               </a:pPr>
               <a:r>
-                <a:rPr lang="en-US" dirty="0"/>
+                <a:rPr lang="en-US" sz="1600" dirty="0"/>
                 <a:t>Method: Settings; controller manager; click each of the 6x </a:t>
               </a:r>
               <a:r>
-                <a:rPr lang="en-US" dirty="0" smtClean="0"/>
+                <a:rPr lang="en-US" sz="1600" dirty="0" smtClean="0"/>
                 <a:t>pages one-by-one</a:t>
               </a:r>
               <a:r>
-                <a:rPr lang="en-US" dirty="0"/>
+                <a:rPr lang="en-US" sz="1600" dirty="0"/>
                 <a:t>; check IN and OUT </a:t>
               </a:r>
               <a:r>
-                <a:rPr lang="en-US" dirty="0" smtClean="0"/>
+                <a:rPr lang="en-US" sz="1600" dirty="0" smtClean="0"/>
                 <a:t>port</a:t>
               </a:r>
-              <a:endParaRPr lang="en-US" dirty="0"/>
+              <a:endParaRPr lang="en-US" sz="1600" dirty="0"/>
             </a:p>
             <a:p>
               <a:pPr marL="1257300" lvl="2" indent="-342900">
@@ -9227,23 +9799,23 @@
                 <a:buAutoNum type="arabicPeriod"/>
               </a:pPr>
               <a:r>
-                <a:rPr lang="en-US" sz="2000" b="1" i="1" u="sng" dirty="0" smtClean="0"/>
+                <a:rPr lang="en-US" b="1" i="1" u="sng" dirty="0" smtClean="0"/>
                 <a:t>DO </a:t>
               </a:r>
               <a:r>
-                <a:rPr lang="en-US" sz="2000" b="1" i="1" u="sng" dirty="0"/>
+                <a:rPr lang="en-US" b="1" i="1" u="sng" dirty="0"/>
                 <a:t>NOT </a:t>
               </a:r>
               <a:r>
-                <a:rPr lang="en-US" sz="2000" b="1" i="1" u="sng" dirty="0" smtClean="0"/>
+                <a:rPr lang="en-US" b="1" i="1" u="sng" dirty="0" smtClean="0"/>
                 <a:t>CHANGE TO DDJ-1000 </a:t>
               </a:r>
               <a:r>
-                <a:rPr lang="en-US" sz="2000" b="1" i="1" u="sng" dirty="0"/>
+                <a:rPr lang="en-US" b="1" i="1" u="sng" dirty="0"/>
                 <a:t>in the controller manager</a:t>
               </a:r>
               <a:r>
-                <a:rPr lang="en-US" sz="2000" b="1" i="1" u="sng" dirty="0" smtClean="0"/>
+                <a:rPr lang="en-US" b="1" i="1" u="sng" dirty="0" smtClean="0"/>
                 <a:t>!!!</a:t>
               </a:r>
             </a:p>
@@ -9253,15 +9825,15 @@
                 <a:buAutoNum type="arabicPeriod"/>
               </a:pPr>
               <a:r>
-                <a:rPr lang="en-US" sz="2000" b="1" i="1" u="sng" dirty="0" smtClean="0"/>
+                <a:rPr lang="en-US" b="1" i="1" u="sng" dirty="0" smtClean="0"/>
                 <a:t>DO NOT FORGET TO CONFIRM </a:t>
               </a:r>
               <a:r>
-                <a:rPr lang="en-US" sz="3200" b="1" i="1" u="sng" dirty="0" smtClean="0"/>
+                <a:rPr lang="en-US" sz="2800" b="1" i="1" u="sng" dirty="0" smtClean="0"/>
                 <a:t>ALL </a:t>
               </a:r>
               <a:r>
-                <a:rPr lang="en-US" sz="2000" b="1" i="1" u="sng" dirty="0" smtClean="0"/>
+                <a:rPr lang="en-US" b="1" i="1" u="sng" dirty="0" smtClean="0"/>
                 <a:t>6x PAGES!</a:t>
               </a:r>
             </a:p>
@@ -9270,7 +9842,7 @@
                 <a:buFont typeface="+mj-lt"/>
                 <a:buAutoNum type="arabicPeriod"/>
               </a:pPr>
-              <a:endParaRPr lang="en-US" dirty="0" smtClean="0"/>
+              <a:endParaRPr lang="en-US" sz="1600" dirty="0" smtClean="0"/>
             </a:p>
             <a:p>
               <a:pPr marL="800100" lvl="1" indent="-342900">
@@ -9278,7 +9850,7 @@
                 <a:buAutoNum type="arabicPeriod"/>
               </a:pPr>
               <a:r>
-                <a:rPr lang="en-US" dirty="0" smtClean="0"/>
+                <a:rPr lang="en-US" sz="1600" dirty="0" smtClean="0"/>
                 <a:t>Verify that sound is played</a:t>
               </a:r>
             </a:p>
@@ -9288,7 +9860,7 @@
                 <a:buAutoNum type="arabicPeriod"/>
               </a:pPr>
               <a:r>
-                <a:rPr lang="en-US" dirty="0" smtClean="0"/>
+                <a:rPr lang="en-US" sz="1600" dirty="0" smtClean="0"/>
                 <a:t>Method: Load a track; click Cue and play/pause repeatedly</a:t>
               </a:r>
             </a:p>
@@ -9298,15 +9870,15 @@
                 <a:buAutoNum type="arabicPeriod"/>
               </a:pPr>
               <a:r>
-                <a:rPr lang="en-US" dirty="0" smtClean="0"/>
+                <a:rPr lang="en-US" sz="1600" dirty="0" smtClean="0"/>
                 <a:t>Use </a:t>
               </a:r>
               <a:r>
-                <a:rPr lang="en-US" dirty="0" err="1" smtClean="0"/>
+                <a:rPr lang="en-US" sz="1600" dirty="0" err="1" smtClean="0"/>
                 <a:t>shift+quantize</a:t>
               </a:r>
               <a:r>
-                <a:rPr lang="en-US" dirty="0" smtClean="0"/>
+                <a:rPr lang="en-US" sz="1600" dirty="0" smtClean="0"/>
                 <a:t> to send a reset command to BOME</a:t>
               </a:r>
             </a:p>
@@ -9315,7 +9887,7 @@
                 <a:buFont typeface="+mj-lt"/>
                 <a:buAutoNum type="arabicPeriod"/>
               </a:pPr>
-              <a:endParaRPr lang="en-US" sz="2000" b="1" i="1" u="sng" dirty="0"/>
+              <a:endParaRPr lang="en-US" b="1" i="1" u="sng" dirty="0"/>
             </a:p>
             <a:p>
               <a:pPr marL="800100" lvl="1" indent="-342900">
@@ -9323,7 +9895,7 @@
                 <a:buAutoNum type="arabicPeriod"/>
               </a:pPr>
               <a:r>
-                <a:rPr lang="en-US" dirty="0" smtClean="0"/>
+                <a:rPr lang="en-US" sz="1600" dirty="0" smtClean="0"/>
                 <a:t>Verify that BOME sees all the messages</a:t>
               </a:r>
             </a:p>
@@ -9333,22 +9905,22 @@
                 <a:buAutoNum type="arabicPeriod"/>
               </a:pPr>
               <a:r>
-                <a:rPr lang="en-US" dirty="0" smtClean="0"/>
+                <a:rPr lang="en-US" sz="1600" dirty="0" smtClean="0"/>
                 <a:t>Method: open the </a:t>
               </a:r>
               <a:r>
-                <a:rPr lang="en-US" dirty="0" err="1" smtClean="0"/>
+                <a:rPr lang="en-US" sz="1600" dirty="0" err="1" smtClean="0"/>
                 <a:t>bome</a:t>
               </a:r>
               <a:r>
-                <a:rPr lang="en-US" dirty="0" smtClean="0"/>
+                <a:rPr lang="en-US" sz="1600" dirty="0" smtClean="0"/>
                 <a:t> window; click the “CUE” button;  verify that the BOME log displays </a:t>
               </a:r>
               <a:r>
-                <a:rPr lang="en-US" u="sng" dirty="0" smtClean="0"/>
+                <a:rPr lang="en-US" sz="1600" u="sng" dirty="0" smtClean="0"/>
                 <a:t>at least 8x log lines per human click</a:t>
               </a:r>
-              <a:endParaRPr lang="en-US" u="sng" dirty="0"/>
+              <a:endParaRPr lang="en-US" sz="1600" u="sng" dirty="0"/>
             </a:p>
           </p:txBody>
         </p:sp>
@@ -9360,7 +9932,7 @@
           </p:nvSpPr>
           <p:spPr>
             <a:xfrm>
-              <a:off x="7746672" y="3689526"/>
+              <a:off x="7598114" y="3578929"/>
               <a:ext cx="1397327" cy="507517"/>
             </a:xfrm>
             <a:prstGeom prst="leftArrow">
@@ -9421,7 +9993,7 @@
           </p:nvSpPr>
           <p:spPr>
             <a:xfrm>
-              <a:off x="7746673" y="4039821"/>
+              <a:off x="7598115" y="3929224"/>
               <a:ext cx="1397326" cy="533400"/>
             </a:xfrm>
             <a:prstGeom prst="leftArrow">
@@ -9702,7 +10274,12 @@
             <p:ph type="sldNum" sz="quarter" idx="12"/>
           </p:nvPr>
         </p:nvSpPr>
-        <p:spPr/>
+        <p:spPr>
+          <a:xfrm>
+            <a:off x="8686800" y="6492875"/>
+            <a:ext cx="457200" cy="365125"/>
+          </a:xfrm>
+        </p:spPr>
         <p:txBody>
           <a:bodyPr/>
           <a:lstStyle/>
@@ -9713,6 +10290,36 @@
               <a:t>27</a:t>
             </a:fld>
             <a:endParaRPr lang="en-US"/>
+          </a:p>
+        </p:txBody>
+      </p:sp>
+      <p:sp>
+        <p:nvSpPr>
+          <p:cNvPr id="7" name="TextBox 6"/>
+          <p:cNvSpPr txBox="1"/>
+          <p:nvPr/>
+        </p:nvSpPr>
+        <p:spPr>
+          <a:xfrm>
+            <a:off x="2820516" y="6310314"/>
+            <a:ext cx="3985386" cy="253916"/>
+          </a:xfrm>
+          <a:prstGeom prst="rect">
+            <a:avLst/>
+          </a:prstGeom>
+          <a:noFill/>
+        </p:spPr>
+        <p:txBody>
+          <a:bodyPr wrap="none" rtlCol="0">
+            <a:spAutoFit/>
+          </a:bodyPr>
+          <a:lstStyle/>
+          <a:p>
+            <a:r>
+              <a:rPr lang="en-US" sz="1050" i="1" dirty="0" smtClean="0"/>
+              <a:t>(Example for DDJ-1000; other DDJ are similar. See annexes for details)</a:t>
+            </a:r>
+            <a:endParaRPr lang="en-US" i="1" dirty="0"/>
           </a:p>
         </p:txBody>
       </p:sp>
@@ -9746,114 +10353,21 @@
           <a:chExt cx="0" cy="0"/>
         </a:xfrm>
       </p:grpSpPr>
-      <p:pic>
-        <p:nvPicPr>
-          <p:cNvPr id="1026" name="Picture 2" descr="C:\Users\Pedro\Desktop\Z_DRIVE_Pedro\2 Music - Controllers\0_MAPS_Traktor\DDJ Pioneer\2 - Archived DDJ TSIs\MAC OS instructions\macOS output routing - 84831868_2249822195312771_8101665336648007680_n (1).jpg"/>
-          <p:cNvPicPr>
-            <a:picLocks noChangeAspect="1" noChangeArrowheads="1"/>
-          </p:cNvPicPr>
+      <p:sp>
+        <p:nvSpPr>
+          <p:cNvPr id="11" name="TextBox 10"/>
+          <p:cNvSpPr txBox="1"/>
           <p:nvPr/>
-        </p:nvPicPr>
-        <p:blipFill rotWithShape="1">
-          <a:blip r:embed="rId2">
-            <a:extLst>
-              <a:ext uri="{28A0092B-C50C-407E-A947-70E740481C1C}">
-                <a14:useLocalDpi xmlns:a14="http://schemas.microsoft.com/office/drawing/2010/main" val="0"/>
-              </a:ext>
-            </a:extLst>
-          </a:blip>
-          <a:srcRect l="2828" b="2208"/>
-          <a:stretch/>
-        </p:blipFill>
-        <p:spPr bwMode="auto">
-          <a:xfrm>
-            <a:off x="4648200" y="1981200"/>
-            <a:ext cx="4238306" cy="4624084"/>
+        </p:nvSpPr>
+        <p:spPr>
+          <a:xfrm>
+            <a:off x="152400" y="111145"/>
+            <a:ext cx="4096186" cy="461665"/>
           </a:xfrm>
           <a:prstGeom prst="rect">
             <a:avLst/>
           </a:prstGeom>
           <a:noFill/>
-          <a:extLst>
-            <a:ext uri="{909E8E84-426E-40DD-AFC4-6F175D3DCCD1}">
-              <a14:hiddenFill xmlns:a14="http://schemas.microsoft.com/office/drawing/2010/main">
-                <a:solidFill>
-                  <a:srgbClr val="FFFFFF"/>
-                </a:solidFill>
-              </a14:hiddenFill>
-            </a:ext>
-          </a:extLst>
-        </p:spPr>
-      </p:pic>
-      <p:pic>
-        <p:nvPicPr>
-          <p:cNvPr id="3075" name="Picture 3"/>
-          <p:cNvPicPr>
-            <a:picLocks noChangeAspect="1" noChangeArrowheads="1"/>
-          </p:cNvPicPr>
-          <p:nvPr/>
-        </p:nvPicPr>
-        <p:blipFill>
-          <a:blip r:embed="rId3">
-            <a:extLst>
-              <a:ext uri="{28A0092B-C50C-407E-A947-70E740481C1C}">
-                <a14:useLocalDpi xmlns:a14="http://schemas.microsoft.com/office/drawing/2010/main" val="0"/>
-              </a:ext>
-            </a:extLst>
-          </a:blip>
-          <a:srcRect/>
-          <a:stretch>
-            <a:fillRect/>
-          </a:stretch>
-        </p:blipFill>
-        <p:spPr bwMode="auto">
-          <a:xfrm>
-            <a:off x="352425" y="1981200"/>
-            <a:ext cx="3827918" cy="4624084"/>
-          </a:xfrm>
-          <a:prstGeom prst="rect">
-            <a:avLst/>
-          </a:prstGeom>
-          <a:noFill/>
-          <a:ln>
-            <a:noFill/>
-          </a:ln>
-          <a:extLst>
-            <a:ext uri="{909E8E84-426E-40DD-AFC4-6F175D3DCCD1}">
-              <a14:hiddenFill xmlns:a14="http://schemas.microsoft.com/office/drawing/2010/main">
-                <a:solidFill>
-                  <a:schemeClr val="accent1"/>
-                </a:solidFill>
-              </a14:hiddenFill>
-            </a:ext>
-            <a:ext uri="{91240B29-F687-4F45-9708-019B960494DF}">
-              <a14:hiddenLine xmlns:a14="http://schemas.microsoft.com/office/drawing/2010/main" w="9525">
-                <a:solidFill>
-                  <a:schemeClr val="tx1"/>
-                </a:solidFill>
-                <a:miter lim="800000"/>
-                <a:headEnd/>
-                <a:tailEnd/>
-              </a14:hiddenLine>
-            </a:ext>
-          </a:extLst>
-        </p:spPr>
-      </p:pic>
-      <p:sp>
-        <p:nvSpPr>
-          <p:cNvPr id="11" name="TextBox 10"/>
-          <p:cNvSpPr txBox="1"/>
-          <p:nvPr/>
-        </p:nvSpPr>
-        <p:spPr>
-          <a:xfrm>
-            <a:off x="152400" y="111145"/>
-            <a:ext cx="4096186" cy="461665"/>
-          </a:xfrm>
-          <a:prstGeom prst="rect">
-            <a:avLst/>
-          </a:prstGeom>
-          <a:noFill/>
         </p:spPr>
         <p:txBody>
           <a:bodyPr wrap="none" rtlCol="0">
@@ -9866,249 +10380,6 @@
               <a:t>TRAKTOR: check output routing</a:t>
             </a:r>
             <a:endParaRPr lang="en-US" sz="2400" i="1" u="sng" dirty="0"/>
-          </a:p>
-        </p:txBody>
-      </p:sp>
-      <p:grpSp>
-        <p:nvGrpSpPr>
-          <p:cNvPr id="4" name="Group 3"/>
-          <p:cNvGrpSpPr/>
-          <p:nvPr/>
-        </p:nvGrpSpPr>
-        <p:grpSpPr>
-          <a:xfrm>
-            <a:off x="352425" y="2281625"/>
-            <a:ext cx="2394224" cy="351041"/>
-            <a:chOff x="352425" y="2755807"/>
-            <a:chExt cx="2394224" cy="351041"/>
-          </a:xfrm>
-        </p:grpSpPr>
-        <p:sp>
-          <p:nvSpPr>
-            <p:cNvPr id="8" name="Oval 7"/>
-            <p:cNvSpPr/>
-            <p:nvPr/>
-          </p:nvSpPr>
-          <p:spPr>
-            <a:xfrm>
-              <a:off x="2087726" y="2755807"/>
-              <a:ext cx="658923" cy="351041"/>
-            </a:xfrm>
-            <a:prstGeom prst="ellipse">
-              <a:avLst/>
-            </a:prstGeom>
-            <a:noFill/>
-            <a:ln w="44450">
-              <a:solidFill>
-                <a:srgbClr val="C00000"/>
-              </a:solidFill>
-            </a:ln>
-          </p:spPr>
-          <p:style>
-            <a:lnRef idx="2">
-              <a:schemeClr val="accent1">
-                <a:shade val="50000"/>
-              </a:schemeClr>
-            </a:lnRef>
-            <a:fillRef idx="1">
-              <a:schemeClr val="accent1"/>
-            </a:fillRef>
-            <a:effectRef idx="0">
-              <a:schemeClr val="accent1"/>
-            </a:effectRef>
-            <a:fontRef idx="minor">
-              <a:schemeClr val="lt1"/>
-            </a:fontRef>
-          </p:style>
-          <p:txBody>
-            <a:bodyPr rtlCol="0" anchor="ctr"/>
-            <a:lstStyle/>
-            <a:p>
-              <a:pPr algn="ctr"/>
-              <a:endParaRPr lang="en-US"/>
-            </a:p>
-          </p:txBody>
-        </p:sp>
-        <p:sp>
-          <p:nvSpPr>
-            <p:cNvPr id="9" name="Oval 8"/>
-            <p:cNvSpPr/>
-            <p:nvPr/>
-          </p:nvSpPr>
-          <p:spPr>
-            <a:xfrm>
-              <a:off x="352425" y="2755807"/>
-              <a:ext cx="1002677" cy="351041"/>
-            </a:xfrm>
-            <a:prstGeom prst="ellipse">
-              <a:avLst/>
-            </a:prstGeom>
-            <a:noFill/>
-            <a:ln w="44450">
-              <a:solidFill>
-                <a:srgbClr val="C00000"/>
-              </a:solidFill>
-            </a:ln>
-          </p:spPr>
-          <p:style>
-            <a:lnRef idx="2">
-              <a:schemeClr val="accent1">
-                <a:shade val="50000"/>
-              </a:schemeClr>
-            </a:lnRef>
-            <a:fillRef idx="1">
-              <a:schemeClr val="accent1"/>
-            </a:fillRef>
-            <a:effectRef idx="0">
-              <a:schemeClr val="accent1"/>
-            </a:effectRef>
-            <a:fontRef idx="minor">
-              <a:schemeClr val="lt1"/>
-            </a:fontRef>
-          </p:style>
-          <p:txBody>
-            <a:bodyPr rtlCol="0" anchor="ctr"/>
-            <a:lstStyle/>
-            <a:p>
-              <a:pPr algn="ctr"/>
-              <a:endParaRPr lang="en-US"/>
-            </a:p>
-          </p:txBody>
-        </p:sp>
-      </p:grpSp>
-      <p:sp>
-        <p:nvSpPr>
-          <p:cNvPr id="10" name="Oval 9"/>
-          <p:cNvSpPr/>
-          <p:nvPr/>
-        </p:nvSpPr>
-        <p:spPr>
-          <a:xfrm>
-            <a:off x="1930969" y="2613616"/>
-            <a:ext cx="1159444" cy="962954"/>
-          </a:xfrm>
-          <a:prstGeom prst="ellipse">
-            <a:avLst/>
-          </a:prstGeom>
-          <a:noFill/>
-          <a:ln w="44450">
-            <a:solidFill>
-              <a:srgbClr val="C00000"/>
-            </a:solidFill>
-          </a:ln>
-        </p:spPr>
-        <p:style>
-          <a:lnRef idx="2">
-            <a:schemeClr val="accent1">
-              <a:shade val="50000"/>
-            </a:schemeClr>
-          </a:lnRef>
-          <a:fillRef idx="1">
-            <a:schemeClr val="accent1"/>
-          </a:fillRef>
-          <a:effectRef idx="0">
-            <a:schemeClr val="accent1"/>
-          </a:effectRef>
-          <a:fontRef idx="minor">
-            <a:schemeClr val="lt1"/>
-          </a:fontRef>
-        </p:style>
-        <p:txBody>
-          <a:bodyPr rtlCol="0" anchor="ctr"/>
-          <a:lstStyle/>
-          <a:p>
-            <a:pPr algn="ctr"/>
-            <a:endParaRPr lang="en-US"/>
-          </a:p>
-        </p:txBody>
-      </p:sp>
-      <p:sp>
-        <p:nvSpPr>
-          <p:cNvPr id="12" name="Line Callout 1 (Accent Bar) 11"/>
-          <p:cNvSpPr/>
-          <p:nvPr/>
-        </p:nvSpPr>
-        <p:spPr>
-          <a:xfrm>
-            <a:off x="255873" y="685800"/>
-            <a:ext cx="2254818" cy="798790"/>
-          </a:xfrm>
-          <a:prstGeom prst="accentCallout1">
-            <a:avLst>
-              <a:gd name="adj1" fmla="val 41417"/>
-              <a:gd name="adj2" fmla="val 103504"/>
-              <a:gd name="adj3" fmla="val 264418"/>
-              <a:gd name="adj4" fmla="val 120388"/>
-            </a:avLst>
-          </a:prstGeom>
-          <a:solidFill>
-            <a:schemeClr val="bg1">
-              <a:lumMod val="85000"/>
-            </a:schemeClr>
-          </a:solidFill>
-          <a:ln>
-            <a:solidFill>
-              <a:srgbClr val="C00000"/>
-            </a:solidFill>
-          </a:ln>
-        </p:spPr>
-        <p:style>
-          <a:lnRef idx="2">
-            <a:schemeClr val="accent1">
-              <a:shade val="50000"/>
-            </a:schemeClr>
-          </a:lnRef>
-          <a:fillRef idx="1">
-            <a:schemeClr val="accent1"/>
-          </a:fillRef>
-          <a:effectRef idx="0">
-            <a:schemeClr val="accent1"/>
-          </a:effectRef>
-          <a:fontRef idx="minor">
-            <a:schemeClr val="lt1"/>
-          </a:fontRef>
-        </p:style>
-        <p:txBody>
-          <a:bodyPr lIns="0" tIns="0" rIns="0" bIns="0" rtlCol="0" anchor="ctr"/>
-          <a:lstStyle/>
-          <a:p>
-            <a:pPr algn="r"/>
-            <a:r>
-              <a:rPr lang="en-US" u="sng" dirty="0" smtClean="0">
-                <a:solidFill>
-                  <a:schemeClr val="tx1"/>
-                </a:solidFill>
-              </a:rPr>
-              <a:t>Windows:</a:t>
-            </a:r>
-            <a:r>
-              <a:rPr lang="en-US" dirty="0" smtClean="0">
-                <a:solidFill>
-                  <a:schemeClr val="tx1"/>
-                </a:solidFill>
-              </a:rPr>
-              <a:t> channels are</a:t>
-            </a:r>
-            <a:br>
-              <a:rPr lang="en-US" dirty="0" smtClean="0">
-                <a:solidFill>
-                  <a:schemeClr val="tx1"/>
-                </a:solidFill>
-              </a:rPr>
-            </a:br>
-            <a:r>
-              <a:rPr lang="en-US" dirty="0" smtClean="0">
-                <a:solidFill>
-                  <a:schemeClr val="tx1"/>
-                </a:solidFill>
-              </a:rPr>
-              <a:t>3 / 4 / 1 / 2</a:t>
-            </a:r>
-            <a:endParaRPr lang="en-US" dirty="0">
-              <a:solidFill>
-                <a:schemeClr val="tx1"/>
-              </a:solidFill>
-            </a:endParaRPr>
           </a:p>
         </p:txBody>
       </p:sp>
@@ -10122,7 +10393,12 @@
             <p:ph type="sldNum" sz="quarter" idx="12"/>
           </p:nvPr>
         </p:nvSpPr>
-        <p:spPr/>
+        <p:spPr>
+          <a:xfrm>
+            <a:off x="8763000" y="6492875"/>
+            <a:ext cx="381000" cy="365125"/>
+          </a:xfrm>
+        </p:spPr>
         <p:txBody>
           <a:bodyPr/>
           <a:lstStyle/>
@@ -10136,254 +10412,706 @@
           </a:p>
         </p:txBody>
       </p:sp>
-      <p:sp>
-        <p:nvSpPr>
-          <p:cNvPr id="13" name="Line Callout 1 (Accent Bar) 12"/>
-          <p:cNvSpPr/>
-          <p:nvPr/>
-        </p:nvSpPr>
-        <p:spPr>
-          <a:xfrm>
-            <a:off x="4724400" y="572810"/>
-            <a:ext cx="2254818" cy="798790"/>
-          </a:xfrm>
-          <a:prstGeom prst="accentCallout1">
-            <a:avLst>
-              <a:gd name="adj1" fmla="val 41417"/>
-              <a:gd name="adj2" fmla="val 103504"/>
-              <a:gd name="adj3" fmla="val 290651"/>
-              <a:gd name="adj4" fmla="val 122078"/>
-            </a:avLst>
-          </a:prstGeom>
-          <a:solidFill>
-            <a:schemeClr val="bg1">
-              <a:lumMod val="85000"/>
-            </a:schemeClr>
-          </a:solidFill>
-          <a:ln>
-            <a:solidFill>
-              <a:srgbClr val="C00000"/>
-            </a:solidFill>
-          </a:ln>
-        </p:spPr>
-        <p:style>
-          <a:lnRef idx="2">
-            <a:schemeClr val="accent1">
-              <a:shade val="50000"/>
-            </a:schemeClr>
-          </a:lnRef>
-          <a:fillRef idx="1">
-            <a:schemeClr val="accent1"/>
-          </a:fillRef>
-          <a:effectRef idx="0">
-            <a:schemeClr val="accent1"/>
-          </a:effectRef>
-          <a:fontRef idx="minor">
-            <a:schemeClr val="lt1"/>
-          </a:fontRef>
-        </p:style>
-        <p:txBody>
-          <a:bodyPr lIns="0" tIns="0" rIns="0" bIns="0" rtlCol="0" anchor="ctr"/>
-          <a:lstStyle/>
-          <a:p>
-            <a:pPr algn="r"/>
-            <a:r>
-              <a:rPr lang="en-US" u="sng" dirty="0" smtClean="0">
-                <a:solidFill>
-                  <a:schemeClr val="tx1"/>
-                </a:solidFill>
-              </a:rPr>
-              <a:t>Windows:</a:t>
-            </a:r>
-            <a:r>
-              <a:rPr lang="en-US" dirty="0" smtClean="0">
-                <a:solidFill>
-                  <a:schemeClr val="tx1"/>
-                </a:solidFill>
-              </a:rPr>
-              <a:t> channels are</a:t>
-            </a:r>
-            <a:br>
-              <a:rPr lang="en-US" dirty="0" smtClean="0">
-                <a:solidFill>
-                  <a:schemeClr val="tx1"/>
-                </a:solidFill>
-              </a:rPr>
-            </a:br>
-            <a:r>
-              <a:rPr lang="en-US" dirty="0">
-                <a:solidFill>
-                  <a:schemeClr val="tx1"/>
-                </a:solidFill>
-              </a:rPr>
-              <a:t>2</a:t>
-            </a:r>
-            <a:r>
-              <a:rPr lang="en-US" dirty="0" smtClean="0">
-                <a:solidFill>
-                  <a:schemeClr val="tx1"/>
-                </a:solidFill>
-              </a:rPr>
-              <a:t> / 3 / 0 / 1</a:t>
-            </a:r>
-            <a:endParaRPr lang="en-US" dirty="0">
-              <a:solidFill>
-                <a:schemeClr val="tx1"/>
-              </a:solidFill>
-            </a:endParaRPr>
-          </a:p>
-        </p:txBody>
-      </p:sp>
       <p:grpSp>
         <p:nvGrpSpPr>
-          <p:cNvPr id="24" name="Group 23"/>
+          <p:cNvPr id="6" name="Group 5"/>
           <p:cNvGrpSpPr/>
           <p:nvPr/>
         </p:nvGrpSpPr>
         <p:grpSpPr>
           <a:xfrm>
-            <a:off x="4552464" y="2300675"/>
-            <a:ext cx="2610336" cy="312941"/>
-            <a:chOff x="352425" y="2755807"/>
-            <a:chExt cx="2394224" cy="351041"/>
+            <a:off x="768332" y="2308573"/>
+            <a:ext cx="7702217" cy="4389547"/>
+            <a:chOff x="227693" y="940333"/>
+            <a:chExt cx="8658813" cy="5460467"/>
           </a:xfrm>
         </p:grpSpPr>
-        <p:sp>
-          <p:nvSpPr>
-            <p:cNvPr id="25" name="Oval 24"/>
-            <p:cNvSpPr/>
+        <p:grpSp>
+          <p:nvGrpSpPr>
+            <p:cNvPr id="5" name="Group 4"/>
+            <p:cNvGrpSpPr/>
             <p:nvPr/>
-          </p:nvSpPr>
-          <p:spPr>
+          </p:nvGrpSpPr>
+          <p:grpSpPr>
             <a:xfrm>
-              <a:off x="2087726" y="2755807"/>
-              <a:ext cx="658923" cy="351041"/>
+              <a:off x="227693" y="958666"/>
+              <a:ext cx="3952650" cy="5442134"/>
+              <a:chOff x="227693" y="958666"/>
+              <a:chExt cx="3952650" cy="5442134"/>
             </a:xfrm>
-            <a:prstGeom prst="ellipse">
-              <a:avLst/>
-            </a:prstGeom>
-            <a:noFill/>
-            <a:ln w="44450">
+          </p:grpSpPr>
+          <p:pic>
+            <p:nvPicPr>
+              <p:cNvPr id="3075" name="Picture 3"/>
+              <p:cNvPicPr>
+                <a:picLocks noChangeAspect="1" noChangeArrowheads="1"/>
+              </p:cNvPicPr>
+              <p:nvPr/>
+            </p:nvPicPr>
+            <p:blipFill>
+              <a:blip r:embed="rId2">
+                <a:extLst>
+                  <a:ext uri="{28A0092B-C50C-407E-A947-70E740481C1C}">
+                    <a14:useLocalDpi xmlns:a14="http://schemas.microsoft.com/office/drawing/2010/main" val="0"/>
+                  </a:ext>
+                </a:extLst>
+              </a:blip>
+              <a:srcRect/>
+              <a:stretch>
+                <a:fillRect/>
+              </a:stretch>
+            </p:blipFill>
+            <p:spPr bwMode="auto">
+              <a:xfrm>
+                <a:off x="352425" y="1981200"/>
+                <a:ext cx="3827918" cy="4419600"/>
+              </a:xfrm>
+              <a:prstGeom prst="rect">
+                <a:avLst/>
+              </a:prstGeom>
+              <a:noFill/>
+              <a:ln>
+                <a:noFill/>
+              </a:ln>
+              <a:extLst>
+                <a:ext uri="{909E8E84-426E-40DD-AFC4-6F175D3DCCD1}">
+                  <a14:hiddenFill xmlns:a14="http://schemas.microsoft.com/office/drawing/2010/main">
+                    <a:solidFill>
+                      <a:schemeClr val="accent1"/>
+                    </a:solidFill>
+                  </a14:hiddenFill>
+                </a:ext>
+                <a:ext uri="{91240B29-F687-4F45-9708-019B960494DF}">
+                  <a14:hiddenLine xmlns:a14="http://schemas.microsoft.com/office/drawing/2010/main" w="9525">
+                    <a:solidFill>
+                      <a:schemeClr val="tx1"/>
+                    </a:solidFill>
+                    <a:miter lim="800000"/>
+                    <a:headEnd/>
+                    <a:tailEnd/>
+                  </a14:hiddenLine>
+                </a:ext>
+              </a:extLst>
+            </p:spPr>
+          </p:pic>
+          <p:grpSp>
+            <p:nvGrpSpPr>
+              <p:cNvPr id="4" name="Group 3"/>
+              <p:cNvGrpSpPr/>
+              <p:nvPr/>
+            </p:nvGrpSpPr>
+            <p:grpSpPr>
+              <a:xfrm>
+                <a:off x="352425" y="2281625"/>
+                <a:ext cx="2394224" cy="335517"/>
+                <a:chOff x="352425" y="2755807"/>
+                <a:chExt cx="2394224" cy="351041"/>
+              </a:xfrm>
+            </p:grpSpPr>
+            <p:sp>
+              <p:nvSpPr>
+                <p:cNvPr id="8" name="Oval 7"/>
+                <p:cNvSpPr/>
+                <p:nvPr/>
+              </p:nvSpPr>
+              <p:spPr>
+                <a:xfrm>
+                  <a:off x="2087726" y="2755807"/>
+                  <a:ext cx="658923" cy="351041"/>
+                </a:xfrm>
+                <a:prstGeom prst="ellipse">
+                  <a:avLst/>
+                </a:prstGeom>
+                <a:noFill/>
+                <a:ln w="44450">
+                  <a:solidFill>
+                    <a:srgbClr val="C00000"/>
+                  </a:solidFill>
+                </a:ln>
+              </p:spPr>
+              <p:style>
+                <a:lnRef idx="2">
+                  <a:schemeClr val="accent1">
+                    <a:shade val="50000"/>
+                  </a:schemeClr>
+                </a:lnRef>
+                <a:fillRef idx="1">
+                  <a:schemeClr val="accent1"/>
+                </a:fillRef>
+                <a:effectRef idx="0">
+                  <a:schemeClr val="accent1"/>
+                </a:effectRef>
+                <a:fontRef idx="minor">
+                  <a:schemeClr val="lt1"/>
+                </a:fontRef>
+              </p:style>
+              <p:txBody>
+                <a:bodyPr rtlCol="0" anchor="ctr"/>
+                <a:lstStyle/>
+                <a:p>
+                  <a:pPr algn="ctr"/>
+                  <a:endParaRPr lang="en-US"/>
+                </a:p>
+              </p:txBody>
+            </p:sp>
+            <p:sp>
+              <p:nvSpPr>
+                <p:cNvPr id="9" name="Oval 8"/>
+                <p:cNvSpPr/>
+                <p:nvPr/>
+              </p:nvSpPr>
+              <p:spPr>
+                <a:xfrm>
+                  <a:off x="352425" y="2755807"/>
+                  <a:ext cx="1002677" cy="351041"/>
+                </a:xfrm>
+                <a:prstGeom prst="ellipse">
+                  <a:avLst/>
+                </a:prstGeom>
+                <a:noFill/>
+                <a:ln w="44450">
+                  <a:solidFill>
+                    <a:srgbClr val="C00000"/>
+                  </a:solidFill>
+                </a:ln>
+              </p:spPr>
+              <p:style>
+                <a:lnRef idx="2">
+                  <a:schemeClr val="accent1">
+                    <a:shade val="50000"/>
+                  </a:schemeClr>
+                </a:lnRef>
+                <a:fillRef idx="1">
+                  <a:schemeClr val="accent1"/>
+                </a:fillRef>
+                <a:effectRef idx="0">
+                  <a:schemeClr val="accent1"/>
+                </a:effectRef>
+                <a:fontRef idx="minor">
+                  <a:schemeClr val="lt1"/>
+                </a:fontRef>
+              </p:style>
+              <p:txBody>
+                <a:bodyPr rtlCol="0" anchor="ctr"/>
+                <a:lstStyle/>
+                <a:p>
+                  <a:pPr algn="ctr"/>
+                  <a:endParaRPr lang="en-US"/>
+                </a:p>
+              </p:txBody>
+            </p:sp>
+          </p:grpSp>
+          <p:sp>
+            <p:nvSpPr>
+              <p:cNvPr id="10" name="Oval 9"/>
+              <p:cNvSpPr/>
+              <p:nvPr/>
+            </p:nvSpPr>
+            <p:spPr>
+              <a:xfrm>
+                <a:off x="1930969" y="2613616"/>
+                <a:ext cx="1159444" cy="920371"/>
+              </a:xfrm>
+              <a:prstGeom prst="ellipse">
+                <a:avLst/>
+              </a:prstGeom>
+              <a:noFill/>
+              <a:ln w="44450">
+                <a:solidFill>
+                  <a:srgbClr val="C00000"/>
+                </a:solidFill>
+              </a:ln>
+            </p:spPr>
+            <p:style>
+              <a:lnRef idx="2">
+                <a:schemeClr val="accent1">
+                  <a:shade val="50000"/>
+                </a:schemeClr>
+              </a:lnRef>
+              <a:fillRef idx="1">
+                <a:schemeClr val="accent1"/>
+              </a:fillRef>
+              <a:effectRef idx="0">
+                <a:schemeClr val="accent1"/>
+              </a:effectRef>
+              <a:fontRef idx="minor">
+                <a:schemeClr val="lt1"/>
+              </a:fontRef>
+            </p:style>
+            <p:txBody>
+              <a:bodyPr rtlCol="0" anchor="ctr"/>
+              <a:lstStyle/>
+              <a:p>
+                <a:pPr algn="ctr"/>
+                <a:endParaRPr lang="en-US"/>
+              </a:p>
+            </p:txBody>
+          </p:sp>
+          <p:sp>
+            <p:nvSpPr>
+              <p:cNvPr id="12" name="Line Callout 1 (Accent Bar) 11"/>
+              <p:cNvSpPr/>
+              <p:nvPr/>
+            </p:nvSpPr>
+            <p:spPr>
+              <a:xfrm>
+                <a:off x="227693" y="958666"/>
+                <a:ext cx="2254818" cy="763466"/>
+              </a:xfrm>
+              <a:prstGeom prst="accentCallout1">
+                <a:avLst>
+                  <a:gd name="adj1" fmla="val 41417"/>
+                  <a:gd name="adj2" fmla="val 103504"/>
+                  <a:gd name="adj3" fmla="val 249933"/>
+                  <a:gd name="adj4" fmla="val 124820"/>
+                </a:avLst>
+              </a:prstGeom>
               <a:solidFill>
-                <a:srgbClr val="C00000"/>
+                <a:schemeClr val="bg1">
+                  <a:lumMod val="85000"/>
+                </a:schemeClr>
               </a:solidFill>
-            </a:ln>
-          </p:spPr>
-          <p:style>
-            <a:lnRef idx="2">
-              <a:schemeClr val="accent1">
-                <a:shade val="50000"/>
-              </a:schemeClr>
-            </a:lnRef>
-            <a:fillRef idx="1">
-              <a:schemeClr val="accent1"/>
-            </a:fillRef>
-            <a:effectRef idx="0">
-              <a:schemeClr val="accent1"/>
-            </a:effectRef>
-            <a:fontRef idx="minor">
-              <a:schemeClr val="lt1"/>
-            </a:fontRef>
-          </p:style>
-          <p:txBody>
-            <a:bodyPr rtlCol="0" anchor="ctr"/>
-            <a:lstStyle/>
-            <a:p>
-              <a:pPr algn="ctr"/>
-              <a:endParaRPr lang="en-US"/>
-            </a:p>
-          </p:txBody>
-        </p:sp>
-        <p:sp>
-          <p:nvSpPr>
-            <p:cNvPr id="26" name="Oval 25"/>
-            <p:cNvSpPr/>
+              <a:ln>
+                <a:solidFill>
+                  <a:srgbClr val="C00000"/>
+                </a:solidFill>
+              </a:ln>
+            </p:spPr>
+            <p:style>
+              <a:lnRef idx="2">
+                <a:schemeClr val="accent1">
+                  <a:shade val="50000"/>
+                </a:schemeClr>
+              </a:lnRef>
+              <a:fillRef idx="1">
+                <a:schemeClr val="accent1"/>
+              </a:fillRef>
+              <a:effectRef idx="0">
+                <a:schemeClr val="accent1"/>
+              </a:effectRef>
+              <a:fontRef idx="minor">
+                <a:schemeClr val="lt1"/>
+              </a:fontRef>
+            </p:style>
+            <p:txBody>
+              <a:bodyPr lIns="0" tIns="0" rIns="0" bIns="0" rtlCol="0" anchor="ctr"/>
+              <a:lstStyle/>
+              <a:p>
+                <a:pPr algn="r"/>
+                <a:r>
+                  <a:rPr lang="en-US" u="sng" dirty="0" smtClean="0">
+                    <a:solidFill>
+                      <a:schemeClr val="tx1"/>
+                    </a:solidFill>
+                  </a:rPr>
+                  <a:t>Windows:</a:t>
+                </a:r>
+                <a:r>
+                  <a:rPr lang="en-US" dirty="0" smtClean="0">
+                    <a:solidFill>
+                      <a:schemeClr val="tx1"/>
+                    </a:solidFill>
+                  </a:rPr>
+                  <a:t> channels </a:t>
+                </a:r>
+                <a:r>
+                  <a:rPr lang="en-US" dirty="0" smtClean="0">
+                    <a:solidFill>
+                      <a:schemeClr val="tx1"/>
+                    </a:solidFill>
+                  </a:rPr>
+                  <a:t>are 3 </a:t>
+                </a:r>
+                <a:r>
+                  <a:rPr lang="en-US" dirty="0" smtClean="0">
+                    <a:solidFill>
+                      <a:schemeClr val="tx1"/>
+                    </a:solidFill>
+                  </a:rPr>
+                  <a:t>/ 4 / 1 / 2</a:t>
+                </a:r>
+                <a:endParaRPr lang="en-US" dirty="0">
+                  <a:solidFill>
+                    <a:schemeClr val="tx1"/>
+                  </a:solidFill>
+                </a:endParaRPr>
+              </a:p>
+            </p:txBody>
+          </p:sp>
+        </p:grpSp>
+        <p:grpSp>
+          <p:nvGrpSpPr>
+            <p:cNvPr id="3" name="Group 2"/>
+            <p:cNvGrpSpPr/>
             <p:nvPr/>
-          </p:nvSpPr>
-          <p:spPr>
+          </p:nvGrpSpPr>
+          <p:grpSpPr>
             <a:xfrm>
-              <a:off x="352425" y="2755807"/>
-              <a:ext cx="1002677" cy="351041"/>
+              <a:off x="4552464" y="940333"/>
+              <a:ext cx="4334042" cy="5460467"/>
+              <a:chOff x="4552464" y="953228"/>
+              <a:chExt cx="4334042" cy="5652056"/>
             </a:xfrm>
-            <a:prstGeom prst="ellipse">
-              <a:avLst/>
-            </a:prstGeom>
-            <a:noFill/>
-            <a:ln w="44450">
+          </p:grpSpPr>
+          <p:pic>
+            <p:nvPicPr>
+              <p:cNvPr id="1026" name="Picture 2" descr="C:\Users\Pedro\Desktop\Z_DRIVE_Pedro\2 Music - Controllers\0_MAPS_Traktor\DDJ Pioneer\2 - Archived DDJ TSIs\MAC OS instructions\macOS output routing - 84831868_2249822195312771_8101665336648007680_n (1).jpg"/>
+              <p:cNvPicPr>
+                <a:picLocks noChangeAspect="1" noChangeArrowheads="1"/>
+              </p:cNvPicPr>
+              <p:nvPr/>
+            </p:nvPicPr>
+            <p:blipFill rotWithShape="1">
+              <a:blip r:embed="rId3" cstate="print">
+                <a:extLst>
+                  <a:ext uri="{28A0092B-C50C-407E-A947-70E740481C1C}">
+                    <a14:useLocalDpi xmlns:a14="http://schemas.microsoft.com/office/drawing/2010/main" val="0"/>
+                  </a:ext>
+                </a:extLst>
+              </a:blip>
+              <a:srcRect l="2828" b="2208"/>
+              <a:stretch/>
+            </p:blipFill>
+            <p:spPr bwMode="auto">
+              <a:xfrm>
+                <a:off x="4648200" y="1981200"/>
+                <a:ext cx="4238306" cy="4624084"/>
+              </a:xfrm>
+              <a:prstGeom prst="rect">
+                <a:avLst/>
+              </a:prstGeom>
+              <a:noFill/>
+              <a:extLst>
+                <a:ext uri="{909E8E84-426E-40DD-AFC4-6F175D3DCCD1}">
+                  <a14:hiddenFill xmlns:a14="http://schemas.microsoft.com/office/drawing/2010/main">
+                    <a:solidFill>
+                      <a:srgbClr val="FFFFFF"/>
+                    </a:solidFill>
+                  </a14:hiddenFill>
+                </a:ext>
+              </a:extLst>
+            </p:spPr>
+          </p:pic>
+          <p:sp>
+            <p:nvSpPr>
+              <p:cNvPr id="13" name="Line Callout 1 (Accent Bar) 12"/>
+              <p:cNvSpPr/>
+              <p:nvPr/>
+            </p:nvSpPr>
+            <p:spPr>
+              <a:xfrm>
+                <a:off x="4648200" y="953228"/>
+                <a:ext cx="2254817" cy="798790"/>
+              </a:xfrm>
+              <a:prstGeom prst="accentCallout1">
+                <a:avLst>
+                  <a:gd name="adj1" fmla="val 41417"/>
+                  <a:gd name="adj2" fmla="val 103504"/>
+                  <a:gd name="adj3" fmla="val 257896"/>
+                  <a:gd name="adj4" fmla="val 127777"/>
+                </a:avLst>
+              </a:prstGeom>
               <a:solidFill>
-                <a:srgbClr val="C00000"/>
+                <a:schemeClr val="bg1">
+                  <a:lumMod val="85000"/>
+                </a:schemeClr>
               </a:solidFill>
-            </a:ln>
-          </p:spPr>
-          <p:style>
-            <a:lnRef idx="2">
-              <a:schemeClr val="accent1">
-                <a:shade val="50000"/>
-              </a:schemeClr>
-            </a:lnRef>
-            <a:fillRef idx="1">
-              <a:schemeClr val="accent1"/>
-            </a:fillRef>
-            <a:effectRef idx="0">
-              <a:schemeClr val="accent1"/>
-            </a:effectRef>
-            <a:fontRef idx="minor">
-              <a:schemeClr val="lt1"/>
-            </a:fontRef>
-          </p:style>
-          <p:txBody>
-            <a:bodyPr rtlCol="0" anchor="ctr"/>
-            <a:lstStyle/>
-            <a:p>
-              <a:pPr algn="ctr"/>
-              <a:endParaRPr lang="en-US"/>
-            </a:p>
-          </p:txBody>
-        </p:sp>
+              <a:ln>
+                <a:solidFill>
+                  <a:srgbClr val="C00000"/>
+                </a:solidFill>
+              </a:ln>
+            </p:spPr>
+            <p:style>
+              <a:lnRef idx="2">
+                <a:schemeClr val="accent1">
+                  <a:shade val="50000"/>
+                </a:schemeClr>
+              </a:lnRef>
+              <a:fillRef idx="1">
+                <a:schemeClr val="accent1"/>
+              </a:fillRef>
+              <a:effectRef idx="0">
+                <a:schemeClr val="accent1"/>
+              </a:effectRef>
+              <a:fontRef idx="minor">
+                <a:schemeClr val="lt1"/>
+              </a:fontRef>
+            </p:style>
+            <p:txBody>
+              <a:bodyPr lIns="0" tIns="0" rIns="0" bIns="0" rtlCol="0" anchor="ctr"/>
+              <a:lstStyle/>
+              <a:p>
+                <a:pPr algn="r"/>
+                <a:r>
+                  <a:rPr lang="en-US" u="sng" dirty="0" err="1" smtClean="0">
+                    <a:solidFill>
+                      <a:schemeClr val="tx1"/>
+                    </a:solidFill>
+                  </a:rPr>
+                  <a:t>MacOS</a:t>
+                </a:r>
+                <a:r>
+                  <a:rPr lang="en-US" u="sng" dirty="0" smtClean="0">
+                    <a:solidFill>
+                      <a:schemeClr val="tx1"/>
+                    </a:solidFill>
+                  </a:rPr>
+                  <a:t>:</a:t>
+                </a:r>
+                <a:r>
+                  <a:rPr lang="en-US" dirty="0" smtClean="0">
+                    <a:solidFill>
+                      <a:schemeClr val="tx1"/>
+                    </a:solidFill>
+                  </a:rPr>
+                  <a:t> channels</a:t>
+                </a:r>
+                <a:br>
+                  <a:rPr lang="en-US" dirty="0" smtClean="0">
+                    <a:solidFill>
+                      <a:schemeClr val="tx1"/>
+                    </a:solidFill>
+                  </a:rPr>
+                </a:br>
+                <a:r>
+                  <a:rPr lang="en-US" dirty="0" smtClean="0">
+                    <a:solidFill>
+                      <a:schemeClr val="tx1"/>
+                    </a:solidFill>
+                  </a:rPr>
+                  <a:t>are 2 </a:t>
+                </a:r>
+                <a:r>
+                  <a:rPr lang="en-US" dirty="0" smtClean="0">
+                    <a:solidFill>
+                      <a:schemeClr val="tx1"/>
+                    </a:solidFill>
+                  </a:rPr>
+                  <a:t>/ 3 / 0 / 1</a:t>
+                </a:r>
+                <a:endParaRPr lang="en-US" dirty="0">
+                  <a:solidFill>
+                    <a:schemeClr val="tx1"/>
+                  </a:solidFill>
+                </a:endParaRPr>
+              </a:p>
+            </p:txBody>
+          </p:sp>
+          <p:grpSp>
+            <p:nvGrpSpPr>
+              <p:cNvPr id="24" name="Group 23"/>
+              <p:cNvGrpSpPr/>
+              <p:nvPr/>
+            </p:nvGrpSpPr>
+            <p:grpSpPr>
+              <a:xfrm>
+                <a:off x="4552464" y="2300675"/>
+                <a:ext cx="2610336" cy="312941"/>
+                <a:chOff x="352425" y="2755807"/>
+                <a:chExt cx="2394224" cy="351041"/>
+              </a:xfrm>
+            </p:grpSpPr>
+            <p:sp>
+              <p:nvSpPr>
+                <p:cNvPr id="25" name="Oval 24"/>
+                <p:cNvSpPr/>
+                <p:nvPr/>
+              </p:nvSpPr>
+              <p:spPr>
+                <a:xfrm>
+                  <a:off x="2087726" y="2755807"/>
+                  <a:ext cx="658923" cy="351041"/>
+                </a:xfrm>
+                <a:prstGeom prst="ellipse">
+                  <a:avLst/>
+                </a:prstGeom>
+                <a:noFill/>
+                <a:ln w="44450">
+                  <a:solidFill>
+                    <a:srgbClr val="C00000"/>
+                  </a:solidFill>
+                </a:ln>
+              </p:spPr>
+              <p:style>
+                <a:lnRef idx="2">
+                  <a:schemeClr val="accent1">
+                    <a:shade val="50000"/>
+                  </a:schemeClr>
+                </a:lnRef>
+                <a:fillRef idx="1">
+                  <a:schemeClr val="accent1"/>
+                </a:fillRef>
+                <a:effectRef idx="0">
+                  <a:schemeClr val="accent1"/>
+                </a:effectRef>
+                <a:fontRef idx="minor">
+                  <a:schemeClr val="lt1"/>
+                </a:fontRef>
+              </p:style>
+              <p:txBody>
+                <a:bodyPr rtlCol="0" anchor="ctr"/>
+                <a:lstStyle/>
+                <a:p>
+                  <a:pPr algn="ctr"/>
+                  <a:endParaRPr lang="en-US"/>
+                </a:p>
+              </p:txBody>
+            </p:sp>
+            <p:sp>
+              <p:nvSpPr>
+                <p:cNvPr id="26" name="Oval 25"/>
+                <p:cNvSpPr/>
+                <p:nvPr/>
+              </p:nvSpPr>
+              <p:spPr>
+                <a:xfrm>
+                  <a:off x="352425" y="2755807"/>
+                  <a:ext cx="1002677" cy="351041"/>
+                </a:xfrm>
+                <a:prstGeom prst="ellipse">
+                  <a:avLst/>
+                </a:prstGeom>
+                <a:noFill/>
+                <a:ln w="44450">
+                  <a:solidFill>
+                    <a:srgbClr val="C00000"/>
+                  </a:solidFill>
+                </a:ln>
+              </p:spPr>
+              <p:style>
+                <a:lnRef idx="2">
+                  <a:schemeClr val="accent1">
+                    <a:shade val="50000"/>
+                  </a:schemeClr>
+                </a:lnRef>
+                <a:fillRef idx="1">
+                  <a:schemeClr val="accent1"/>
+                </a:fillRef>
+                <a:effectRef idx="0">
+                  <a:schemeClr val="accent1"/>
+                </a:effectRef>
+                <a:fontRef idx="minor">
+                  <a:schemeClr val="lt1"/>
+                </a:fontRef>
+              </p:style>
+              <p:txBody>
+                <a:bodyPr rtlCol="0" anchor="ctr"/>
+                <a:lstStyle/>
+                <a:p>
+                  <a:pPr algn="ctr"/>
+                  <a:endParaRPr lang="en-US"/>
+                </a:p>
+              </p:txBody>
+            </p:sp>
+          </p:grpSp>
+          <p:sp>
+            <p:nvSpPr>
+              <p:cNvPr id="27" name="Oval 26"/>
+              <p:cNvSpPr/>
+              <p:nvPr/>
+            </p:nvSpPr>
+            <p:spPr>
+              <a:xfrm>
+                <a:off x="6399496" y="2613616"/>
+                <a:ext cx="1159444" cy="1177334"/>
+              </a:xfrm>
+              <a:prstGeom prst="ellipse">
+                <a:avLst/>
+              </a:prstGeom>
+              <a:noFill/>
+              <a:ln w="44450">
+                <a:solidFill>
+                  <a:srgbClr val="C00000"/>
+                </a:solidFill>
+              </a:ln>
+            </p:spPr>
+            <p:style>
+              <a:lnRef idx="2">
+                <a:schemeClr val="accent1">
+                  <a:shade val="50000"/>
+                </a:schemeClr>
+              </a:lnRef>
+              <a:fillRef idx="1">
+                <a:schemeClr val="accent1"/>
+              </a:fillRef>
+              <a:effectRef idx="0">
+                <a:schemeClr val="accent1"/>
+              </a:effectRef>
+              <a:fontRef idx="minor">
+                <a:schemeClr val="lt1"/>
+              </a:fontRef>
+            </p:style>
+            <p:txBody>
+              <a:bodyPr rtlCol="0" anchor="ctr"/>
+              <a:lstStyle/>
+              <a:p>
+                <a:pPr algn="ctr"/>
+                <a:endParaRPr lang="en-US"/>
+              </a:p>
+            </p:txBody>
+          </p:sp>
+        </p:grpSp>
       </p:grpSp>
       <p:sp>
         <p:nvSpPr>
-          <p:cNvPr id="27" name="Oval 26"/>
-          <p:cNvSpPr/>
+          <p:cNvPr id="20" name="TextBox 19"/>
+          <p:cNvSpPr txBox="1"/>
           <p:nvPr/>
         </p:nvSpPr>
         <p:spPr>
           <a:xfrm>
-            <a:off x="6399496" y="2613616"/>
-            <a:ext cx="1159444" cy="1177334"/>
-          </a:xfrm>
-          <a:prstGeom prst="ellipse">
+            <a:off x="381000" y="685800"/>
+            <a:ext cx="8089549" cy="1200329"/>
+          </a:xfrm>
+          <a:prstGeom prst="rect">
             <a:avLst/>
           </a:prstGeom>
           <a:noFill/>
-          <a:ln w="44450">
+          <a:ln>
             <a:solidFill>
-              <a:srgbClr val="C00000"/>
+              <a:schemeClr val="tx2"/>
             </a:solidFill>
           </a:ln>
         </p:spPr>
-        <p:style>
-          <a:lnRef idx="2">
-            <a:schemeClr val="accent1">
-              <a:shade val="50000"/>
-            </a:schemeClr>
-          </a:lnRef>
-          <a:fillRef idx="1">
-            <a:schemeClr val="accent1"/>
-          </a:fillRef>
-          <a:effectRef idx="0">
-            <a:schemeClr val="accent1"/>
-          </a:effectRef>
-          <a:fontRef idx="minor">
-            <a:schemeClr val="lt1"/>
-          </a:fontRef>
-        </p:style>
-        <p:txBody>
-          <a:bodyPr rtlCol="0" anchor="ctr"/>
-          <a:lstStyle/>
-          <a:p>
-            <a:pPr algn="ctr"/>
-            <a:endParaRPr lang="en-US"/>
+        <p:txBody>
+          <a:bodyPr wrap="square" rtlCol="0">
+            <a:spAutoFit/>
+          </a:bodyPr>
+          <a:lstStyle/>
+          <a:p>
+            <a:r>
+              <a:rPr lang="en-US" sz="2400" b="1" i="1" dirty="0" smtClean="0"/>
+              <a:t>Important: the below pictures is </a:t>
+            </a:r>
+            <a:r>
+              <a:rPr lang="en-US" sz="2400" i="1" dirty="0" smtClean="0"/>
+              <a:t>for DDJ-1000; </a:t>
+            </a:r>
+            <a:br>
+              <a:rPr lang="en-US" sz="2400" i="1" dirty="0" smtClean="0"/>
+            </a:br>
+            <a:r>
+              <a:rPr lang="en-US" sz="2400" i="1" dirty="0" smtClean="0"/>
+              <a:t>the other DDJ are </a:t>
+            </a:r>
+            <a:r>
+              <a:rPr lang="en-US" sz="2400" i="1" u="sng" dirty="0" smtClean="0"/>
+              <a:t>different</a:t>
+            </a:r>
+            <a:r>
+              <a:rPr lang="en-US" sz="2400" i="1" dirty="0" smtClean="0"/>
+              <a:t> if they are </a:t>
+            </a:r>
+            <a:r>
+              <a:rPr lang="en-US" sz="2400" i="1" u="sng" dirty="0" smtClean="0"/>
+              <a:t>internal or external mode </a:t>
+            </a:r>
+            <a:r>
+              <a:rPr lang="en-US" sz="2400" i="1" dirty="0" smtClean="0"/>
+              <a:t>See annexes for specific pictures for your DDJ!</a:t>
+            </a:r>
+            <a:endParaRPr lang="en-US" sz="4400" i="1" dirty="0"/>
           </a:p>
         </p:txBody>
       </p:sp>
@@ -11955,8 +12683,8 @@
               <a:buAutoNum type="arabicParenR" startAt="10"/>
             </a:pPr>
             <a:r>
-              <a:rPr lang="en-US" dirty="0" smtClean="0"/>
-              <a:t>Start DDJ-1000</a:t>
+              <a:rPr lang="en-US" dirty="0"/>
+              <a:t>Start BOME</a:t>
             </a:r>
           </a:p>
           <a:p>
@@ -11966,8 +12694,9 @@
             </a:pPr>
             <a:r>
               <a:rPr lang="en-US" dirty="0" smtClean="0"/>
-              <a:t>Start BOME</a:t>
-            </a:r>
+              <a:t>Start your DDJ</a:t>
+            </a:r>
+            <a:endParaRPr lang="en-US" dirty="0" smtClean="0"/>
           </a:p>
           <a:p>
             <a:pPr marL="800100" lvl="1" indent="-342900">
@@ -15200,13 +15929,8 @@
             </a:r>
             <a:r>
               <a:rPr lang="en-US" sz="1600" i="1" dirty="0" smtClean="0"/>
-              <a:t> </a:t>
-            </a:r>
-            <a:r>
-              <a:rPr lang="en-US" sz="1600" i="1" dirty="0" smtClean="0"/>
-              <a:t>mapping (for v6.1.X – not yet updated to V6.7.0 BOME)</a:t>
-            </a:r>
-            <a:endParaRPr lang="en-US" sz="1600" i="1" dirty="0" smtClean="0"/>
+              <a:t> mapping (for v6.1.X – not yet updated to V6.7.0 BOME)</a:t>
+            </a:r>
           </a:p>
           <a:p>
             <a:endParaRPr lang="en-US" sz="1600" dirty="0" smtClean="0"/>
@@ -15231,11 +15955,7 @@
             </a:pPr>
             <a:r>
               <a:rPr lang="en-US" sz="1600" dirty="0" smtClean="0"/>
-              <a:t>Jog screens are NOT supported. This is because they are not documented on the Pioneer MIDI map </a:t>
-            </a:r>
-            <a:r>
-              <a:rPr lang="en-US" sz="1600" dirty="0" smtClean="0"/>
-              <a:t>file. Please request this in </a:t>
+              <a:t>Jog screens are NOT supported. This is because they are not documented on the Pioneer MIDI map file. Please request this in </a:t>
             </a:r>
             <a:r>
               <a:rPr lang="en-US" sz="1600" dirty="0">
@@ -15251,13 +15971,8 @@
             </a:r>
             <a:r>
               <a:rPr lang="en-US" sz="1600" dirty="0" smtClean="0"/>
-              <a:t> </a:t>
-            </a:r>
-            <a:r>
-              <a:rPr lang="en-US" sz="1600" dirty="0" smtClean="0"/>
-              <a:t> </a:t>
-            </a:r>
-            <a:endParaRPr lang="en-US" sz="1600" dirty="0" smtClean="0"/>
+              <a:t>  </a:t>
+            </a:r>
           </a:p>
           <a:p>
             <a:pPr marL="285750" indent="-285750">
@@ -15427,11 +16142,7 @@
             <a:pPr algn="ctr"/>
             <a:r>
               <a:rPr lang="en-US" sz="7200" b="1" dirty="0" smtClean="0"/>
-              <a:t>ANNEX: </a:t>
-            </a:r>
-            <a:r>
-              <a:rPr lang="en-US" sz="7200" b="1" dirty="0" smtClean="0"/>
-              <a:t>DDJ-1000SRT</a:t>
+              <a:t>ANNEX: DDJ-1000SRT</a:t>
             </a:r>
             <a:endParaRPr lang="en-US" sz="2000" b="1" i="1" dirty="0"/>
           </a:p>
@@ -15799,11 +16510,7 @@
             <a:pPr algn="ctr"/>
             <a:r>
               <a:rPr lang="en-US" sz="7200" b="1" dirty="0" smtClean="0"/>
-              <a:t>ANNEX: </a:t>
-            </a:r>
-            <a:r>
-              <a:rPr lang="en-US" sz="7200" b="1" dirty="0" smtClean="0"/>
-              <a:t>DDJ-1000SRT</a:t>
+              <a:t>ANNEX: DDJ-1000SRT</a:t>
             </a:r>
             <a:endParaRPr lang="en-US" sz="2000" b="1" i="1" dirty="0"/>
           </a:p>
@@ -16139,128 +16846,251 @@
           </a:extLst>
         </p:spPr>
       </p:pic>
+      <p:pic>
+        <p:nvPicPr>
+          <p:cNvPr id="13" name="Picture 2" descr="C:\Users\Pedro\Desktop\Z_DRIVE_Pedro\2 Music - Controllers\0_MAPS_Traktor\DDJ Pioneer\XDJ-XZ version (based on v6.1.2)\pics\traktor settings 2.png"/>
+          <p:cNvPicPr>
+            <a:picLocks noChangeAspect="1" noChangeArrowheads="1"/>
+          </p:cNvPicPr>
+          <p:nvPr/>
+        </p:nvPicPr>
+        <p:blipFill>
+          <a:blip r:embed="rId3" cstate="print">
+            <a:extLst>
+              <a:ext uri="{28A0092B-C50C-407E-A947-70E740481C1C}">
+                <a14:useLocalDpi xmlns:a14="http://schemas.microsoft.com/office/drawing/2010/main" val="0"/>
+              </a:ext>
+            </a:extLst>
+          </a:blip>
+          <a:srcRect/>
+          <a:stretch>
+            <a:fillRect/>
+          </a:stretch>
+        </p:blipFill>
+        <p:spPr bwMode="auto">
+          <a:xfrm>
+            <a:off x="6477000" y="1719471"/>
+            <a:ext cx="2099733" cy="2362200"/>
+          </a:xfrm>
+          <a:prstGeom prst="rect">
+            <a:avLst/>
+          </a:prstGeom>
+          <a:noFill/>
+          <a:extLst>
+            <a:ext uri="{909E8E84-426E-40DD-AFC4-6F175D3DCCD1}">
+              <a14:hiddenFill xmlns:a14="http://schemas.microsoft.com/office/drawing/2010/main">
+                <a:solidFill>
+                  <a:srgbClr val="FFFFFF"/>
+                </a:solidFill>
+              </a14:hiddenFill>
+            </a:ext>
+          </a:extLst>
+        </p:spPr>
+      </p:pic>
       <p:grpSp>
         <p:nvGrpSpPr>
-          <p:cNvPr id="8" name="Group 7"/>
+          <p:cNvPr id="15" name="Group 14"/>
           <p:cNvGrpSpPr/>
           <p:nvPr/>
         </p:nvGrpSpPr>
         <p:grpSpPr>
           <a:xfrm>
             <a:off x="2856009" y="1731629"/>
-            <a:ext cx="3163848" cy="2321164"/>
-            <a:chOff x="2926591" y="1731628"/>
-            <a:chExt cx="4052815" cy="2973357"/>
+            <a:ext cx="3740788" cy="4144701"/>
+            <a:chOff x="2856009" y="1731629"/>
+            <a:chExt cx="3740788" cy="4144701"/>
           </a:xfrm>
         </p:grpSpPr>
-        <p:pic>
-          <p:nvPicPr>
-            <p:cNvPr id="5" name="Picture 3"/>
-            <p:cNvPicPr>
-              <a:picLocks noChangeAspect="1" noChangeArrowheads="1"/>
-            </p:cNvPicPr>
+        <p:grpSp>
+          <p:nvGrpSpPr>
+            <p:cNvPr id="14" name="Group 13"/>
+            <p:cNvGrpSpPr/>
             <p:nvPr/>
-          </p:nvPicPr>
-          <p:blipFill>
-            <a:blip r:embed="rId3">
+          </p:nvGrpSpPr>
+          <p:grpSpPr>
+            <a:xfrm>
+              <a:off x="2856009" y="1731629"/>
+              <a:ext cx="3163848" cy="2321164"/>
+              <a:chOff x="2856009" y="1731629"/>
+              <a:chExt cx="3163848" cy="2321164"/>
+            </a:xfrm>
+          </p:grpSpPr>
+          <p:pic>
+            <p:nvPicPr>
+              <p:cNvPr id="5" name="Picture 3"/>
+              <p:cNvPicPr>
+                <a:picLocks noChangeAspect="1" noChangeArrowheads="1"/>
+              </p:cNvPicPr>
+              <p:nvPr/>
+            </p:nvPicPr>
+            <p:blipFill>
+              <a:blip r:embed="rId4">
+                <a:extLst>
+                  <a:ext uri="{28A0092B-C50C-407E-A947-70E740481C1C}">
+                    <a14:useLocalDpi xmlns:a14="http://schemas.microsoft.com/office/drawing/2010/main" val="0"/>
+                  </a:ext>
+                </a:extLst>
+              </a:blip>
+              <a:srcRect/>
+              <a:stretch>
+                <a:fillRect/>
+              </a:stretch>
+            </p:blipFill>
+            <p:spPr bwMode="auto">
+              <a:xfrm>
+                <a:off x="2856009" y="1731629"/>
+                <a:ext cx="3163848" cy="1777140"/>
+              </a:xfrm>
+              <a:prstGeom prst="rect">
+                <a:avLst/>
+              </a:prstGeom>
+              <a:noFill/>
+              <a:ln>
+                <a:noFill/>
+              </a:ln>
               <a:extLst>
-                <a:ext uri="{28A0092B-C50C-407E-A947-70E740481C1C}">
-                  <a14:useLocalDpi xmlns:a14="http://schemas.microsoft.com/office/drawing/2010/main" val="0"/>
+                <a:ext uri="{909E8E84-426E-40DD-AFC4-6F175D3DCCD1}">
+                  <a14:hiddenFill xmlns:a14="http://schemas.microsoft.com/office/drawing/2010/main">
+                    <a:solidFill>
+                      <a:schemeClr val="accent1"/>
+                    </a:solidFill>
+                  </a14:hiddenFill>
+                </a:ext>
+                <a:ext uri="{91240B29-F687-4F45-9708-019B960494DF}">
+                  <a14:hiddenLine xmlns:a14="http://schemas.microsoft.com/office/drawing/2010/main" w="9525">
+                    <a:solidFill>
+                      <a:schemeClr val="tx1"/>
+                    </a:solidFill>
+                    <a:miter lim="800000"/>
+                    <a:headEnd/>
+                    <a:tailEnd/>
+                  </a14:hiddenLine>
                 </a:ext>
               </a:extLst>
-            </a:blip>
-            <a:srcRect/>
-            <a:stretch>
-              <a:fillRect/>
-            </a:stretch>
-          </p:blipFill>
-          <p:spPr bwMode="auto">
-            <a:xfrm>
-              <a:off x="2926591" y="1731628"/>
-              <a:ext cx="4052815" cy="2276475"/>
-            </a:xfrm>
-            <a:prstGeom prst="rect">
-              <a:avLst/>
-            </a:prstGeom>
-            <a:noFill/>
-            <a:ln>
-              <a:noFill/>
-            </a:ln>
-            <a:extLst>
-              <a:ext uri="{909E8E84-426E-40DD-AFC4-6F175D3DCCD1}">
-                <a14:hiddenFill xmlns:a14="http://schemas.microsoft.com/office/drawing/2010/main">
-                  <a:solidFill>
-                    <a:schemeClr val="accent1"/>
-                  </a:solidFill>
-                </a14:hiddenFill>
-              </a:ext>
-              <a:ext uri="{91240B29-F687-4F45-9708-019B960494DF}">
-                <a14:hiddenLine xmlns:a14="http://schemas.microsoft.com/office/drawing/2010/main" w="9525">
-                  <a:solidFill>
-                    <a:schemeClr val="tx1"/>
-                  </a:solidFill>
-                  <a:miter lim="800000"/>
-                  <a:headEnd/>
-                  <a:tailEnd/>
-                </a14:hiddenLine>
-              </a:ext>
-            </a:extLst>
-          </p:spPr>
-        </p:pic>
-        <p:pic>
-          <p:nvPicPr>
-            <p:cNvPr id="6" name="Picture 4"/>
-            <p:cNvPicPr>
-              <a:picLocks noChangeAspect="1" noChangeArrowheads="1"/>
-            </p:cNvPicPr>
-            <p:nvPr/>
-          </p:nvPicPr>
-          <p:blipFill>
-            <a:blip r:embed="rId4">
-              <a:extLst>
-                <a:ext uri="{28A0092B-C50C-407E-A947-70E740481C1C}">
-                  <a14:useLocalDpi xmlns:a14="http://schemas.microsoft.com/office/drawing/2010/main" val="0"/>
-                </a:ext>
-              </a:extLst>
-            </a:blip>
-            <a:srcRect/>
-            <a:stretch>
-              <a:fillRect/>
-            </a:stretch>
-          </p:blipFill>
-          <p:spPr bwMode="auto">
-            <a:xfrm>
-              <a:off x="3993390" y="3798553"/>
-              <a:ext cx="2667001" cy="906432"/>
-            </a:xfrm>
-            <a:prstGeom prst="rect">
-              <a:avLst/>
-            </a:prstGeom>
-            <a:noFill/>
-            <a:ln>
-              <a:noFill/>
-            </a:ln>
-            <a:extLst>
-              <a:ext uri="{909E8E84-426E-40DD-AFC4-6F175D3DCCD1}">
-                <a14:hiddenFill xmlns:a14="http://schemas.microsoft.com/office/drawing/2010/main">
-                  <a:solidFill>
-                    <a:schemeClr val="accent1"/>
-                  </a:solidFill>
-                </a14:hiddenFill>
-              </a:ext>
-              <a:ext uri="{91240B29-F687-4F45-9708-019B960494DF}">
-                <a14:hiddenLine xmlns:a14="http://schemas.microsoft.com/office/drawing/2010/main" w="9525">
-                  <a:solidFill>
-                    <a:schemeClr val="tx1"/>
-                  </a:solidFill>
-                  <a:miter lim="800000"/>
-                  <a:headEnd/>
-                  <a:tailEnd/>
-                </a14:hiddenLine>
-              </a:ext>
-            </a:extLst>
-          </p:spPr>
-        </p:pic>
+            </p:spPr>
+          </p:pic>
+          <p:grpSp>
+            <p:nvGrpSpPr>
+              <p:cNvPr id="11" name="Group 10"/>
+              <p:cNvGrpSpPr/>
+              <p:nvPr/>
+            </p:nvGrpSpPr>
+            <p:grpSpPr>
+              <a:xfrm>
+                <a:off x="3688810" y="3345183"/>
+                <a:ext cx="2082006" cy="707610"/>
+                <a:chOff x="3688810" y="3345183"/>
+                <a:chExt cx="2082006" cy="707610"/>
+              </a:xfrm>
+            </p:grpSpPr>
+            <p:pic>
+              <p:nvPicPr>
+                <p:cNvPr id="6" name="Picture 4"/>
+                <p:cNvPicPr>
+                  <a:picLocks noChangeAspect="1" noChangeArrowheads="1"/>
+                </p:cNvPicPr>
+                <p:nvPr/>
+              </p:nvPicPr>
+              <p:blipFill>
+                <a:blip r:embed="rId5">
+                  <a:extLst>
+                    <a:ext uri="{28A0092B-C50C-407E-A947-70E740481C1C}">
+                      <a14:useLocalDpi xmlns:a14="http://schemas.microsoft.com/office/drawing/2010/main" val="0"/>
+                    </a:ext>
+                  </a:extLst>
+                </a:blip>
+                <a:srcRect/>
+                <a:stretch>
+                  <a:fillRect/>
+                </a:stretch>
+              </p:blipFill>
+              <p:spPr bwMode="auto">
+                <a:xfrm>
+                  <a:off x="3688810" y="3345183"/>
+                  <a:ext cx="2082006" cy="707610"/>
+                </a:xfrm>
+                <a:prstGeom prst="rect">
+                  <a:avLst/>
+                </a:prstGeom>
+                <a:noFill/>
+                <a:ln>
+                  <a:noFill/>
+                </a:ln>
+                <a:extLst>
+                  <a:ext uri="{909E8E84-426E-40DD-AFC4-6F175D3DCCD1}">
+                    <a14:hiddenFill xmlns:a14="http://schemas.microsoft.com/office/drawing/2010/main">
+                      <a:solidFill>
+                        <a:schemeClr val="accent1"/>
+                      </a:solidFill>
+                    </a14:hiddenFill>
+                  </a:ext>
+                  <a:ext uri="{91240B29-F687-4F45-9708-019B960494DF}">
+                    <a14:hiddenLine xmlns:a14="http://schemas.microsoft.com/office/drawing/2010/main" w="9525">
+                      <a:solidFill>
+                        <a:schemeClr val="tx1"/>
+                      </a:solidFill>
+                      <a:miter lim="800000"/>
+                      <a:headEnd/>
+                      <a:tailEnd/>
+                    </a14:hiddenLine>
+                  </a:ext>
+                </a:extLst>
+              </p:spPr>
+            </p:pic>
+            <p:pic>
+              <p:nvPicPr>
+                <p:cNvPr id="12" name="Picture 3"/>
+                <p:cNvPicPr>
+                  <a:picLocks noChangeAspect="1" noChangeArrowheads="1"/>
+                </p:cNvPicPr>
+                <p:nvPr/>
+              </p:nvPicPr>
+              <p:blipFill rotWithShape="1">
+                <a:blip r:embed="rId4">
+                  <a:extLst>
+                    <a:ext uri="{28A0092B-C50C-407E-A947-70E740481C1C}">
+                      <a14:useLocalDpi xmlns:a14="http://schemas.microsoft.com/office/drawing/2010/main" val="0"/>
+                    </a:ext>
+                  </a:extLst>
+                </a:blip>
+                <a:srcRect l="44857" t="76423" r="16457" b="11789"/>
+                <a:stretch/>
+              </p:blipFill>
+              <p:spPr bwMode="auto">
+                <a:xfrm>
+                  <a:off x="4314825" y="3438905"/>
+                  <a:ext cx="1223964" cy="209502"/>
+                </a:xfrm>
+                <a:prstGeom prst="rect">
+                  <a:avLst/>
+                </a:prstGeom>
+                <a:noFill/>
+                <a:ln>
+                  <a:noFill/>
+                </a:ln>
+                <a:extLst>
+                  <a:ext uri="{909E8E84-426E-40DD-AFC4-6F175D3DCCD1}">
+                    <a14:hiddenFill xmlns:a14="http://schemas.microsoft.com/office/drawing/2010/main">
+                      <a:solidFill>
+                        <a:schemeClr val="accent1"/>
+                      </a:solidFill>
+                    </a14:hiddenFill>
+                  </a:ext>
+                  <a:ext uri="{91240B29-F687-4F45-9708-019B960494DF}">
+                    <a14:hiddenLine xmlns:a14="http://schemas.microsoft.com/office/drawing/2010/main" w="9525">
+                      <a:solidFill>
+                        <a:schemeClr val="tx1"/>
+                      </a:solidFill>
+                      <a:miter lim="800000"/>
+                      <a:headEnd/>
+                      <a:tailEnd/>
+                    </a14:hiddenLine>
+                  </a:ext>
+                </a:extLst>
+              </p:spPr>
+            </p:pic>
+          </p:grpSp>
+        </p:grpSp>
         <p:sp>
           <p:nvSpPr>
             <p:cNvPr id="7" name="Left Arrow 6"/>
@@ -16269,8 +17099,8 @@
           </p:nvSpPr>
           <p:spPr>
             <a:xfrm>
-              <a:off x="6279391" y="3857530"/>
-              <a:ext cx="609600" cy="390525"/>
+              <a:off x="5473387" y="3391224"/>
+              <a:ext cx="475887" cy="304865"/>
             </a:xfrm>
             <a:prstGeom prst="leftArrow">
               <a:avLst/>
@@ -16304,132 +17134,91 @@
             </a:p>
           </p:txBody>
         </p:sp>
+        <p:sp>
+          <p:nvSpPr>
+            <p:cNvPr id="9" name="TextBox 8"/>
+            <p:cNvSpPr txBox="1"/>
+            <p:nvPr/>
+          </p:nvSpPr>
+          <p:spPr>
+            <a:xfrm>
+              <a:off x="4802844" y="4953000"/>
+              <a:ext cx="1793953" cy="923330"/>
+            </a:xfrm>
+            <a:prstGeom prst="rect">
+              <a:avLst/>
+            </a:prstGeom>
+            <a:noFill/>
+          </p:spPr>
+          <p:txBody>
+            <a:bodyPr wrap="none" rtlCol="0">
+              <a:spAutoFit/>
+            </a:bodyPr>
+            <a:lstStyle/>
+            <a:p>
+              <a:r>
+                <a:rPr lang="en-US" dirty="0" smtClean="0"/>
+                <a:t>SET PREVIEW TO </a:t>
+              </a:r>
+            </a:p>
+            <a:p>
+              <a:r>
+                <a:rPr lang="en-US" dirty="0" smtClean="0"/>
+                <a:t>SAME VALUES </a:t>
+              </a:r>
+            </a:p>
+            <a:p>
+              <a:r>
+                <a:rPr lang="en-US" dirty="0" smtClean="0"/>
+                <a:t>AS DECK 4!</a:t>
+              </a:r>
+            </a:p>
+          </p:txBody>
+        </p:sp>
+        <p:sp>
+          <p:nvSpPr>
+            <p:cNvPr id="10" name="Rectangle 9"/>
+            <p:cNvSpPr/>
+            <p:nvPr/>
+          </p:nvSpPr>
+          <p:spPr>
+            <a:xfrm>
+              <a:off x="5797457" y="3468560"/>
+              <a:ext cx="152457" cy="1444231"/>
+            </a:xfrm>
+            <a:prstGeom prst="rect">
+              <a:avLst/>
+            </a:prstGeom>
+            <a:ln>
+              <a:noFill/>
+            </a:ln>
+          </p:spPr>
+          <p:style>
+            <a:lnRef idx="2">
+              <a:schemeClr val="accent1">
+                <a:shade val="50000"/>
+              </a:schemeClr>
+            </a:lnRef>
+            <a:fillRef idx="1">
+              <a:schemeClr val="accent1"/>
+            </a:fillRef>
+            <a:effectRef idx="0">
+              <a:schemeClr val="accent1"/>
+            </a:effectRef>
+            <a:fontRef idx="minor">
+              <a:schemeClr val="lt1"/>
+            </a:fontRef>
+          </p:style>
+          <p:txBody>
+            <a:bodyPr rtlCol="0" anchor="ctr"/>
+            <a:lstStyle/>
+            <a:p>
+              <a:pPr algn="ctr"/>
+              <a:endParaRPr lang="en-US"/>
+            </a:p>
+          </p:txBody>
+        </p:sp>
       </p:grpSp>
-      <p:sp>
-        <p:nvSpPr>
-          <p:cNvPr id="9" name="TextBox 8"/>
-          <p:cNvSpPr txBox="1"/>
-          <p:nvPr/>
-        </p:nvSpPr>
-        <p:spPr>
-          <a:xfrm>
-            <a:off x="4802844" y="4953000"/>
-            <a:ext cx="1793953" cy="923330"/>
-          </a:xfrm>
-          <a:prstGeom prst="rect">
-            <a:avLst/>
-          </a:prstGeom>
-          <a:noFill/>
-        </p:spPr>
-        <p:txBody>
-          <a:bodyPr wrap="none" rtlCol="0">
-            <a:spAutoFit/>
-          </a:bodyPr>
-          <a:lstStyle/>
-          <a:p>
-            <a:r>
-              <a:rPr lang="en-US" dirty="0" smtClean="0"/>
-              <a:t>SET PREVIEW TO </a:t>
-            </a:r>
-          </a:p>
-          <a:p>
-            <a:r>
-              <a:rPr lang="en-US" dirty="0" smtClean="0"/>
-              <a:t>SAME VALUES </a:t>
-            </a:r>
-          </a:p>
-          <a:p>
-            <a:r>
-              <a:rPr lang="en-US" dirty="0" smtClean="0"/>
-              <a:t>AS DECK 4!</a:t>
-            </a:r>
-          </a:p>
-        </p:txBody>
-      </p:sp>
-      <p:pic>
-        <p:nvPicPr>
-          <p:cNvPr id="13" name="Picture 2" descr="C:\Users\Pedro\Desktop\Z_DRIVE_Pedro\2 Music - Controllers\0_MAPS_Traktor\DDJ Pioneer\XDJ-XZ version (based on v6.1.2)\pics\traktor settings 2.png"/>
-          <p:cNvPicPr>
-            <a:picLocks noChangeAspect="1" noChangeArrowheads="1"/>
-          </p:cNvPicPr>
-          <p:nvPr/>
-        </p:nvPicPr>
-        <p:blipFill>
-          <a:blip r:embed="rId5" cstate="print">
-            <a:extLst>
-              <a:ext uri="{28A0092B-C50C-407E-A947-70E740481C1C}">
-                <a14:useLocalDpi xmlns:a14="http://schemas.microsoft.com/office/drawing/2010/main" val="0"/>
-              </a:ext>
-            </a:extLst>
-          </a:blip>
-          <a:srcRect/>
-          <a:stretch>
-            <a:fillRect/>
-          </a:stretch>
-        </p:blipFill>
-        <p:spPr bwMode="auto">
-          <a:xfrm>
-            <a:off x="6477000" y="1719471"/>
-            <a:ext cx="2099733" cy="2362200"/>
-          </a:xfrm>
-          <a:prstGeom prst="rect">
-            <a:avLst/>
-          </a:prstGeom>
-          <a:noFill/>
-          <a:extLst>
-            <a:ext uri="{909E8E84-426E-40DD-AFC4-6F175D3DCCD1}">
-              <a14:hiddenFill xmlns:a14="http://schemas.microsoft.com/office/drawing/2010/main">
-                <a:solidFill>
-                  <a:srgbClr val="FFFFFF"/>
-                </a:solidFill>
-              </a14:hiddenFill>
-            </a:ext>
-          </a:extLst>
-        </p:spPr>
-      </p:pic>
-      <p:sp>
-        <p:nvSpPr>
-          <p:cNvPr id="10" name="Rectangle 9"/>
-          <p:cNvSpPr/>
-          <p:nvPr/>
-        </p:nvSpPr>
-        <p:spPr>
-          <a:xfrm>
-            <a:off x="5797457" y="3468560"/>
-            <a:ext cx="152457" cy="1444231"/>
-          </a:xfrm>
-          <a:prstGeom prst="rect">
-            <a:avLst/>
-          </a:prstGeom>
-          <a:ln>
-            <a:noFill/>
-          </a:ln>
-        </p:spPr>
-        <p:style>
-          <a:lnRef idx="2">
-            <a:schemeClr val="accent1">
-              <a:shade val="50000"/>
-            </a:schemeClr>
-          </a:lnRef>
-          <a:fillRef idx="1">
-            <a:schemeClr val="accent1"/>
-          </a:fillRef>
-          <a:effectRef idx="0">
-            <a:schemeClr val="accent1"/>
-          </a:effectRef>
-          <a:fontRef idx="minor">
-            <a:schemeClr val="lt1"/>
-          </a:fontRef>
-        </p:style>
-        <p:txBody>
-          <a:bodyPr rtlCol="0" anchor="ctr"/>
-          <a:lstStyle/>
-          <a:p>
-            <a:pPr algn="ctr"/>
-            <a:endParaRPr lang="en-US"/>
-          </a:p>
-        </p:txBody>
-      </p:sp>
     </p:spTree>
     <p:extLst>
       <p:ext uri="{BB962C8B-B14F-4D97-AF65-F5344CB8AC3E}">
@@ -16492,11 +17281,7 @@
             <a:pPr algn="ctr"/>
             <a:r>
               <a:rPr lang="en-US" sz="7200" b="1" dirty="0" smtClean="0"/>
-              <a:t>ANNEX: </a:t>
-            </a:r>
-            <a:r>
-              <a:rPr lang="en-US" sz="7200" b="1" dirty="0" smtClean="0"/>
-              <a:t>DDJ-SX3</a:t>
+              <a:t>ANNEX: DDJ-SX3</a:t>
             </a:r>
             <a:endParaRPr lang="en-US" sz="2000" b="1" i="1" dirty="0"/>
           </a:p>
@@ -16580,138 +17365,321 @@
           </a:extLst>
         </p:spPr>
       </p:pic>
+      <p:pic>
+        <p:nvPicPr>
+          <p:cNvPr id="13" name="Picture 2" descr="C:\Users\Pedro\Desktop\Z_DRIVE_Pedro\2 Music - Controllers\0_MAPS_Traktor\DDJ Pioneer\XDJ-XZ version (based on v6.1.2)\pics\traktor settings 2.png"/>
+          <p:cNvPicPr>
+            <a:picLocks noChangeAspect="1" noChangeArrowheads="1"/>
+          </p:cNvPicPr>
+          <p:nvPr/>
+        </p:nvPicPr>
+        <p:blipFill>
+          <a:blip r:embed="rId3" cstate="print">
+            <a:extLst>
+              <a:ext uri="{28A0092B-C50C-407E-A947-70E740481C1C}">
+                <a14:useLocalDpi xmlns:a14="http://schemas.microsoft.com/office/drawing/2010/main" val="0"/>
+              </a:ext>
+            </a:extLst>
+          </a:blip>
+          <a:srcRect/>
+          <a:stretch>
+            <a:fillRect/>
+          </a:stretch>
+        </p:blipFill>
+        <p:spPr bwMode="auto">
+          <a:xfrm>
+            <a:off x="6477000" y="2232167"/>
+            <a:ext cx="2099733" cy="2362200"/>
+          </a:xfrm>
+          <a:prstGeom prst="rect">
+            <a:avLst/>
+          </a:prstGeom>
+          <a:noFill/>
+          <a:extLst>
+            <a:ext uri="{909E8E84-426E-40DD-AFC4-6F175D3DCCD1}">
+              <a14:hiddenFill xmlns:a14="http://schemas.microsoft.com/office/drawing/2010/main">
+                <a:solidFill>
+                  <a:srgbClr val="FFFFFF"/>
+                </a:solidFill>
+              </a14:hiddenFill>
+            </a:ext>
+          </a:extLst>
+        </p:spPr>
+      </p:pic>
+      <p:sp>
+        <p:nvSpPr>
+          <p:cNvPr id="12" name="TextBox 11"/>
+          <p:cNvSpPr txBox="1"/>
+          <p:nvPr/>
+        </p:nvSpPr>
+        <p:spPr>
+          <a:xfrm>
+            <a:off x="234583" y="1893867"/>
+            <a:ext cx="2426433" cy="369332"/>
+          </a:xfrm>
+          <a:prstGeom prst="rect">
+            <a:avLst/>
+          </a:prstGeom>
+          <a:noFill/>
+        </p:spPr>
+        <p:txBody>
+          <a:bodyPr wrap="none" rtlCol="0">
+            <a:spAutoFit/>
+          </a:bodyPr>
+          <a:lstStyle/>
+          <a:p>
+            <a:r>
+              <a:rPr lang="en-US" dirty="0" smtClean="0"/>
+              <a:t>(Select SX3 device here)</a:t>
+            </a:r>
+            <a:endParaRPr lang="en-US" dirty="0"/>
+          </a:p>
+        </p:txBody>
+      </p:sp>
+      <p:sp>
+        <p:nvSpPr>
+          <p:cNvPr id="14" name="TextBox 13"/>
+          <p:cNvSpPr txBox="1"/>
+          <p:nvPr/>
+        </p:nvSpPr>
+        <p:spPr>
+          <a:xfrm>
+            <a:off x="3284897" y="1886720"/>
+            <a:ext cx="2426433" cy="369332"/>
+          </a:xfrm>
+          <a:prstGeom prst="rect">
+            <a:avLst/>
+          </a:prstGeom>
+          <a:noFill/>
+        </p:spPr>
+        <p:txBody>
+          <a:bodyPr wrap="none" rtlCol="0">
+            <a:spAutoFit/>
+          </a:bodyPr>
+          <a:lstStyle/>
+          <a:p>
+            <a:r>
+              <a:rPr lang="en-US" dirty="0" smtClean="0"/>
+              <a:t>(Select SX3 device here)</a:t>
+            </a:r>
+            <a:endParaRPr lang="en-US" dirty="0"/>
+          </a:p>
+        </p:txBody>
+      </p:sp>
       <p:grpSp>
         <p:nvGrpSpPr>
-          <p:cNvPr id="8" name="Group 7"/>
+          <p:cNvPr id="25" name="Group 24"/>
           <p:cNvGrpSpPr/>
           <p:nvPr/>
         </p:nvGrpSpPr>
         <p:grpSpPr>
           <a:xfrm>
-            <a:off x="2856009" y="2244325"/>
-            <a:ext cx="3163848" cy="2321164"/>
-            <a:chOff x="2926591" y="1731628"/>
-            <a:chExt cx="4052815" cy="2973357"/>
+            <a:off x="2895841" y="2256052"/>
+            <a:ext cx="3740788" cy="4144701"/>
+            <a:chOff x="2856009" y="1731629"/>
+            <a:chExt cx="3740788" cy="4144701"/>
           </a:xfrm>
         </p:grpSpPr>
-        <p:pic>
-          <p:nvPicPr>
-            <p:cNvPr id="5" name="Picture 3"/>
-            <p:cNvPicPr>
-              <a:picLocks noChangeAspect="1" noChangeArrowheads="1"/>
-            </p:cNvPicPr>
+        <p:grpSp>
+          <p:nvGrpSpPr>
+            <p:cNvPr id="26" name="Group 25"/>
+            <p:cNvGrpSpPr/>
             <p:nvPr/>
-          </p:nvPicPr>
-          <p:blipFill>
-            <a:blip r:embed="rId3">
+          </p:nvGrpSpPr>
+          <p:grpSpPr>
+            <a:xfrm>
+              <a:off x="2856009" y="1731629"/>
+              <a:ext cx="3163848" cy="2321164"/>
+              <a:chOff x="2856009" y="1731629"/>
+              <a:chExt cx="3163848" cy="2321164"/>
+            </a:xfrm>
+          </p:grpSpPr>
+          <p:pic>
+            <p:nvPicPr>
+              <p:cNvPr id="30" name="Picture 3"/>
+              <p:cNvPicPr>
+                <a:picLocks noChangeAspect="1" noChangeArrowheads="1"/>
+              </p:cNvPicPr>
+              <p:nvPr/>
+            </p:nvPicPr>
+            <p:blipFill>
+              <a:blip r:embed="rId4">
+                <a:extLst>
+                  <a:ext uri="{28A0092B-C50C-407E-A947-70E740481C1C}">
+                    <a14:useLocalDpi xmlns:a14="http://schemas.microsoft.com/office/drawing/2010/main" val="0"/>
+                  </a:ext>
+                </a:extLst>
+              </a:blip>
+              <a:srcRect/>
+              <a:stretch>
+                <a:fillRect/>
+              </a:stretch>
+            </p:blipFill>
+            <p:spPr bwMode="auto">
+              <a:xfrm>
+                <a:off x="2856009" y="1731629"/>
+                <a:ext cx="3163848" cy="1777140"/>
+              </a:xfrm>
+              <a:prstGeom prst="rect">
+                <a:avLst/>
+              </a:prstGeom>
+              <a:noFill/>
+              <a:ln>
+                <a:noFill/>
+              </a:ln>
               <a:extLst>
-                <a:ext uri="{28A0092B-C50C-407E-A947-70E740481C1C}">
-                  <a14:useLocalDpi xmlns:a14="http://schemas.microsoft.com/office/drawing/2010/main" val="0"/>
+                <a:ext uri="{909E8E84-426E-40DD-AFC4-6F175D3DCCD1}">
+                  <a14:hiddenFill xmlns:a14="http://schemas.microsoft.com/office/drawing/2010/main">
+                    <a:solidFill>
+                      <a:schemeClr val="accent1"/>
+                    </a:solidFill>
+                  </a14:hiddenFill>
+                </a:ext>
+                <a:ext uri="{91240B29-F687-4F45-9708-019B960494DF}">
+                  <a14:hiddenLine xmlns:a14="http://schemas.microsoft.com/office/drawing/2010/main" w="9525">
+                    <a:solidFill>
+                      <a:schemeClr val="tx1"/>
+                    </a:solidFill>
+                    <a:miter lim="800000"/>
+                    <a:headEnd/>
+                    <a:tailEnd/>
+                  </a14:hiddenLine>
                 </a:ext>
               </a:extLst>
-            </a:blip>
-            <a:srcRect/>
-            <a:stretch>
-              <a:fillRect/>
-            </a:stretch>
-          </p:blipFill>
-          <p:spPr bwMode="auto">
-            <a:xfrm>
-              <a:off x="2926591" y="1731628"/>
-              <a:ext cx="4052815" cy="2276475"/>
-            </a:xfrm>
-            <a:prstGeom prst="rect">
-              <a:avLst/>
-            </a:prstGeom>
-            <a:noFill/>
-            <a:ln>
-              <a:noFill/>
-            </a:ln>
-            <a:extLst>
-              <a:ext uri="{909E8E84-426E-40DD-AFC4-6F175D3DCCD1}">
-                <a14:hiddenFill xmlns:a14="http://schemas.microsoft.com/office/drawing/2010/main">
-                  <a:solidFill>
-                    <a:schemeClr val="accent1"/>
-                  </a:solidFill>
-                </a14:hiddenFill>
-              </a:ext>
-              <a:ext uri="{91240B29-F687-4F45-9708-019B960494DF}">
-                <a14:hiddenLine xmlns:a14="http://schemas.microsoft.com/office/drawing/2010/main" w="9525">
-                  <a:solidFill>
-                    <a:schemeClr val="tx1"/>
-                  </a:solidFill>
-                  <a:miter lim="800000"/>
-                  <a:headEnd/>
-                  <a:tailEnd/>
-                </a14:hiddenLine>
-              </a:ext>
-            </a:extLst>
-          </p:spPr>
-        </p:pic>
-        <p:pic>
-          <p:nvPicPr>
-            <p:cNvPr id="6" name="Picture 4"/>
-            <p:cNvPicPr>
-              <a:picLocks noChangeAspect="1" noChangeArrowheads="1"/>
-            </p:cNvPicPr>
-            <p:nvPr/>
-          </p:nvPicPr>
-          <p:blipFill>
-            <a:blip r:embed="rId4">
-              <a:extLst>
-                <a:ext uri="{28A0092B-C50C-407E-A947-70E740481C1C}">
-                  <a14:useLocalDpi xmlns:a14="http://schemas.microsoft.com/office/drawing/2010/main" val="0"/>
-                </a:ext>
-              </a:extLst>
-            </a:blip>
-            <a:srcRect/>
-            <a:stretch>
-              <a:fillRect/>
-            </a:stretch>
-          </p:blipFill>
-          <p:spPr bwMode="auto">
-            <a:xfrm>
-              <a:off x="3993390" y="3798553"/>
-              <a:ext cx="2667001" cy="906432"/>
-            </a:xfrm>
-            <a:prstGeom prst="rect">
-              <a:avLst/>
-            </a:prstGeom>
-            <a:noFill/>
-            <a:ln>
-              <a:noFill/>
-            </a:ln>
-            <a:extLst>
-              <a:ext uri="{909E8E84-426E-40DD-AFC4-6F175D3DCCD1}">
-                <a14:hiddenFill xmlns:a14="http://schemas.microsoft.com/office/drawing/2010/main">
-                  <a:solidFill>
-                    <a:schemeClr val="accent1"/>
-                  </a:solidFill>
-                </a14:hiddenFill>
-              </a:ext>
-              <a:ext uri="{91240B29-F687-4F45-9708-019B960494DF}">
-                <a14:hiddenLine xmlns:a14="http://schemas.microsoft.com/office/drawing/2010/main" w="9525">
-                  <a:solidFill>
-                    <a:schemeClr val="tx1"/>
-                  </a:solidFill>
-                  <a:miter lim="800000"/>
-                  <a:headEnd/>
-                  <a:tailEnd/>
-                </a14:hiddenLine>
-              </a:ext>
-            </a:extLst>
-          </p:spPr>
-        </p:pic>
+            </p:spPr>
+          </p:pic>
+          <p:grpSp>
+            <p:nvGrpSpPr>
+              <p:cNvPr id="31" name="Group 30"/>
+              <p:cNvGrpSpPr/>
+              <p:nvPr/>
+            </p:nvGrpSpPr>
+            <p:grpSpPr>
+              <a:xfrm>
+                <a:off x="3688810" y="3345183"/>
+                <a:ext cx="2082006" cy="707610"/>
+                <a:chOff x="3688810" y="3345183"/>
+                <a:chExt cx="2082006" cy="707610"/>
+              </a:xfrm>
+            </p:grpSpPr>
+            <p:pic>
+              <p:nvPicPr>
+                <p:cNvPr id="32" name="Picture 4"/>
+                <p:cNvPicPr>
+                  <a:picLocks noChangeAspect="1" noChangeArrowheads="1"/>
+                </p:cNvPicPr>
+                <p:nvPr/>
+              </p:nvPicPr>
+              <p:blipFill>
+                <a:blip r:embed="rId5">
+                  <a:extLst>
+                    <a:ext uri="{28A0092B-C50C-407E-A947-70E740481C1C}">
+                      <a14:useLocalDpi xmlns:a14="http://schemas.microsoft.com/office/drawing/2010/main" val="0"/>
+                    </a:ext>
+                  </a:extLst>
+                </a:blip>
+                <a:srcRect/>
+                <a:stretch>
+                  <a:fillRect/>
+                </a:stretch>
+              </p:blipFill>
+              <p:spPr bwMode="auto">
+                <a:xfrm>
+                  <a:off x="3688810" y="3345183"/>
+                  <a:ext cx="2082006" cy="707610"/>
+                </a:xfrm>
+                <a:prstGeom prst="rect">
+                  <a:avLst/>
+                </a:prstGeom>
+                <a:noFill/>
+                <a:ln>
+                  <a:noFill/>
+                </a:ln>
+                <a:extLst>
+                  <a:ext uri="{909E8E84-426E-40DD-AFC4-6F175D3DCCD1}">
+                    <a14:hiddenFill xmlns:a14="http://schemas.microsoft.com/office/drawing/2010/main">
+                      <a:solidFill>
+                        <a:schemeClr val="accent1"/>
+                      </a:solidFill>
+                    </a14:hiddenFill>
+                  </a:ext>
+                  <a:ext uri="{91240B29-F687-4F45-9708-019B960494DF}">
+                    <a14:hiddenLine xmlns:a14="http://schemas.microsoft.com/office/drawing/2010/main" w="9525">
+                      <a:solidFill>
+                        <a:schemeClr val="tx1"/>
+                      </a:solidFill>
+                      <a:miter lim="800000"/>
+                      <a:headEnd/>
+                      <a:tailEnd/>
+                    </a14:hiddenLine>
+                  </a:ext>
+                </a:extLst>
+              </p:spPr>
+            </p:pic>
+            <p:pic>
+              <p:nvPicPr>
+                <p:cNvPr id="33" name="Picture 3"/>
+                <p:cNvPicPr>
+                  <a:picLocks noChangeAspect="1" noChangeArrowheads="1"/>
+                </p:cNvPicPr>
+                <p:nvPr/>
+              </p:nvPicPr>
+              <p:blipFill rotWithShape="1">
+                <a:blip r:embed="rId4">
+                  <a:extLst>
+                    <a:ext uri="{28A0092B-C50C-407E-A947-70E740481C1C}">
+                      <a14:useLocalDpi xmlns:a14="http://schemas.microsoft.com/office/drawing/2010/main" val="0"/>
+                    </a:ext>
+                  </a:extLst>
+                </a:blip>
+                <a:srcRect l="44857" t="76423" r="16457" b="11789"/>
+                <a:stretch/>
+              </p:blipFill>
+              <p:spPr bwMode="auto">
+                <a:xfrm>
+                  <a:off x="4314825" y="3438905"/>
+                  <a:ext cx="1223964" cy="209502"/>
+                </a:xfrm>
+                <a:prstGeom prst="rect">
+                  <a:avLst/>
+                </a:prstGeom>
+                <a:noFill/>
+                <a:ln>
+                  <a:noFill/>
+                </a:ln>
+                <a:extLst>
+                  <a:ext uri="{909E8E84-426E-40DD-AFC4-6F175D3DCCD1}">
+                    <a14:hiddenFill xmlns:a14="http://schemas.microsoft.com/office/drawing/2010/main">
+                      <a:solidFill>
+                        <a:schemeClr val="accent1"/>
+                      </a:solidFill>
+                    </a14:hiddenFill>
+                  </a:ext>
+                  <a:ext uri="{91240B29-F687-4F45-9708-019B960494DF}">
+                    <a14:hiddenLine xmlns:a14="http://schemas.microsoft.com/office/drawing/2010/main" w="9525">
+                      <a:solidFill>
+                        <a:schemeClr val="tx1"/>
+                      </a:solidFill>
+                      <a:miter lim="800000"/>
+                      <a:headEnd/>
+                      <a:tailEnd/>
+                    </a14:hiddenLine>
+                  </a:ext>
+                </a:extLst>
+              </p:spPr>
+            </p:pic>
+          </p:grpSp>
+        </p:grpSp>
         <p:sp>
           <p:nvSpPr>
-            <p:cNvPr id="7" name="Left Arrow 6"/>
+            <p:cNvPr id="27" name="Left Arrow 26"/>
             <p:cNvSpPr/>
             <p:nvPr/>
           </p:nvSpPr>
           <p:spPr>
             <a:xfrm>
-              <a:off x="6279391" y="3857530"/>
-              <a:ext cx="609600" cy="390525"/>
+              <a:off x="5473387" y="3391224"/>
+              <a:ext cx="475887" cy="304865"/>
             </a:xfrm>
             <a:prstGeom prst="leftArrow">
               <a:avLst/>
@@ -16745,192 +17713,91 @@
             </a:p>
           </p:txBody>
         </p:sp>
+        <p:sp>
+          <p:nvSpPr>
+            <p:cNvPr id="28" name="TextBox 27"/>
+            <p:cNvSpPr txBox="1"/>
+            <p:nvPr/>
+          </p:nvSpPr>
+          <p:spPr>
+            <a:xfrm>
+              <a:off x="4802844" y="4953000"/>
+              <a:ext cx="1793953" cy="923330"/>
+            </a:xfrm>
+            <a:prstGeom prst="rect">
+              <a:avLst/>
+            </a:prstGeom>
+            <a:noFill/>
+          </p:spPr>
+          <p:txBody>
+            <a:bodyPr wrap="none" rtlCol="0">
+              <a:spAutoFit/>
+            </a:bodyPr>
+            <a:lstStyle/>
+            <a:p>
+              <a:r>
+                <a:rPr lang="en-US" dirty="0" smtClean="0"/>
+                <a:t>SET PREVIEW TO </a:t>
+              </a:r>
+            </a:p>
+            <a:p>
+              <a:r>
+                <a:rPr lang="en-US" dirty="0" smtClean="0"/>
+                <a:t>SAME VALUES </a:t>
+              </a:r>
+            </a:p>
+            <a:p>
+              <a:r>
+                <a:rPr lang="en-US" dirty="0" smtClean="0"/>
+                <a:t>AS DECK 4!</a:t>
+              </a:r>
+            </a:p>
+          </p:txBody>
+        </p:sp>
+        <p:sp>
+          <p:nvSpPr>
+            <p:cNvPr id="29" name="Rectangle 28"/>
+            <p:cNvSpPr/>
+            <p:nvPr/>
+          </p:nvSpPr>
+          <p:spPr>
+            <a:xfrm>
+              <a:off x="5797457" y="3468560"/>
+              <a:ext cx="152457" cy="1444231"/>
+            </a:xfrm>
+            <a:prstGeom prst="rect">
+              <a:avLst/>
+            </a:prstGeom>
+            <a:ln>
+              <a:noFill/>
+            </a:ln>
+          </p:spPr>
+          <p:style>
+            <a:lnRef idx="2">
+              <a:schemeClr val="accent1">
+                <a:shade val="50000"/>
+              </a:schemeClr>
+            </a:lnRef>
+            <a:fillRef idx="1">
+              <a:schemeClr val="accent1"/>
+            </a:fillRef>
+            <a:effectRef idx="0">
+              <a:schemeClr val="accent1"/>
+            </a:effectRef>
+            <a:fontRef idx="minor">
+              <a:schemeClr val="lt1"/>
+            </a:fontRef>
+          </p:style>
+          <p:txBody>
+            <a:bodyPr rtlCol="0" anchor="ctr"/>
+            <a:lstStyle/>
+            <a:p>
+              <a:pPr algn="ctr"/>
+              <a:endParaRPr lang="en-US"/>
+            </a:p>
+          </p:txBody>
+        </p:sp>
       </p:grpSp>
-      <p:sp>
-        <p:nvSpPr>
-          <p:cNvPr id="9" name="TextBox 8"/>
-          <p:cNvSpPr txBox="1"/>
-          <p:nvPr/>
-        </p:nvSpPr>
-        <p:spPr>
-          <a:xfrm>
-            <a:off x="4802844" y="5465696"/>
-            <a:ext cx="1793953" cy="923330"/>
-          </a:xfrm>
-          <a:prstGeom prst="rect">
-            <a:avLst/>
-          </a:prstGeom>
-          <a:noFill/>
-        </p:spPr>
-        <p:txBody>
-          <a:bodyPr wrap="none" rtlCol="0">
-            <a:spAutoFit/>
-          </a:bodyPr>
-          <a:lstStyle/>
-          <a:p>
-            <a:r>
-              <a:rPr lang="en-US" dirty="0" smtClean="0"/>
-              <a:t>SET PREVIEW TO </a:t>
-            </a:r>
-          </a:p>
-          <a:p>
-            <a:r>
-              <a:rPr lang="en-US" dirty="0" smtClean="0"/>
-              <a:t>SAME VALUES </a:t>
-            </a:r>
-          </a:p>
-          <a:p>
-            <a:r>
-              <a:rPr lang="en-US" dirty="0" smtClean="0"/>
-              <a:t>AS DECK 4!</a:t>
-            </a:r>
-          </a:p>
-        </p:txBody>
-      </p:sp>
-      <p:pic>
-        <p:nvPicPr>
-          <p:cNvPr id="13" name="Picture 2" descr="C:\Users\Pedro\Desktop\Z_DRIVE_Pedro\2 Music - Controllers\0_MAPS_Traktor\DDJ Pioneer\XDJ-XZ version (based on v6.1.2)\pics\traktor settings 2.png"/>
-          <p:cNvPicPr>
-            <a:picLocks noChangeAspect="1" noChangeArrowheads="1"/>
-          </p:cNvPicPr>
-          <p:nvPr/>
-        </p:nvPicPr>
-        <p:blipFill>
-          <a:blip r:embed="rId5" cstate="print">
-            <a:extLst>
-              <a:ext uri="{28A0092B-C50C-407E-A947-70E740481C1C}">
-                <a14:useLocalDpi xmlns:a14="http://schemas.microsoft.com/office/drawing/2010/main" val="0"/>
-              </a:ext>
-            </a:extLst>
-          </a:blip>
-          <a:srcRect/>
-          <a:stretch>
-            <a:fillRect/>
-          </a:stretch>
-        </p:blipFill>
-        <p:spPr bwMode="auto">
-          <a:xfrm>
-            <a:off x="6477000" y="2232167"/>
-            <a:ext cx="2099733" cy="2362200"/>
-          </a:xfrm>
-          <a:prstGeom prst="rect">
-            <a:avLst/>
-          </a:prstGeom>
-          <a:noFill/>
-          <a:extLst>
-            <a:ext uri="{909E8E84-426E-40DD-AFC4-6F175D3DCCD1}">
-              <a14:hiddenFill xmlns:a14="http://schemas.microsoft.com/office/drawing/2010/main">
-                <a:solidFill>
-                  <a:srgbClr val="FFFFFF"/>
-                </a:solidFill>
-              </a14:hiddenFill>
-            </a:ext>
-          </a:extLst>
-        </p:spPr>
-      </p:pic>
-      <p:sp>
-        <p:nvSpPr>
-          <p:cNvPr id="10" name="Rectangle 9"/>
-          <p:cNvSpPr/>
-          <p:nvPr/>
-        </p:nvSpPr>
-        <p:spPr>
-          <a:xfrm>
-            <a:off x="5797457" y="3981256"/>
-            <a:ext cx="152457" cy="1444231"/>
-          </a:xfrm>
-          <a:prstGeom prst="rect">
-            <a:avLst/>
-          </a:prstGeom>
-          <a:ln>
-            <a:noFill/>
-          </a:ln>
-        </p:spPr>
-        <p:style>
-          <a:lnRef idx="2">
-            <a:schemeClr val="accent1">
-              <a:shade val="50000"/>
-            </a:schemeClr>
-          </a:lnRef>
-          <a:fillRef idx="1">
-            <a:schemeClr val="accent1"/>
-          </a:fillRef>
-          <a:effectRef idx="0">
-            <a:schemeClr val="accent1"/>
-          </a:effectRef>
-          <a:fontRef idx="minor">
-            <a:schemeClr val="lt1"/>
-          </a:fontRef>
-        </p:style>
-        <p:txBody>
-          <a:bodyPr rtlCol="0" anchor="ctr"/>
-          <a:lstStyle/>
-          <a:p>
-            <a:pPr algn="ctr"/>
-            <a:endParaRPr lang="en-US"/>
-          </a:p>
-        </p:txBody>
-      </p:sp>
-      <p:sp>
-        <p:nvSpPr>
-          <p:cNvPr id="12" name="TextBox 11"/>
-          <p:cNvSpPr txBox="1"/>
-          <p:nvPr/>
-        </p:nvSpPr>
-        <p:spPr>
-          <a:xfrm>
-            <a:off x="234583" y="1893867"/>
-            <a:ext cx="2426433" cy="369332"/>
-          </a:xfrm>
-          <a:prstGeom prst="rect">
-            <a:avLst/>
-          </a:prstGeom>
-          <a:noFill/>
-        </p:spPr>
-        <p:txBody>
-          <a:bodyPr wrap="none" rtlCol="0">
-            <a:spAutoFit/>
-          </a:bodyPr>
-          <a:lstStyle/>
-          <a:p>
-            <a:r>
-              <a:rPr lang="en-US" dirty="0" smtClean="0"/>
-              <a:t>(Select SX3 device here)</a:t>
-            </a:r>
-            <a:endParaRPr lang="en-US" dirty="0"/>
-          </a:p>
-        </p:txBody>
-      </p:sp>
-      <p:sp>
-        <p:nvSpPr>
-          <p:cNvPr id="14" name="TextBox 13"/>
-          <p:cNvSpPr txBox="1"/>
-          <p:nvPr/>
-        </p:nvSpPr>
-        <p:spPr>
-          <a:xfrm>
-            <a:off x="3284897" y="1886720"/>
-            <a:ext cx="2426433" cy="369332"/>
-          </a:xfrm>
-          <a:prstGeom prst="rect">
-            <a:avLst/>
-          </a:prstGeom>
-          <a:noFill/>
-        </p:spPr>
-        <p:txBody>
-          <a:bodyPr wrap="none" rtlCol="0">
-            <a:spAutoFit/>
-          </a:bodyPr>
-          <a:lstStyle/>
-          <a:p>
-            <a:r>
-              <a:rPr lang="en-US" dirty="0" smtClean="0"/>
-              <a:t>(Select SX3 device here)</a:t>
-            </a:r>
-            <a:endParaRPr lang="en-US" dirty="0"/>
-          </a:p>
-        </p:txBody>
-      </p:sp>
     </p:spTree>
     <p:extLst>
       <p:ext uri="{BB962C8B-B14F-4D97-AF65-F5344CB8AC3E}">
@@ -16993,11 +17860,7 @@
             <a:pPr algn="ctr"/>
             <a:r>
               <a:rPr lang="en-US" sz="7200" b="1" dirty="0" smtClean="0"/>
-              <a:t>ANNEX: </a:t>
-            </a:r>
-            <a:r>
-              <a:rPr lang="en-US" sz="7200" b="1" dirty="0" smtClean="0"/>
-              <a:t>DDJ-SX2</a:t>
+              <a:t>ANNEX: DDJ-SX2</a:t>
             </a:r>
             <a:endParaRPr lang="en-US" sz="2000" b="1" i="1" dirty="0"/>
           </a:p>
@@ -18031,8 +18894,13 @@
             </a:pPr>
             <a:r>
               <a:rPr lang="en-US" dirty="0" smtClean="0"/>
-              <a:t>Turn on your DDJ-1000</a:t>
-            </a:r>
+              <a:t>Turn on your </a:t>
+            </a:r>
+            <a:r>
+              <a:rPr lang="en-US" dirty="0" smtClean="0"/>
+              <a:t>DDJ</a:t>
+            </a:r>
+            <a:endParaRPr lang="en-US" dirty="0" smtClean="0"/>
           </a:p>
           <a:p>
             <a:r>
@@ -18633,6 +19501,36 @@
           </a:p>
         </p:txBody>
       </p:sp>
+      <p:sp>
+        <p:nvSpPr>
+          <p:cNvPr id="3" name="TextBox 2"/>
+          <p:cNvSpPr txBox="1"/>
+          <p:nvPr/>
+        </p:nvSpPr>
+        <p:spPr>
+          <a:xfrm>
+            <a:off x="2209800" y="6445292"/>
+            <a:ext cx="3985386" cy="253916"/>
+          </a:xfrm>
+          <a:prstGeom prst="rect">
+            <a:avLst/>
+          </a:prstGeom>
+          <a:noFill/>
+        </p:spPr>
+        <p:txBody>
+          <a:bodyPr wrap="none" rtlCol="0">
+            <a:spAutoFit/>
+          </a:bodyPr>
+          <a:lstStyle/>
+          <a:p>
+            <a:r>
+              <a:rPr lang="en-US" sz="1050" i="1" dirty="0" smtClean="0"/>
+              <a:t>(Example for DDJ-1000; other DDJ are similar. See annexes for details)</a:t>
+            </a:r>
+            <a:endParaRPr lang="en-US" i="1" dirty="0"/>
+          </a:p>
+        </p:txBody>
+      </p:sp>
     </p:spTree>
     <p:extLst>
       <p:ext uri="{BB962C8B-B14F-4D97-AF65-F5344CB8AC3E}">
@@ -18847,6 +19745,36 @@
               <a:t>9</a:t>
             </a:fld>
             <a:endParaRPr lang="en-US"/>
+          </a:p>
+        </p:txBody>
+      </p:sp>
+      <p:sp>
+        <p:nvSpPr>
+          <p:cNvPr id="8" name="TextBox 7"/>
+          <p:cNvSpPr txBox="1"/>
+          <p:nvPr/>
+        </p:nvSpPr>
+        <p:spPr>
+          <a:xfrm>
+            <a:off x="2209800" y="6445292"/>
+            <a:ext cx="3985386" cy="253916"/>
+          </a:xfrm>
+          <a:prstGeom prst="rect">
+            <a:avLst/>
+          </a:prstGeom>
+          <a:noFill/>
+        </p:spPr>
+        <p:txBody>
+          <a:bodyPr wrap="none" rtlCol="0">
+            <a:spAutoFit/>
+          </a:bodyPr>
+          <a:lstStyle/>
+          <a:p>
+            <a:r>
+              <a:rPr lang="en-US" sz="1050" i="1" dirty="0" smtClean="0"/>
+              <a:t>(Example for DDJ-1000; other DDJ are similar. See annexes for details)</a:t>
+            </a:r>
+            <a:endParaRPr lang="en-US" i="1" dirty="0"/>
           </a:p>
         </p:txBody>
       </p:sp>
